--- a/05-branch/00-branch.pptx
+++ b/05-branch/00-branch.pptx
@@ -20,8 +20,11 @@
     <p:sldId id="311" r:id="rId14"/>
     <p:sldId id="307" r:id="rId15"/>
     <p:sldId id="312" r:id="rId16"/>
-    <p:sldId id="308" r:id="rId17"/>
-    <p:sldId id="294" r:id="rId18"/>
+    <p:sldId id="314" r:id="rId17"/>
+    <p:sldId id="308" r:id="rId18"/>
+    <p:sldId id="313" r:id="rId19"/>
+    <p:sldId id="315" r:id="rId20"/>
+    <p:sldId id="294" r:id="rId21"/>
   </p:sldIdLst>
   <p:sldSz cx="12192000" cy="6858000"/>
   <p:notesSz cx="6858000" cy="9144000"/>
@@ -275,7 +278,7 @@
           <a:p>
             <a:fld id="{18FF714F-5CF7-42B8-B1D8-067C02637288}" type="datetimeFigureOut">
               <a:rPr lang="zh-TW" altLang="en-US" smtClean="0"/>
-              <a:t>2021/9/1</a:t>
+              <a:t>2021/10/18</a:t>
             </a:fld>
             <a:endParaRPr lang="zh-TW" altLang="en-US"/>
           </a:p>
@@ -473,7 +476,7 @@
           <a:p>
             <a:fld id="{18FF714F-5CF7-42B8-B1D8-067C02637288}" type="datetimeFigureOut">
               <a:rPr lang="zh-TW" altLang="en-US" smtClean="0"/>
-              <a:t>2021/9/1</a:t>
+              <a:t>2021/10/18</a:t>
             </a:fld>
             <a:endParaRPr lang="zh-TW" altLang="en-US"/>
           </a:p>
@@ -681,7 +684,7 @@
           <a:p>
             <a:fld id="{18FF714F-5CF7-42B8-B1D8-067C02637288}" type="datetimeFigureOut">
               <a:rPr lang="zh-TW" altLang="en-US" smtClean="0"/>
-              <a:t>2021/9/1</a:t>
+              <a:t>2021/10/18</a:t>
             </a:fld>
             <a:endParaRPr lang="zh-TW" altLang="en-US"/>
           </a:p>
@@ -879,7 +882,7 @@
           <a:p>
             <a:fld id="{18FF714F-5CF7-42B8-B1D8-067C02637288}" type="datetimeFigureOut">
               <a:rPr lang="zh-TW" altLang="en-US" smtClean="0"/>
-              <a:t>2021/9/1</a:t>
+              <a:t>2021/10/18</a:t>
             </a:fld>
             <a:endParaRPr lang="zh-TW" altLang="en-US"/>
           </a:p>
@@ -1154,7 +1157,7 @@
           <a:p>
             <a:fld id="{18FF714F-5CF7-42B8-B1D8-067C02637288}" type="datetimeFigureOut">
               <a:rPr lang="zh-TW" altLang="en-US" smtClean="0"/>
-              <a:t>2021/9/1</a:t>
+              <a:t>2021/10/18</a:t>
             </a:fld>
             <a:endParaRPr lang="zh-TW" altLang="en-US"/>
           </a:p>
@@ -1419,7 +1422,7 @@
           <a:p>
             <a:fld id="{18FF714F-5CF7-42B8-B1D8-067C02637288}" type="datetimeFigureOut">
               <a:rPr lang="zh-TW" altLang="en-US" smtClean="0"/>
-              <a:t>2021/9/1</a:t>
+              <a:t>2021/10/18</a:t>
             </a:fld>
             <a:endParaRPr lang="zh-TW" altLang="en-US"/>
           </a:p>
@@ -1831,7 +1834,7 @@
           <a:p>
             <a:fld id="{18FF714F-5CF7-42B8-B1D8-067C02637288}" type="datetimeFigureOut">
               <a:rPr lang="zh-TW" altLang="en-US" smtClean="0"/>
-              <a:t>2021/9/1</a:t>
+              <a:t>2021/10/18</a:t>
             </a:fld>
             <a:endParaRPr lang="zh-TW" altLang="en-US"/>
           </a:p>
@@ -1972,7 +1975,7 @@
           <a:p>
             <a:fld id="{18FF714F-5CF7-42B8-B1D8-067C02637288}" type="datetimeFigureOut">
               <a:rPr lang="zh-TW" altLang="en-US" smtClean="0"/>
-              <a:t>2021/9/1</a:t>
+              <a:t>2021/10/18</a:t>
             </a:fld>
             <a:endParaRPr lang="zh-TW" altLang="en-US"/>
           </a:p>
@@ -2085,7 +2088,7 @@
           <a:p>
             <a:fld id="{18FF714F-5CF7-42B8-B1D8-067C02637288}" type="datetimeFigureOut">
               <a:rPr lang="zh-TW" altLang="en-US" smtClean="0"/>
-              <a:t>2021/9/1</a:t>
+              <a:t>2021/10/18</a:t>
             </a:fld>
             <a:endParaRPr lang="zh-TW" altLang="en-US"/>
           </a:p>
@@ -2396,7 +2399,7 @@
           <a:p>
             <a:fld id="{18FF714F-5CF7-42B8-B1D8-067C02637288}" type="datetimeFigureOut">
               <a:rPr lang="zh-TW" altLang="en-US" smtClean="0"/>
-              <a:t>2021/9/1</a:t>
+              <a:t>2021/10/18</a:t>
             </a:fld>
             <a:endParaRPr lang="zh-TW" altLang="en-US"/>
           </a:p>
@@ -2684,7 +2687,7 @@
           <a:p>
             <a:fld id="{18FF714F-5CF7-42B8-B1D8-067C02637288}" type="datetimeFigureOut">
               <a:rPr lang="zh-TW" altLang="en-US" smtClean="0"/>
-              <a:t>2021/9/1</a:t>
+              <a:t>2021/10/18</a:t>
             </a:fld>
             <a:endParaRPr lang="zh-TW" altLang="en-US"/>
           </a:p>
@@ -2925,7 +2928,7 @@
           <a:p>
             <a:fld id="{18FF714F-5CF7-42B8-B1D8-067C02637288}" type="datetimeFigureOut">
               <a:rPr lang="zh-TW" altLang="en-US" smtClean="0"/>
-              <a:t>2021/9/1</a:t>
+              <a:t>2021/10/18</a:t>
             </a:fld>
             <a:endParaRPr lang="zh-TW" altLang="en-US"/>
           </a:p>
@@ -14906,6 +14909,1553 @@
 <file path=ppt/slides/slide16.xml><?xml version="1.0" encoding="utf-8"?>
 <p:sld xmlns:a="http://schemas.openxmlformats.org/drawingml/2006/main" xmlns:r="http://schemas.openxmlformats.org/officeDocument/2006/relationships" xmlns:p="http://schemas.openxmlformats.org/presentationml/2006/main">
   <p:cSld>
+    <p:spTree>
+      <p:nvGrpSpPr>
+        <p:cNvPr id="1" name=""/>
+        <p:cNvGrpSpPr/>
+        <p:nvPr/>
+      </p:nvGrpSpPr>
+      <p:grpSpPr>
+        <a:xfrm>
+          <a:off x="0" y="0"/>
+          <a:ext cx="0" cy="0"/>
+          <a:chOff x="0" y="0"/>
+          <a:chExt cx="0" cy="0"/>
+        </a:xfrm>
+      </p:grpSpPr>
+      <p:sp>
+        <p:nvSpPr>
+          <p:cNvPr id="2" name="標題 1">
+            <a:extLst>
+              <a:ext uri="{FF2B5EF4-FFF2-40B4-BE49-F238E27FC236}">
+                <a16:creationId xmlns:a16="http://schemas.microsoft.com/office/drawing/2014/main" id="{AC787FBF-2779-41BB-9D3F-CD13BAD3B9D1}"/>
+              </a:ext>
+            </a:extLst>
+          </p:cNvPr>
+          <p:cNvSpPr>
+            <a:spLocks noGrp="1"/>
+          </p:cNvSpPr>
+          <p:nvPr>
+            <p:ph type="title"/>
+          </p:nvPr>
+        </p:nvSpPr>
+        <p:spPr/>
+        <p:txBody>
+          <a:bodyPr/>
+          <a:lstStyle/>
+          <a:p>
+            <a:r>
+              <a:rPr lang="en-US" altLang="zh-TW" dirty="0"/>
+              <a:t>Switch and if-else-if</a:t>
+            </a:r>
+            <a:endParaRPr lang="zh-TW" altLang="en-US" dirty="0"/>
+          </a:p>
+        </p:txBody>
+      </p:sp>
+      <p:sp>
+        <p:nvSpPr>
+          <p:cNvPr id="5" name="文字方塊 4">
+            <a:extLst>
+              <a:ext uri="{FF2B5EF4-FFF2-40B4-BE49-F238E27FC236}">
+                <a16:creationId xmlns:a16="http://schemas.microsoft.com/office/drawing/2014/main" id="{6E0DBD9C-860B-4FE0-9A30-D704B87BA865}"/>
+              </a:ext>
+            </a:extLst>
+          </p:cNvPr>
+          <p:cNvSpPr txBox="1"/>
+          <p:nvPr/>
+        </p:nvSpPr>
+        <p:spPr>
+          <a:xfrm>
+            <a:off x="278934" y="2222057"/>
+            <a:ext cx="6094602" cy="2862322"/>
+          </a:xfrm>
+          <a:prstGeom prst="rect">
+            <a:avLst/>
+          </a:prstGeom>
+          <a:noFill/>
+        </p:spPr>
+        <p:txBody>
+          <a:bodyPr wrap="square">
+            <a:spAutoFit/>
+          </a:bodyPr>
+          <a:lstStyle/>
+          <a:p>
+            <a:r>
+              <a:rPr lang="en-US" altLang="zh-TW" b="0" dirty="0">
+                <a:solidFill>
+                  <a:srgbClr val="000000"/>
+                </a:solidFill>
+                <a:effectLst/>
+                <a:latin typeface="Consolas" panose="020B0609020204030204" pitchFamily="49" charset="0"/>
+              </a:rPr>
+              <a:t>    </a:t>
+            </a:r>
+            <a:r>
+              <a:rPr lang="en-US" altLang="zh-TW" b="0" dirty="0">
+                <a:solidFill>
+                  <a:srgbClr val="0000FF"/>
+                </a:solidFill>
+                <a:effectLst/>
+                <a:latin typeface="Consolas" panose="020B0609020204030204" pitchFamily="49" charset="0"/>
+              </a:rPr>
+              <a:t>int</a:t>
+            </a:r>
+            <a:r>
+              <a:rPr lang="en-US" altLang="zh-TW" b="0" dirty="0">
+                <a:solidFill>
+                  <a:srgbClr val="000000"/>
+                </a:solidFill>
+                <a:effectLst/>
+                <a:latin typeface="Consolas" panose="020B0609020204030204" pitchFamily="49" charset="0"/>
+              </a:rPr>
+              <a:t> </a:t>
+            </a:r>
+            <a:r>
+              <a:rPr lang="en-US" altLang="zh-TW" b="0" dirty="0">
+                <a:solidFill>
+                  <a:srgbClr val="001080"/>
+                </a:solidFill>
+                <a:effectLst/>
+                <a:latin typeface="Consolas" panose="020B0609020204030204" pitchFamily="49" charset="0"/>
+              </a:rPr>
+              <a:t>month</a:t>
+            </a:r>
+            <a:r>
+              <a:rPr lang="en-US" altLang="zh-TW" b="0" dirty="0">
+                <a:solidFill>
+                  <a:srgbClr val="000000"/>
+                </a:solidFill>
+                <a:effectLst/>
+                <a:latin typeface="Consolas" panose="020B0609020204030204" pitchFamily="49" charset="0"/>
+              </a:rPr>
+              <a:t>;</a:t>
+            </a:r>
+          </a:p>
+          <a:p>
+            <a:r>
+              <a:rPr lang="en-US" altLang="zh-TW" b="0" dirty="0">
+                <a:solidFill>
+                  <a:srgbClr val="000000"/>
+                </a:solidFill>
+                <a:effectLst/>
+                <a:latin typeface="Consolas" panose="020B0609020204030204" pitchFamily="49" charset="0"/>
+              </a:rPr>
+              <a:t>    </a:t>
+            </a:r>
+            <a:r>
+              <a:rPr lang="en-US" altLang="zh-TW" b="0" dirty="0">
+                <a:solidFill>
+                  <a:srgbClr val="267F99"/>
+                </a:solidFill>
+                <a:effectLst/>
+                <a:latin typeface="Consolas" panose="020B0609020204030204" pitchFamily="49" charset="0"/>
+              </a:rPr>
+              <a:t>std</a:t>
+            </a:r>
+            <a:r>
+              <a:rPr lang="en-US" altLang="zh-TW" b="0" dirty="0">
+                <a:solidFill>
+                  <a:srgbClr val="000000"/>
+                </a:solidFill>
+                <a:effectLst/>
+                <a:latin typeface="Consolas" panose="020B0609020204030204" pitchFamily="49" charset="0"/>
+              </a:rPr>
+              <a:t>::</a:t>
+            </a:r>
+            <a:r>
+              <a:rPr lang="en-US" altLang="zh-TW" b="0" dirty="0" err="1">
+                <a:solidFill>
+                  <a:srgbClr val="001080"/>
+                </a:solidFill>
+                <a:effectLst/>
+                <a:latin typeface="Consolas" panose="020B0609020204030204" pitchFamily="49" charset="0"/>
+              </a:rPr>
+              <a:t>cout</a:t>
+            </a:r>
+            <a:r>
+              <a:rPr lang="en-US" altLang="zh-TW" b="0" dirty="0">
+                <a:solidFill>
+                  <a:srgbClr val="000000"/>
+                </a:solidFill>
+                <a:effectLst/>
+                <a:latin typeface="Consolas" panose="020B0609020204030204" pitchFamily="49" charset="0"/>
+              </a:rPr>
+              <a:t> </a:t>
+            </a:r>
+            <a:r>
+              <a:rPr lang="en-US" altLang="zh-TW" b="0" dirty="0">
+                <a:solidFill>
+                  <a:srgbClr val="795E26"/>
+                </a:solidFill>
+                <a:effectLst/>
+                <a:latin typeface="Consolas" panose="020B0609020204030204" pitchFamily="49" charset="0"/>
+              </a:rPr>
+              <a:t>&lt;&lt;</a:t>
+            </a:r>
+            <a:r>
+              <a:rPr lang="en-US" altLang="zh-TW" b="0" dirty="0">
+                <a:solidFill>
+                  <a:srgbClr val="000000"/>
+                </a:solidFill>
+                <a:effectLst/>
+                <a:latin typeface="Consolas" panose="020B0609020204030204" pitchFamily="49" charset="0"/>
+              </a:rPr>
+              <a:t> </a:t>
+            </a:r>
+            <a:r>
+              <a:rPr lang="en-US" altLang="zh-TW" b="0" dirty="0">
+                <a:solidFill>
+                  <a:srgbClr val="A31515"/>
+                </a:solidFill>
+                <a:effectLst/>
+                <a:latin typeface="Consolas" panose="020B0609020204030204" pitchFamily="49" charset="0"/>
+              </a:rPr>
+              <a:t>"please enter month: "</a:t>
+            </a:r>
+            <a:r>
+              <a:rPr lang="en-US" altLang="zh-TW" b="0" dirty="0">
+                <a:solidFill>
+                  <a:srgbClr val="000000"/>
+                </a:solidFill>
+                <a:effectLst/>
+                <a:latin typeface="Consolas" panose="020B0609020204030204" pitchFamily="49" charset="0"/>
+              </a:rPr>
+              <a:t>;</a:t>
+            </a:r>
+          </a:p>
+          <a:p>
+            <a:r>
+              <a:rPr lang="en-US" altLang="zh-TW" b="0" dirty="0">
+                <a:solidFill>
+                  <a:srgbClr val="000000"/>
+                </a:solidFill>
+                <a:effectLst/>
+                <a:latin typeface="Consolas" panose="020B0609020204030204" pitchFamily="49" charset="0"/>
+              </a:rPr>
+              <a:t>    </a:t>
+            </a:r>
+            <a:r>
+              <a:rPr lang="en-US" altLang="zh-TW" b="0" dirty="0">
+                <a:solidFill>
+                  <a:srgbClr val="267F99"/>
+                </a:solidFill>
+                <a:effectLst/>
+                <a:latin typeface="Consolas" panose="020B0609020204030204" pitchFamily="49" charset="0"/>
+              </a:rPr>
+              <a:t>std</a:t>
+            </a:r>
+            <a:r>
+              <a:rPr lang="en-US" altLang="zh-TW" b="0" dirty="0">
+                <a:solidFill>
+                  <a:srgbClr val="000000"/>
+                </a:solidFill>
+                <a:effectLst/>
+                <a:latin typeface="Consolas" panose="020B0609020204030204" pitchFamily="49" charset="0"/>
+              </a:rPr>
+              <a:t>::</a:t>
+            </a:r>
+            <a:r>
+              <a:rPr lang="en-US" altLang="zh-TW" b="0" dirty="0" err="1">
+                <a:solidFill>
+                  <a:srgbClr val="001080"/>
+                </a:solidFill>
+                <a:effectLst/>
+                <a:latin typeface="Consolas" panose="020B0609020204030204" pitchFamily="49" charset="0"/>
+              </a:rPr>
+              <a:t>cin</a:t>
+            </a:r>
+            <a:r>
+              <a:rPr lang="en-US" altLang="zh-TW" b="0" dirty="0">
+                <a:solidFill>
+                  <a:srgbClr val="000000"/>
+                </a:solidFill>
+                <a:effectLst/>
+                <a:latin typeface="Consolas" panose="020B0609020204030204" pitchFamily="49" charset="0"/>
+              </a:rPr>
+              <a:t> </a:t>
+            </a:r>
+            <a:r>
+              <a:rPr lang="en-US" altLang="zh-TW" b="0" dirty="0">
+                <a:solidFill>
+                  <a:srgbClr val="795E26"/>
+                </a:solidFill>
+                <a:effectLst/>
+                <a:latin typeface="Consolas" panose="020B0609020204030204" pitchFamily="49" charset="0"/>
+              </a:rPr>
+              <a:t>&gt;&gt;</a:t>
+            </a:r>
+            <a:r>
+              <a:rPr lang="en-US" altLang="zh-TW" b="0" dirty="0">
+                <a:solidFill>
+                  <a:srgbClr val="000000"/>
+                </a:solidFill>
+                <a:effectLst/>
+                <a:latin typeface="Consolas" panose="020B0609020204030204" pitchFamily="49" charset="0"/>
+              </a:rPr>
+              <a:t> </a:t>
+            </a:r>
+            <a:r>
+              <a:rPr lang="en-US" altLang="zh-TW" b="0" dirty="0">
+                <a:solidFill>
+                  <a:srgbClr val="001080"/>
+                </a:solidFill>
+                <a:effectLst/>
+                <a:latin typeface="Consolas" panose="020B0609020204030204" pitchFamily="49" charset="0"/>
+              </a:rPr>
+              <a:t>month</a:t>
+            </a:r>
+            <a:r>
+              <a:rPr lang="en-US" altLang="zh-TW" b="0" dirty="0">
+                <a:solidFill>
+                  <a:srgbClr val="000000"/>
+                </a:solidFill>
+                <a:effectLst/>
+                <a:latin typeface="Consolas" panose="020B0609020204030204" pitchFamily="49" charset="0"/>
+              </a:rPr>
+              <a:t>;</a:t>
+            </a:r>
+          </a:p>
+          <a:p>
+            <a:br>
+              <a:rPr lang="en-US" altLang="zh-TW" b="0" dirty="0">
+                <a:solidFill>
+                  <a:srgbClr val="000000"/>
+                </a:solidFill>
+                <a:effectLst/>
+                <a:latin typeface="Consolas" panose="020B0609020204030204" pitchFamily="49" charset="0"/>
+              </a:rPr>
+            </a:br>
+            <a:r>
+              <a:rPr lang="en-US" altLang="zh-TW" b="0" dirty="0">
+                <a:solidFill>
+                  <a:srgbClr val="000000"/>
+                </a:solidFill>
+                <a:effectLst/>
+                <a:latin typeface="Consolas" panose="020B0609020204030204" pitchFamily="49" charset="0"/>
+              </a:rPr>
+              <a:t>    </a:t>
+            </a:r>
+            <a:r>
+              <a:rPr lang="en-US" altLang="zh-TW" b="0" dirty="0">
+                <a:solidFill>
+                  <a:srgbClr val="AF00DB"/>
+                </a:solidFill>
+                <a:effectLst/>
+                <a:latin typeface="Consolas" panose="020B0609020204030204" pitchFamily="49" charset="0"/>
+              </a:rPr>
+              <a:t>if</a:t>
+            </a:r>
+            <a:r>
+              <a:rPr lang="en-US" altLang="zh-TW" b="0" dirty="0">
+                <a:solidFill>
+                  <a:srgbClr val="000000"/>
+                </a:solidFill>
+                <a:effectLst/>
+                <a:latin typeface="Consolas" panose="020B0609020204030204" pitchFamily="49" charset="0"/>
+              </a:rPr>
+              <a:t> (</a:t>
+            </a:r>
+            <a:r>
+              <a:rPr lang="en-US" altLang="zh-TW" b="0" dirty="0">
+                <a:solidFill>
+                  <a:srgbClr val="001080"/>
+                </a:solidFill>
+                <a:effectLst/>
+                <a:latin typeface="Consolas" panose="020B0609020204030204" pitchFamily="49" charset="0"/>
+              </a:rPr>
+              <a:t>month</a:t>
+            </a:r>
+            <a:r>
+              <a:rPr lang="en-US" altLang="zh-TW" b="0" dirty="0">
+                <a:solidFill>
+                  <a:srgbClr val="000000"/>
+                </a:solidFill>
+                <a:effectLst/>
+                <a:latin typeface="Consolas" panose="020B0609020204030204" pitchFamily="49" charset="0"/>
+              </a:rPr>
+              <a:t> == </a:t>
+            </a:r>
+            <a:r>
+              <a:rPr lang="en-US" altLang="zh-TW" b="0" dirty="0">
+                <a:solidFill>
+                  <a:srgbClr val="098658"/>
+                </a:solidFill>
+                <a:effectLst/>
+                <a:latin typeface="Consolas" panose="020B0609020204030204" pitchFamily="49" charset="0"/>
+              </a:rPr>
+              <a:t>1</a:t>
+            </a:r>
+            <a:r>
+              <a:rPr lang="en-US" altLang="zh-TW" b="0" dirty="0">
+                <a:solidFill>
+                  <a:srgbClr val="000000"/>
+                </a:solidFill>
+                <a:effectLst/>
+                <a:latin typeface="Consolas" panose="020B0609020204030204" pitchFamily="49" charset="0"/>
+              </a:rPr>
+              <a:t>)</a:t>
+            </a:r>
+          </a:p>
+          <a:p>
+            <a:r>
+              <a:rPr lang="en-US" altLang="zh-TW" b="0" dirty="0">
+                <a:solidFill>
+                  <a:srgbClr val="000000"/>
+                </a:solidFill>
+                <a:effectLst/>
+                <a:latin typeface="Consolas" panose="020B0609020204030204" pitchFamily="49" charset="0"/>
+              </a:rPr>
+              <a:t>        {</a:t>
+            </a:r>
+            <a:r>
+              <a:rPr lang="en-US" altLang="zh-TW" b="0" dirty="0">
+                <a:solidFill>
+                  <a:srgbClr val="267F99"/>
+                </a:solidFill>
+                <a:effectLst/>
+                <a:latin typeface="Consolas" panose="020B0609020204030204" pitchFamily="49" charset="0"/>
+              </a:rPr>
+              <a:t>std</a:t>
+            </a:r>
+            <a:r>
+              <a:rPr lang="en-US" altLang="zh-TW" b="0" dirty="0">
+                <a:solidFill>
+                  <a:srgbClr val="000000"/>
+                </a:solidFill>
+                <a:effectLst/>
+                <a:latin typeface="Consolas" panose="020B0609020204030204" pitchFamily="49" charset="0"/>
+              </a:rPr>
+              <a:t>::</a:t>
+            </a:r>
+            <a:r>
+              <a:rPr lang="en-US" altLang="zh-TW" b="0" dirty="0" err="1">
+                <a:solidFill>
+                  <a:srgbClr val="001080"/>
+                </a:solidFill>
+                <a:effectLst/>
+                <a:latin typeface="Consolas" panose="020B0609020204030204" pitchFamily="49" charset="0"/>
+              </a:rPr>
+              <a:t>cout</a:t>
+            </a:r>
+            <a:r>
+              <a:rPr lang="en-US" altLang="zh-TW" b="0" dirty="0">
+                <a:solidFill>
+                  <a:srgbClr val="000000"/>
+                </a:solidFill>
+                <a:effectLst/>
+                <a:latin typeface="Consolas" panose="020B0609020204030204" pitchFamily="49" charset="0"/>
+              </a:rPr>
+              <a:t> </a:t>
+            </a:r>
+            <a:r>
+              <a:rPr lang="en-US" altLang="zh-TW" b="0" dirty="0">
+                <a:solidFill>
+                  <a:srgbClr val="795E26"/>
+                </a:solidFill>
+                <a:effectLst/>
+                <a:latin typeface="Consolas" panose="020B0609020204030204" pitchFamily="49" charset="0"/>
+              </a:rPr>
+              <a:t>&lt;&lt;</a:t>
+            </a:r>
+            <a:r>
+              <a:rPr lang="en-US" altLang="zh-TW" b="0" dirty="0">
+                <a:solidFill>
+                  <a:srgbClr val="000000"/>
+                </a:solidFill>
+                <a:effectLst/>
+                <a:latin typeface="Consolas" panose="020B0609020204030204" pitchFamily="49" charset="0"/>
+              </a:rPr>
+              <a:t> </a:t>
+            </a:r>
+            <a:r>
+              <a:rPr lang="en-US" altLang="zh-TW" b="0" dirty="0">
+                <a:solidFill>
+                  <a:srgbClr val="A31515"/>
+                </a:solidFill>
+                <a:effectLst/>
+                <a:latin typeface="Consolas" panose="020B0609020204030204" pitchFamily="49" charset="0"/>
+              </a:rPr>
+              <a:t>"Jan</a:t>
+            </a:r>
+            <a:r>
+              <a:rPr lang="en-US" altLang="zh-TW" b="0" dirty="0">
+                <a:solidFill>
+                  <a:srgbClr val="EE0000"/>
+                </a:solidFill>
+                <a:effectLst/>
+                <a:latin typeface="Consolas" panose="020B0609020204030204" pitchFamily="49" charset="0"/>
+              </a:rPr>
+              <a:t>\n</a:t>
+            </a:r>
+            <a:r>
+              <a:rPr lang="en-US" altLang="zh-TW" b="0" dirty="0">
+                <a:solidFill>
+                  <a:srgbClr val="A31515"/>
+                </a:solidFill>
+                <a:effectLst/>
+                <a:latin typeface="Consolas" panose="020B0609020204030204" pitchFamily="49" charset="0"/>
+              </a:rPr>
+              <a:t>"</a:t>
+            </a:r>
+            <a:r>
+              <a:rPr lang="en-US" altLang="zh-TW" b="0" dirty="0">
+                <a:solidFill>
+                  <a:srgbClr val="000000"/>
+                </a:solidFill>
+                <a:effectLst/>
+                <a:latin typeface="Consolas" panose="020B0609020204030204" pitchFamily="49" charset="0"/>
+              </a:rPr>
+              <a:t>;}</a:t>
+            </a:r>
+          </a:p>
+          <a:p>
+            <a:r>
+              <a:rPr lang="en-US" altLang="zh-TW" b="0" dirty="0">
+                <a:solidFill>
+                  <a:srgbClr val="000000"/>
+                </a:solidFill>
+                <a:effectLst/>
+                <a:latin typeface="Consolas" panose="020B0609020204030204" pitchFamily="49" charset="0"/>
+              </a:rPr>
+              <a:t>    </a:t>
+            </a:r>
+            <a:r>
+              <a:rPr lang="en-US" altLang="zh-TW" b="0" dirty="0">
+                <a:solidFill>
+                  <a:srgbClr val="AF00DB"/>
+                </a:solidFill>
+                <a:effectLst/>
+                <a:latin typeface="Consolas" panose="020B0609020204030204" pitchFamily="49" charset="0"/>
+              </a:rPr>
+              <a:t>else</a:t>
+            </a:r>
+            <a:r>
+              <a:rPr lang="en-US" altLang="zh-TW" b="0" dirty="0">
+                <a:solidFill>
+                  <a:srgbClr val="000000"/>
+                </a:solidFill>
+                <a:effectLst/>
+                <a:latin typeface="Consolas" panose="020B0609020204030204" pitchFamily="49" charset="0"/>
+              </a:rPr>
+              <a:t> </a:t>
+            </a:r>
+            <a:r>
+              <a:rPr lang="en-US" altLang="zh-TW" b="0" dirty="0">
+                <a:solidFill>
+                  <a:srgbClr val="AF00DB"/>
+                </a:solidFill>
+                <a:effectLst/>
+                <a:latin typeface="Consolas" panose="020B0609020204030204" pitchFamily="49" charset="0"/>
+              </a:rPr>
+              <a:t>if</a:t>
+            </a:r>
+            <a:r>
+              <a:rPr lang="en-US" altLang="zh-TW" b="0" dirty="0">
+                <a:solidFill>
+                  <a:srgbClr val="000000"/>
+                </a:solidFill>
+                <a:effectLst/>
+                <a:latin typeface="Consolas" panose="020B0609020204030204" pitchFamily="49" charset="0"/>
+              </a:rPr>
+              <a:t> (</a:t>
+            </a:r>
+            <a:r>
+              <a:rPr lang="en-US" altLang="zh-TW" b="0" dirty="0">
+                <a:solidFill>
+                  <a:srgbClr val="001080"/>
+                </a:solidFill>
+                <a:effectLst/>
+                <a:latin typeface="Consolas" panose="020B0609020204030204" pitchFamily="49" charset="0"/>
+              </a:rPr>
+              <a:t>month</a:t>
+            </a:r>
+            <a:r>
+              <a:rPr lang="en-US" altLang="zh-TW" b="0" dirty="0">
+                <a:solidFill>
+                  <a:srgbClr val="000000"/>
+                </a:solidFill>
+                <a:effectLst/>
+                <a:latin typeface="Consolas" panose="020B0609020204030204" pitchFamily="49" charset="0"/>
+              </a:rPr>
+              <a:t> == </a:t>
+            </a:r>
+            <a:r>
+              <a:rPr lang="en-US" altLang="zh-TW" b="0" dirty="0">
+                <a:solidFill>
+                  <a:srgbClr val="098658"/>
+                </a:solidFill>
+                <a:effectLst/>
+                <a:latin typeface="Consolas" panose="020B0609020204030204" pitchFamily="49" charset="0"/>
+              </a:rPr>
+              <a:t>2</a:t>
+            </a:r>
+            <a:r>
+              <a:rPr lang="en-US" altLang="zh-TW" b="0" dirty="0">
+                <a:solidFill>
+                  <a:srgbClr val="000000"/>
+                </a:solidFill>
+                <a:effectLst/>
+                <a:latin typeface="Consolas" panose="020B0609020204030204" pitchFamily="49" charset="0"/>
+              </a:rPr>
+              <a:t>)</a:t>
+            </a:r>
+          </a:p>
+          <a:p>
+            <a:r>
+              <a:rPr lang="en-US" altLang="zh-TW" b="0" dirty="0">
+                <a:solidFill>
+                  <a:srgbClr val="000000"/>
+                </a:solidFill>
+                <a:effectLst/>
+                <a:latin typeface="Consolas" panose="020B0609020204030204" pitchFamily="49" charset="0"/>
+              </a:rPr>
+              <a:t>        {</a:t>
+            </a:r>
+            <a:r>
+              <a:rPr lang="en-US" altLang="zh-TW" b="0" dirty="0">
+                <a:solidFill>
+                  <a:srgbClr val="267F99"/>
+                </a:solidFill>
+                <a:effectLst/>
+                <a:latin typeface="Consolas" panose="020B0609020204030204" pitchFamily="49" charset="0"/>
+              </a:rPr>
+              <a:t>std</a:t>
+            </a:r>
+            <a:r>
+              <a:rPr lang="en-US" altLang="zh-TW" b="0" dirty="0">
+                <a:solidFill>
+                  <a:srgbClr val="000000"/>
+                </a:solidFill>
+                <a:effectLst/>
+                <a:latin typeface="Consolas" panose="020B0609020204030204" pitchFamily="49" charset="0"/>
+              </a:rPr>
+              <a:t>::</a:t>
+            </a:r>
+            <a:r>
+              <a:rPr lang="en-US" altLang="zh-TW" b="0" dirty="0" err="1">
+                <a:solidFill>
+                  <a:srgbClr val="001080"/>
+                </a:solidFill>
+                <a:effectLst/>
+                <a:latin typeface="Consolas" panose="020B0609020204030204" pitchFamily="49" charset="0"/>
+              </a:rPr>
+              <a:t>cout</a:t>
+            </a:r>
+            <a:r>
+              <a:rPr lang="en-US" altLang="zh-TW" b="0" dirty="0">
+                <a:solidFill>
+                  <a:srgbClr val="000000"/>
+                </a:solidFill>
+                <a:effectLst/>
+                <a:latin typeface="Consolas" panose="020B0609020204030204" pitchFamily="49" charset="0"/>
+              </a:rPr>
+              <a:t> </a:t>
+            </a:r>
+            <a:r>
+              <a:rPr lang="en-US" altLang="zh-TW" b="0" dirty="0">
+                <a:solidFill>
+                  <a:srgbClr val="795E26"/>
+                </a:solidFill>
+                <a:effectLst/>
+                <a:latin typeface="Consolas" panose="020B0609020204030204" pitchFamily="49" charset="0"/>
+              </a:rPr>
+              <a:t>&lt;&lt;</a:t>
+            </a:r>
+            <a:r>
+              <a:rPr lang="en-US" altLang="zh-TW" b="0" dirty="0">
+                <a:solidFill>
+                  <a:srgbClr val="000000"/>
+                </a:solidFill>
+                <a:effectLst/>
+                <a:latin typeface="Consolas" panose="020B0609020204030204" pitchFamily="49" charset="0"/>
+              </a:rPr>
+              <a:t> </a:t>
+            </a:r>
+            <a:r>
+              <a:rPr lang="en-US" altLang="zh-TW" b="0" dirty="0">
+                <a:solidFill>
+                  <a:srgbClr val="A31515"/>
+                </a:solidFill>
+                <a:effectLst/>
+                <a:latin typeface="Consolas" panose="020B0609020204030204" pitchFamily="49" charset="0"/>
+              </a:rPr>
+              <a:t>"Feb</a:t>
+            </a:r>
+            <a:r>
+              <a:rPr lang="en-US" altLang="zh-TW" b="0" dirty="0">
+                <a:solidFill>
+                  <a:srgbClr val="EE0000"/>
+                </a:solidFill>
+                <a:effectLst/>
+                <a:latin typeface="Consolas" panose="020B0609020204030204" pitchFamily="49" charset="0"/>
+              </a:rPr>
+              <a:t>\n</a:t>
+            </a:r>
+            <a:r>
+              <a:rPr lang="en-US" altLang="zh-TW" b="0" dirty="0">
+                <a:solidFill>
+                  <a:srgbClr val="A31515"/>
+                </a:solidFill>
+                <a:effectLst/>
+                <a:latin typeface="Consolas" panose="020B0609020204030204" pitchFamily="49" charset="0"/>
+              </a:rPr>
+              <a:t>"</a:t>
+            </a:r>
+            <a:r>
+              <a:rPr lang="en-US" altLang="zh-TW" b="0" dirty="0">
+                <a:solidFill>
+                  <a:srgbClr val="000000"/>
+                </a:solidFill>
+                <a:effectLst/>
+                <a:latin typeface="Consolas" panose="020B0609020204030204" pitchFamily="49" charset="0"/>
+              </a:rPr>
+              <a:t>;}</a:t>
+            </a:r>
+          </a:p>
+          <a:p>
+            <a:r>
+              <a:rPr lang="en-US" altLang="zh-TW" b="0" dirty="0">
+                <a:solidFill>
+                  <a:srgbClr val="000000"/>
+                </a:solidFill>
+                <a:effectLst/>
+                <a:latin typeface="Consolas" panose="020B0609020204030204" pitchFamily="49" charset="0"/>
+              </a:rPr>
+              <a:t>    </a:t>
+            </a:r>
+            <a:r>
+              <a:rPr lang="en-US" altLang="zh-TW" b="0" dirty="0">
+                <a:solidFill>
+                  <a:srgbClr val="AF00DB"/>
+                </a:solidFill>
+                <a:effectLst/>
+                <a:latin typeface="Consolas" panose="020B0609020204030204" pitchFamily="49" charset="0"/>
+              </a:rPr>
+              <a:t>else</a:t>
+            </a:r>
+            <a:endParaRPr lang="en-US" altLang="zh-TW" b="0" dirty="0">
+              <a:solidFill>
+                <a:srgbClr val="000000"/>
+              </a:solidFill>
+              <a:effectLst/>
+              <a:latin typeface="Consolas" panose="020B0609020204030204" pitchFamily="49" charset="0"/>
+            </a:endParaRPr>
+          </a:p>
+          <a:p>
+            <a:r>
+              <a:rPr lang="en-US" altLang="zh-TW" b="0" dirty="0">
+                <a:solidFill>
+                  <a:srgbClr val="000000"/>
+                </a:solidFill>
+                <a:effectLst/>
+                <a:latin typeface="Consolas" panose="020B0609020204030204" pitchFamily="49" charset="0"/>
+              </a:rPr>
+              <a:t>        {</a:t>
+            </a:r>
+            <a:r>
+              <a:rPr lang="en-US" altLang="zh-TW" b="0" dirty="0">
+                <a:solidFill>
+                  <a:srgbClr val="267F99"/>
+                </a:solidFill>
+                <a:effectLst/>
+                <a:latin typeface="Consolas" panose="020B0609020204030204" pitchFamily="49" charset="0"/>
+              </a:rPr>
+              <a:t>std</a:t>
+            </a:r>
+            <a:r>
+              <a:rPr lang="en-US" altLang="zh-TW" b="0" dirty="0">
+                <a:solidFill>
+                  <a:srgbClr val="000000"/>
+                </a:solidFill>
+                <a:effectLst/>
+                <a:latin typeface="Consolas" panose="020B0609020204030204" pitchFamily="49" charset="0"/>
+              </a:rPr>
+              <a:t>::</a:t>
+            </a:r>
+            <a:r>
+              <a:rPr lang="en-US" altLang="zh-TW" b="0" dirty="0" err="1">
+                <a:solidFill>
+                  <a:srgbClr val="001080"/>
+                </a:solidFill>
+                <a:effectLst/>
+                <a:latin typeface="Consolas" panose="020B0609020204030204" pitchFamily="49" charset="0"/>
+              </a:rPr>
+              <a:t>cout</a:t>
+            </a:r>
+            <a:r>
+              <a:rPr lang="en-US" altLang="zh-TW" b="0" dirty="0">
+                <a:solidFill>
+                  <a:srgbClr val="000000"/>
+                </a:solidFill>
+                <a:effectLst/>
+                <a:latin typeface="Consolas" panose="020B0609020204030204" pitchFamily="49" charset="0"/>
+              </a:rPr>
+              <a:t> </a:t>
+            </a:r>
+            <a:r>
+              <a:rPr lang="en-US" altLang="zh-TW" b="0" dirty="0">
+                <a:solidFill>
+                  <a:srgbClr val="795E26"/>
+                </a:solidFill>
+                <a:effectLst/>
+                <a:latin typeface="Consolas" panose="020B0609020204030204" pitchFamily="49" charset="0"/>
+              </a:rPr>
+              <a:t>&lt;&lt;</a:t>
+            </a:r>
+            <a:r>
+              <a:rPr lang="en-US" altLang="zh-TW" b="0" dirty="0">
+                <a:solidFill>
+                  <a:srgbClr val="000000"/>
+                </a:solidFill>
+                <a:effectLst/>
+                <a:latin typeface="Consolas" panose="020B0609020204030204" pitchFamily="49" charset="0"/>
+              </a:rPr>
+              <a:t> </a:t>
+            </a:r>
+            <a:r>
+              <a:rPr lang="en-US" altLang="zh-TW" b="0" dirty="0">
+                <a:solidFill>
+                  <a:srgbClr val="A31515"/>
+                </a:solidFill>
+                <a:effectLst/>
+                <a:latin typeface="Consolas" panose="020B0609020204030204" pitchFamily="49" charset="0"/>
+              </a:rPr>
+              <a:t>"...</a:t>
+            </a:r>
+            <a:r>
+              <a:rPr lang="en-US" altLang="zh-TW" b="0" dirty="0">
+                <a:solidFill>
+                  <a:srgbClr val="EE0000"/>
+                </a:solidFill>
+                <a:effectLst/>
+                <a:latin typeface="Consolas" panose="020B0609020204030204" pitchFamily="49" charset="0"/>
+              </a:rPr>
+              <a:t>\n</a:t>
+            </a:r>
+            <a:r>
+              <a:rPr lang="en-US" altLang="zh-TW" b="0" dirty="0">
+                <a:solidFill>
+                  <a:srgbClr val="A31515"/>
+                </a:solidFill>
+                <a:effectLst/>
+                <a:latin typeface="Consolas" panose="020B0609020204030204" pitchFamily="49" charset="0"/>
+              </a:rPr>
+              <a:t>"</a:t>
+            </a:r>
+            <a:r>
+              <a:rPr lang="en-US" altLang="zh-TW" b="0" dirty="0">
+                <a:solidFill>
+                  <a:srgbClr val="000000"/>
+                </a:solidFill>
+                <a:effectLst/>
+                <a:latin typeface="Consolas" panose="020B0609020204030204" pitchFamily="49" charset="0"/>
+              </a:rPr>
+              <a:t>;}</a:t>
+            </a:r>
+          </a:p>
+        </p:txBody>
+      </p:sp>
+      <p:sp>
+        <p:nvSpPr>
+          <p:cNvPr id="7" name="文字方塊 6">
+            <a:extLst>
+              <a:ext uri="{FF2B5EF4-FFF2-40B4-BE49-F238E27FC236}">
+                <a16:creationId xmlns:a16="http://schemas.microsoft.com/office/drawing/2014/main" id="{6F24ED61-C690-4D6D-9374-AA5156F39216}"/>
+              </a:ext>
+            </a:extLst>
+          </p:cNvPr>
+          <p:cNvSpPr txBox="1"/>
+          <p:nvPr/>
+        </p:nvSpPr>
+        <p:spPr>
+          <a:xfrm>
+            <a:off x="5698222" y="2305892"/>
+            <a:ext cx="6094602" cy="3693319"/>
+          </a:xfrm>
+          <a:prstGeom prst="rect">
+            <a:avLst/>
+          </a:prstGeom>
+          <a:noFill/>
+        </p:spPr>
+        <p:txBody>
+          <a:bodyPr wrap="square">
+            <a:spAutoFit/>
+          </a:bodyPr>
+          <a:lstStyle/>
+          <a:p>
+            <a:r>
+              <a:rPr lang="en-US" altLang="zh-TW" b="0" dirty="0">
+                <a:solidFill>
+                  <a:srgbClr val="000000"/>
+                </a:solidFill>
+                <a:effectLst/>
+                <a:latin typeface="Consolas" panose="020B0609020204030204" pitchFamily="49" charset="0"/>
+              </a:rPr>
+              <a:t>    </a:t>
+            </a:r>
+            <a:r>
+              <a:rPr lang="en-US" altLang="zh-TW" b="0" dirty="0">
+                <a:solidFill>
+                  <a:srgbClr val="AF00DB"/>
+                </a:solidFill>
+                <a:effectLst/>
+                <a:latin typeface="Consolas" panose="020B0609020204030204" pitchFamily="49" charset="0"/>
+              </a:rPr>
+              <a:t>switch</a:t>
+            </a:r>
+            <a:r>
+              <a:rPr lang="en-US" altLang="zh-TW" b="0" dirty="0">
+                <a:solidFill>
+                  <a:srgbClr val="000000"/>
+                </a:solidFill>
+                <a:effectLst/>
+                <a:latin typeface="Consolas" panose="020B0609020204030204" pitchFamily="49" charset="0"/>
+              </a:rPr>
+              <a:t> (</a:t>
+            </a:r>
+            <a:r>
+              <a:rPr lang="en-US" altLang="zh-TW" b="0" dirty="0">
+                <a:solidFill>
+                  <a:srgbClr val="001080"/>
+                </a:solidFill>
+                <a:effectLst/>
+                <a:latin typeface="Consolas" panose="020B0609020204030204" pitchFamily="49" charset="0"/>
+              </a:rPr>
+              <a:t>month</a:t>
+            </a:r>
+            <a:r>
+              <a:rPr lang="en-US" altLang="zh-TW" b="0" dirty="0">
+                <a:solidFill>
+                  <a:srgbClr val="000000"/>
+                </a:solidFill>
+                <a:effectLst/>
+                <a:latin typeface="Consolas" panose="020B0609020204030204" pitchFamily="49" charset="0"/>
+              </a:rPr>
+              <a:t>)</a:t>
+            </a:r>
+          </a:p>
+          <a:p>
+            <a:r>
+              <a:rPr lang="en-US" altLang="zh-TW" b="0" dirty="0">
+                <a:solidFill>
+                  <a:srgbClr val="000000"/>
+                </a:solidFill>
+                <a:effectLst/>
+                <a:latin typeface="Consolas" panose="020B0609020204030204" pitchFamily="49" charset="0"/>
+              </a:rPr>
+              <a:t>    {</a:t>
+            </a:r>
+          </a:p>
+          <a:p>
+            <a:r>
+              <a:rPr lang="en-US" altLang="zh-TW" b="0" dirty="0">
+                <a:solidFill>
+                  <a:srgbClr val="000000"/>
+                </a:solidFill>
+                <a:effectLst/>
+                <a:latin typeface="Consolas" panose="020B0609020204030204" pitchFamily="49" charset="0"/>
+              </a:rPr>
+              <a:t>    </a:t>
+            </a:r>
+            <a:r>
+              <a:rPr lang="en-US" altLang="zh-TW" b="0" dirty="0">
+                <a:solidFill>
+                  <a:srgbClr val="AF00DB"/>
+                </a:solidFill>
+                <a:effectLst/>
+                <a:latin typeface="Consolas" panose="020B0609020204030204" pitchFamily="49" charset="0"/>
+              </a:rPr>
+              <a:t>case</a:t>
+            </a:r>
+            <a:r>
+              <a:rPr lang="en-US" altLang="zh-TW" b="0" dirty="0">
+                <a:solidFill>
+                  <a:srgbClr val="000000"/>
+                </a:solidFill>
+                <a:effectLst/>
+                <a:latin typeface="Consolas" panose="020B0609020204030204" pitchFamily="49" charset="0"/>
+              </a:rPr>
+              <a:t> </a:t>
+            </a:r>
+            <a:r>
+              <a:rPr lang="en-US" altLang="zh-TW" b="0" dirty="0">
+                <a:solidFill>
+                  <a:srgbClr val="098658"/>
+                </a:solidFill>
+                <a:effectLst/>
+                <a:latin typeface="Consolas" panose="020B0609020204030204" pitchFamily="49" charset="0"/>
+              </a:rPr>
+              <a:t>1</a:t>
+            </a:r>
+            <a:r>
+              <a:rPr lang="en-US" altLang="zh-TW" b="0" dirty="0">
+                <a:solidFill>
+                  <a:srgbClr val="000000"/>
+                </a:solidFill>
+                <a:effectLst/>
+                <a:latin typeface="Consolas" panose="020B0609020204030204" pitchFamily="49" charset="0"/>
+              </a:rPr>
+              <a:t>:</a:t>
+            </a:r>
+          </a:p>
+          <a:p>
+            <a:r>
+              <a:rPr lang="en-US" altLang="zh-TW" b="0" dirty="0">
+                <a:solidFill>
+                  <a:srgbClr val="000000"/>
+                </a:solidFill>
+                <a:effectLst/>
+                <a:latin typeface="Consolas" panose="020B0609020204030204" pitchFamily="49" charset="0"/>
+              </a:rPr>
+              <a:t>        </a:t>
+            </a:r>
+            <a:r>
+              <a:rPr lang="en-US" altLang="zh-TW" b="0" dirty="0">
+                <a:solidFill>
+                  <a:srgbClr val="267F99"/>
+                </a:solidFill>
+                <a:effectLst/>
+                <a:latin typeface="Consolas" panose="020B0609020204030204" pitchFamily="49" charset="0"/>
+              </a:rPr>
+              <a:t>std</a:t>
+            </a:r>
+            <a:r>
+              <a:rPr lang="en-US" altLang="zh-TW" b="0" dirty="0">
+                <a:solidFill>
+                  <a:srgbClr val="000000"/>
+                </a:solidFill>
+                <a:effectLst/>
+                <a:latin typeface="Consolas" panose="020B0609020204030204" pitchFamily="49" charset="0"/>
+              </a:rPr>
+              <a:t>::</a:t>
+            </a:r>
+            <a:r>
+              <a:rPr lang="en-US" altLang="zh-TW" b="0" dirty="0" err="1">
+                <a:solidFill>
+                  <a:srgbClr val="001080"/>
+                </a:solidFill>
+                <a:effectLst/>
+                <a:latin typeface="Consolas" panose="020B0609020204030204" pitchFamily="49" charset="0"/>
+              </a:rPr>
+              <a:t>cout</a:t>
+            </a:r>
+            <a:r>
+              <a:rPr lang="en-US" altLang="zh-TW" b="0" dirty="0">
+                <a:solidFill>
+                  <a:srgbClr val="000000"/>
+                </a:solidFill>
+                <a:effectLst/>
+                <a:latin typeface="Consolas" panose="020B0609020204030204" pitchFamily="49" charset="0"/>
+              </a:rPr>
+              <a:t> </a:t>
+            </a:r>
+            <a:r>
+              <a:rPr lang="en-US" altLang="zh-TW" b="0" dirty="0">
+                <a:solidFill>
+                  <a:srgbClr val="795E26"/>
+                </a:solidFill>
+                <a:effectLst/>
+                <a:latin typeface="Consolas" panose="020B0609020204030204" pitchFamily="49" charset="0"/>
+              </a:rPr>
+              <a:t>&lt;&lt;</a:t>
+            </a:r>
+            <a:r>
+              <a:rPr lang="en-US" altLang="zh-TW" b="0" dirty="0">
+                <a:solidFill>
+                  <a:srgbClr val="000000"/>
+                </a:solidFill>
+                <a:effectLst/>
+                <a:latin typeface="Consolas" panose="020B0609020204030204" pitchFamily="49" charset="0"/>
+              </a:rPr>
+              <a:t> </a:t>
+            </a:r>
+            <a:r>
+              <a:rPr lang="en-US" altLang="zh-TW" b="0" dirty="0">
+                <a:solidFill>
+                  <a:srgbClr val="A31515"/>
+                </a:solidFill>
+                <a:effectLst/>
+                <a:latin typeface="Consolas" panose="020B0609020204030204" pitchFamily="49" charset="0"/>
+              </a:rPr>
+              <a:t>"Jan</a:t>
+            </a:r>
+            <a:r>
+              <a:rPr lang="en-US" altLang="zh-TW" b="0" dirty="0">
+                <a:solidFill>
+                  <a:srgbClr val="EE0000"/>
+                </a:solidFill>
+                <a:effectLst/>
+                <a:latin typeface="Consolas" panose="020B0609020204030204" pitchFamily="49" charset="0"/>
+              </a:rPr>
+              <a:t>\n</a:t>
+            </a:r>
+            <a:r>
+              <a:rPr lang="en-US" altLang="zh-TW" b="0" dirty="0">
+                <a:solidFill>
+                  <a:srgbClr val="A31515"/>
+                </a:solidFill>
+                <a:effectLst/>
+                <a:latin typeface="Consolas" panose="020B0609020204030204" pitchFamily="49" charset="0"/>
+              </a:rPr>
+              <a:t>"</a:t>
+            </a:r>
+            <a:r>
+              <a:rPr lang="en-US" altLang="zh-TW" b="0" dirty="0">
+                <a:solidFill>
+                  <a:srgbClr val="000000"/>
+                </a:solidFill>
+                <a:effectLst/>
+                <a:latin typeface="Consolas" panose="020B0609020204030204" pitchFamily="49" charset="0"/>
+              </a:rPr>
+              <a:t>;</a:t>
+            </a:r>
+          </a:p>
+          <a:p>
+            <a:r>
+              <a:rPr lang="en-US" altLang="zh-TW" b="0" dirty="0">
+                <a:solidFill>
+                  <a:srgbClr val="000000"/>
+                </a:solidFill>
+                <a:effectLst/>
+                <a:latin typeface="Consolas" panose="020B0609020204030204" pitchFamily="49" charset="0"/>
+              </a:rPr>
+              <a:t>        </a:t>
+            </a:r>
+            <a:r>
+              <a:rPr lang="en-US" altLang="zh-TW" b="0" dirty="0">
+                <a:solidFill>
+                  <a:srgbClr val="AF00DB"/>
+                </a:solidFill>
+                <a:effectLst/>
+                <a:latin typeface="Consolas" panose="020B0609020204030204" pitchFamily="49" charset="0"/>
+              </a:rPr>
+              <a:t>break</a:t>
+            </a:r>
+            <a:r>
+              <a:rPr lang="en-US" altLang="zh-TW" b="0" dirty="0">
+                <a:solidFill>
+                  <a:srgbClr val="000000"/>
+                </a:solidFill>
+                <a:effectLst/>
+                <a:latin typeface="Consolas" panose="020B0609020204030204" pitchFamily="49" charset="0"/>
+              </a:rPr>
+              <a:t>;</a:t>
+            </a:r>
+          </a:p>
+          <a:p>
+            <a:r>
+              <a:rPr lang="en-US" altLang="zh-TW" b="0" dirty="0">
+                <a:solidFill>
+                  <a:srgbClr val="000000"/>
+                </a:solidFill>
+                <a:effectLst/>
+                <a:latin typeface="Consolas" panose="020B0609020204030204" pitchFamily="49" charset="0"/>
+              </a:rPr>
+              <a:t>    </a:t>
+            </a:r>
+            <a:r>
+              <a:rPr lang="en-US" altLang="zh-TW" b="0" dirty="0">
+                <a:solidFill>
+                  <a:srgbClr val="AF00DB"/>
+                </a:solidFill>
+                <a:effectLst/>
+                <a:latin typeface="Consolas" panose="020B0609020204030204" pitchFamily="49" charset="0"/>
+              </a:rPr>
+              <a:t>case</a:t>
+            </a:r>
+            <a:r>
+              <a:rPr lang="en-US" altLang="zh-TW" b="0" dirty="0">
+                <a:solidFill>
+                  <a:srgbClr val="000000"/>
+                </a:solidFill>
+                <a:effectLst/>
+                <a:latin typeface="Consolas" panose="020B0609020204030204" pitchFamily="49" charset="0"/>
+              </a:rPr>
+              <a:t> </a:t>
+            </a:r>
+            <a:r>
+              <a:rPr lang="en-US" altLang="zh-TW" b="0" dirty="0">
+                <a:solidFill>
+                  <a:srgbClr val="098658"/>
+                </a:solidFill>
+                <a:effectLst/>
+                <a:latin typeface="Consolas" panose="020B0609020204030204" pitchFamily="49" charset="0"/>
+              </a:rPr>
+              <a:t>2</a:t>
+            </a:r>
+            <a:r>
+              <a:rPr lang="en-US" altLang="zh-TW" b="0" dirty="0">
+                <a:solidFill>
+                  <a:srgbClr val="000000"/>
+                </a:solidFill>
+                <a:effectLst/>
+                <a:latin typeface="Consolas" panose="020B0609020204030204" pitchFamily="49" charset="0"/>
+              </a:rPr>
+              <a:t>:</a:t>
+            </a:r>
+          </a:p>
+          <a:p>
+            <a:r>
+              <a:rPr lang="en-US" altLang="zh-TW" b="0" dirty="0">
+                <a:solidFill>
+                  <a:srgbClr val="000000"/>
+                </a:solidFill>
+                <a:effectLst/>
+                <a:latin typeface="Consolas" panose="020B0609020204030204" pitchFamily="49" charset="0"/>
+              </a:rPr>
+              <a:t>        </a:t>
+            </a:r>
+            <a:r>
+              <a:rPr lang="en-US" altLang="zh-TW" b="0" dirty="0">
+                <a:solidFill>
+                  <a:srgbClr val="267F99"/>
+                </a:solidFill>
+                <a:effectLst/>
+                <a:latin typeface="Consolas" panose="020B0609020204030204" pitchFamily="49" charset="0"/>
+              </a:rPr>
+              <a:t>std</a:t>
+            </a:r>
+            <a:r>
+              <a:rPr lang="en-US" altLang="zh-TW" b="0" dirty="0">
+                <a:solidFill>
+                  <a:srgbClr val="000000"/>
+                </a:solidFill>
+                <a:effectLst/>
+                <a:latin typeface="Consolas" panose="020B0609020204030204" pitchFamily="49" charset="0"/>
+              </a:rPr>
+              <a:t>::</a:t>
+            </a:r>
+            <a:r>
+              <a:rPr lang="en-US" altLang="zh-TW" b="0" dirty="0" err="1">
+                <a:solidFill>
+                  <a:srgbClr val="001080"/>
+                </a:solidFill>
+                <a:effectLst/>
+                <a:latin typeface="Consolas" panose="020B0609020204030204" pitchFamily="49" charset="0"/>
+              </a:rPr>
+              <a:t>cout</a:t>
+            </a:r>
+            <a:r>
+              <a:rPr lang="en-US" altLang="zh-TW" b="0" dirty="0">
+                <a:solidFill>
+                  <a:srgbClr val="000000"/>
+                </a:solidFill>
+                <a:effectLst/>
+                <a:latin typeface="Consolas" panose="020B0609020204030204" pitchFamily="49" charset="0"/>
+              </a:rPr>
+              <a:t> </a:t>
+            </a:r>
+            <a:r>
+              <a:rPr lang="en-US" altLang="zh-TW" b="0" dirty="0">
+                <a:solidFill>
+                  <a:srgbClr val="795E26"/>
+                </a:solidFill>
+                <a:effectLst/>
+                <a:latin typeface="Consolas" panose="020B0609020204030204" pitchFamily="49" charset="0"/>
+              </a:rPr>
+              <a:t>&lt;&lt;</a:t>
+            </a:r>
+            <a:r>
+              <a:rPr lang="en-US" altLang="zh-TW" b="0" dirty="0">
+                <a:solidFill>
+                  <a:srgbClr val="000000"/>
+                </a:solidFill>
+                <a:effectLst/>
+                <a:latin typeface="Consolas" panose="020B0609020204030204" pitchFamily="49" charset="0"/>
+              </a:rPr>
+              <a:t> </a:t>
+            </a:r>
+            <a:r>
+              <a:rPr lang="en-US" altLang="zh-TW" b="0" dirty="0">
+                <a:solidFill>
+                  <a:srgbClr val="A31515"/>
+                </a:solidFill>
+                <a:effectLst/>
+                <a:latin typeface="Consolas" panose="020B0609020204030204" pitchFamily="49" charset="0"/>
+              </a:rPr>
+              <a:t>"Feb</a:t>
+            </a:r>
+            <a:r>
+              <a:rPr lang="en-US" altLang="zh-TW" b="0" dirty="0">
+                <a:solidFill>
+                  <a:srgbClr val="EE0000"/>
+                </a:solidFill>
+                <a:effectLst/>
+                <a:latin typeface="Consolas" panose="020B0609020204030204" pitchFamily="49" charset="0"/>
+              </a:rPr>
+              <a:t>\n</a:t>
+            </a:r>
+            <a:r>
+              <a:rPr lang="en-US" altLang="zh-TW" b="0" dirty="0">
+                <a:solidFill>
+                  <a:srgbClr val="A31515"/>
+                </a:solidFill>
+                <a:effectLst/>
+                <a:latin typeface="Consolas" panose="020B0609020204030204" pitchFamily="49" charset="0"/>
+              </a:rPr>
+              <a:t>"</a:t>
+            </a:r>
+            <a:r>
+              <a:rPr lang="en-US" altLang="zh-TW" b="0" dirty="0">
+                <a:solidFill>
+                  <a:srgbClr val="000000"/>
+                </a:solidFill>
+                <a:effectLst/>
+                <a:latin typeface="Consolas" panose="020B0609020204030204" pitchFamily="49" charset="0"/>
+              </a:rPr>
+              <a:t>;</a:t>
+            </a:r>
+          </a:p>
+          <a:p>
+            <a:r>
+              <a:rPr lang="en-US" altLang="zh-TW" b="0" dirty="0">
+                <a:solidFill>
+                  <a:srgbClr val="000000"/>
+                </a:solidFill>
+                <a:effectLst/>
+                <a:latin typeface="Consolas" panose="020B0609020204030204" pitchFamily="49" charset="0"/>
+              </a:rPr>
+              <a:t>        </a:t>
+            </a:r>
+            <a:r>
+              <a:rPr lang="en-US" altLang="zh-TW" b="0" dirty="0">
+                <a:solidFill>
+                  <a:srgbClr val="AF00DB"/>
+                </a:solidFill>
+                <a:effectLst/>
+                <a:latin typeface="Consolas" panose="020B0609020204030204" pitchFamily="49" charset="0"/>
+              </a:rPr>
+              <a:t>break</a:t>
+            </a:r>
+            <a:r>
+              <a:rPr lang="en-US" altLang="zh-TW" b="0" dirty="0">
+                <a:solidFill>
+                  <a:srgbClr val="000000"/>
+                </a:solidFill>
+                <a:effectLst/>
+                <a:latin typeface="Consolas" panose="020B0609020204030204" pitchFamily="49" charset="0"/>
+              </a:rPr>
+              <a:t>;</a:t>
+            </a:r>
+          </a:p>
+          <a:p>
+            <a:r>
+              <a:rPr lang="en-US" altLang="zh-TW" b="0" dirty="0">
+                <a:solidFill>
+                  <a:srgbClr val="000000"/>
+                </a:solidFill>
+                <a:effectLst/>
+                <a:latin typeface="Consolas" panose="020B0609020204030204" pitchFamily="49" charset="0"/>
+              </a:rPr>
+              <a:t>    </a:t>
+            </a:r>
+          </a:p>
+          <a:p>
+            <a:r>
+              <a:rPr lang="en-US" altLang="zh-TW" b="0" dirty="0">
+                <a:solidFill>
+                  <a:srgbClr val="000000"/>
+                </a:solidFill>
+                <a:effectLst/>
+                <a:latin typeface="Consolas" panose="020B0609020204030204" pitchFamily="49" charset="0"/>
+              </a:rPr>
+              <a:t>    </a:t>
+            </a:r>
+            <a:r>
+              <a:rPr lang="en-US" altLang="zh-TW" b="0" dirty="0">
+                <a:solidFill>
+                  <a:srgbClr val="AF00DB"/>
+                </a:solidFill>
+                <a:effectLst/>
+                <a:latin typeface="Consolas" panose="020B0609020204030204" pitchFamily="49" charset="0"/>
+              </a:rPr>
+              <a:t>default</a:t>
+            </a:r>
+            <a:r>
+              <a:rPr lang="en-US" altLang="zh-TW" b="0" dirty="0">
+                <a:solidFill>
+                  <a:srgbClr val="000000"/>
+                </a:solidFill>
+                <a:effectLst/>
+                <a:latin typeface="Consolas" panose="020B0609020204030204" pitchFamily="49" charset="0"/>
+              </a:rPr>
+              <a:t>:</a:t>
+            </a:r>
+          </a:p>
+          <a:p>
+            <a:r>
+              <a:rPr lang="en-US" altLang="zh-TW" b="0" dirty="0">
+                <a:solidFill>
+                  <a:srgbClr val="000000"/>
+                </a:solidFill>
+                <a:effectLst/>
+                <a:latin typeface="Consolas" panose="020B0609020204030204" pitchFamily="49" charset="0"/>
+              </a:rPr>
+              <a:t>        </a:t>
+            </a:r>
+            <a:r>
+              <a:rPr lang="en-US" altLang="zh-TW" b="0" dirty="0">
+                <a:solidFill>
+                  <a:srgbClr val="267F99"/>
+                </a:solidFill>
+                <a:effectLst/>
+                <a:latin typeface="Consolas" panose="020B0609020204030204" pitchFamily="49" charset="0"/>
+              </a:rPr>
+              <a:t>std</a:t>
+            </a:r>
+            <a:r>
+              <a:rPr lang="en-US" altLang="zh-TW" b="0" dirty="0">
+                <a:solidFill>
+                  <a:srgbClr val="000000"/>
+                </a:solidFill>
+                <a:effectLst/>
+                <a:latin typeface="Consolas" panose="020B0609020204030204" pitchFamily="49" charset="0"/>
+              </a:rPr>
+              <a:t>::</a:t>
+            </a:r>
+            <a:r>
+              <a:rPr lang="en-US" altLang="zh-TW" b="0" dirty="0" err="1">
+                <a:solidFill>
+                  <a:srgbClr val="001080"/>
+                </a:solidFill>
+                <a:effectLst/>
+                <a:latin typeface="Consolas" panose="020B0609020204030204" pitchFamily="49" charset="0"/>
+              </a:rPr>
+              <a:t>cout</a:t>
+            </a:r>
+            <a:r>
+              <a:rPr lang="en-US" altLang="zh-TW" b="0" dirty="0">
+                <a:solidFill>
+                  <a:srgbClr val="000000"/>
+                </a:solidFill>
+                <a:effectLst/>
+                <a:latin typeface="Consolas" panose="020B0609020204030204" pitchFamily="49" charset="0"/>
+              </a:rPr>
+              <a:t> </a:t>
+            </a:r>
+            <a:r>
+              <a:rPr lang="en-US" altLang="zh-TW" b="0" dirty="0">
+                <a:solidFill>
+                  <a:srgbClr val="795E26"/>
+                </a:solidFill>
+                <a:effectLst/>
+                <a:latin typeface="Consolas" panose="020B0609020204030204" pitchFamily="49" charset="0"/>
+              </a:rPr>
+              <a:t>&lt;&lt;</a:t>
+            </a:r>
+            <a:r>
+              <a:rPr lang="en-US" altLang="zh-TW" b="0" dirty="0">
+                <a:solidFill>
+                  <a:srgbClr val="000000"/>
+                </a:solidFill>
+                <a:effectLst/>
+                <a:latin typeface="Consolas" panose="020B0609020204030204" pitchFamily="49" charset="0"/>
+              </a:rPr>
+              <a:t> </a:t>
+            </a:r>
+            <a:r>
+              <a:rPr lang="en-US" altLang="zh-TW" b="0" dirty="0">
+                <a:solidFill>
+                  <a:srgbClr val="A31515"/>
+                </a:solidFill>
+                <a:effectLst/>
+                <a:latin typeface="Consolas" panose="020B0609020204030204" pitchFamily="49" charset="0"/>
+              </a:rPr>
+              <a:t>"...</a:t>
+            </a:r>
+            <a:r>
+              <a:rPr lang="en-US" altLang="zh-TW" b="0" dirty="0">
+                <a:solidFill>
+                  <a:srgbClr val="EE0000"/>
+                </a:solidFill>
+                <a:effectLst/>
+                <a:latin typeface="Consolas" panose="020B0609020204030204" pitchFamily="49" charset="0"/>
+              </a:rPr>
+              <a:t>\n</a:t>
+            </a:r>
+            <a:r>
+              <a:rPr lang="en-US" altLang="zh-TW" b="0" dirty="0">
+                <a:solidFill>
+                  <a:srgbClr val="A31515"/>
+                </a:solidFill>
+                <a:effectLst/>
+                <a:latin typeface="Consolas" panose="020B0609020204030204" pitchFamily="49" charset="0"/>
+              </a:rPr>
+              <a:t>"</a:t>
+            </a:r>
+            <a:r>
+              <a:rPr lang="en-US" altLang="zh-TW" b="0" dirty="0">
+                <a:solidFill>
+                  <a:srgbClr val="000000"/>
+                </a:solidFill>
+                <a:effectLst/>
+                <a:latin typeface="Consolas" panose="020B0609020204030204" pitchFamily="49" charset="0"/>
+              </a:rPr>
+              <a:t>;</a:t>
+            </a:r>
+          </a:p>
+          <a:p>
+            <a:r>
+              <a:rPr lang="en-US" altLang="zh-TW" b="0" dirty="0">
+                <a:solidFill>
+                  <a:srgbClr val="000000"/>
+                </a:solidFill>
+                <a:effectLst/>
+                <a:latin typeface="Consolas" panose="020B0609020204030204" pitchFamily="49" charset="0"/>
+              </a:rPr>
+              <a:t>        </a:t>
+            </a:r>
+            <a:r>
+              <a:rPr lang="en-US" altLang="zh-TW" b="0" dirty="0">
+                <a:solidFill>
+                  <a:srgbClr val="AF00DB"/>
+                </a:solidFill>
+                <a:effectLst/>
+                <a:latin typeface="Consolas" panose="020B0609020204030204" pitchFamily="49" charset="0"/>
+              </a:rPr>
+              <a:t>break</a:t>
+            </a:r>
+            <a:r>
+              <a:rPr lang="en-US" altLang="zh-TW" b="0" dirty="0">
+                <a:solidFill>
+                  <a:srgbClr val="000000"/>
+                </a:solidFill>
+                <a:effectLst/>
+                <a:latin typeface="Consolas" panose="020B0609020204030204" pitchFamily="49" charset="0"/>
+              </a:rPr>
+              <a:t>;</a:t>
+            </a:r>
+          </a:p>
+          <a:p>
+            <a:r>
+              <a:rPr lang="en-US" altLang="zh-TW" b="0" dirty="0">
+                <a:solidFill>
+                  <a:srgbClr val="000000"/>
+                </a:solidFill>
+                <a:effectLst/>
+                <a:latin typeface="Consolas" panose="020B0609020204030204" pitchFamily="49" charset="0"/>
+              </a:rPr>
+              <a:t>    }</a:t>
+            </a:r>
+          </a:p>
+        </p:txBody>
+      </p:sp>
+    </p:spTree>
+    <p:extLst>
+      <p:ext uri="{BB962C8B-B14F-4D97-AF65-F5344CB8AC3E}">
+        <p14:creationId xmlns:p14="http://schemas.microsoft.com/office/powerpoint/2010/main" val="764391916"/>
+      </p:ext>
+    </p:extLst>
+  </p:cSld>
+  <p:clrMapOvr>
+    <a:masterClrMapping/>
+  </p:clrMapOvr>
+</p:sld>
+</file>
+
+<file path=ppt/slides/slide17.xml><?xml version="1.0" encoding="utf-8"?>
+<p:sld xmlns:a="http://schemas.openxmlformats.org/drawingml/2006/main" xmlns:r="http://schemas.openxmlformats.org/officeDocument/2006/relationships" xmlns:p="http://schemas.openxmlformats.org/presentationml/2006/main">
+  <p:cSld>
     <p:bg>
       <p:bgPr>
         <a:solidFill>
@@ -15612,7 +17162,7 @@
 </p:sld>
 </file>
 
-<file path=ppt/slides/slide17.xml><?xml version="1.0" encoding="utf-8"?>
+<file path=ppt/slides/slide18.xml><?xml version="1.0" encoding="utf-8"?>
 <p:sld xmlns:a="http://schemas.openxmlformats.org/drawingml/2006/main" xmlns:r="http://schemas.openxmlformats.org/officeDocument/2006/relationships" xmlns:p="http://schemas.openxmlformats.org/presentationml/2006/main">
   <p:cSld>
     <p:spTree>
@@ -15634,7 +17184,7 @@
           <p:cNvPr id="2" name="標題 1">
             <a:extLst>
               <a:ext uri="{FF2B5EF4-FFF2-40B4-BE49-F238E27FC236}">
-                <a16:creationId xmlns:a16="http://schemas.microsoft.com/office/drawing/2014/main" id="{CF249FCC-4E37-42D9-9F70-1AFA136E59C8}"/>
+                <a16:creationId xmlns:a16="http://schemas.microsoft.com/office/drawing/2014/main" id="{740B4767-5267-4C39-9FB1-7A188B21DE70}"/>
               </a:ext>
             </a:extLst>
           </p:cNvPr>
@@ -15645,522 +17195,2789 @@
             <p:ph type="title"/>
           </p:nvPr>
         </p:nvSpPr>
-        <p:spPr>
-          <a:xfrm>
-            <a:off x="643468" y="643467"/>
-            <a:ext cx="4620584" cy="4567137"/>
-          </a:xfrm>
-        </p:spPr>
+        <p:spPr/>
         <p:txBody>
-          <a:bodyPr vert="horz" lIns="91440" tIns="45720" rIns="91440" bIns="45720" rtlCol="0" anchor="b">
-            <a:normAutofit/>
-          </a:bodyPr>
+          <a:bodyPr/>
           <a:lstStyle/>
           <a:p>
             <a:r>
-              <a:rPr lang="en-US" altLang="zh-TW" sz="4800" i="1"/>
-              <a:t>Questions</a:t>
-            </a:r>
+              <a:rPr lang="en-US" altLang="zh-TW" dirty="0"/>
+              <a:t>Common Pitfalls</a:t>
+            </a:r>
+            <a:endParaRPr lang="zh-TW" altLang="en-US" dirty="0"/>
           </a:p>
         </p:txBody>
       </p:sp>
-      <p:pic>
-        <p:nvPicPr>
-          <p:cNvPr id="4" name="Picture 3" descr="Question mark on green pastel background">
+      <p:sp>
+        <p:nvSpPr>
+          <p:cNvPr id="3" name="內容版面配置區 2">
             <a:extLst>
               <a:ext uri="{FF2B5EF4-FFF2-40B4-BE49-F238E27FC236}">
-                <a16:creationId xmlns:a16="http://schemas.microsoft.com/office/drawing/2014/main" id="{478FF4FD-58E0-4672-8112-25C88FA0A23F}"/>
+                <a16:creationId xmlns:a16="http://schemas.microsoft.com/office/drawing/2014/main" id="{2457C493-C5E3-440C-9270-811AA6945CDC}"/>
               </a:ext>
             </a:extLst>
           </p:cNvPr>
-          <p:cNvPicPr>
-            <a:picLocks noChangeAspect="1"/>
-          </p:cNvPicPr>
+          <p:cNvSpPr>
+            <a:spLocks noGrp="1"/>
+          </p:cNvSpPr>
+          <p:nvPr>
+            <p:ph idx="1"/>
+          </p:nvPr>
+        </p:nvSpPr>
+        <p:spPr/>
+        <p:txBody>
+          <a:bodyPr/>
+          <a:lstStyle/>
+          <a:p>
+            <a:r>
+              <a:rPr lang="en-US" altLang="zh-TW"/>
+              <a:t>Operator “=” is </a:t>
+            </a:r>
+            <a:r>
+              <a:rPr lang="en-US" altLang="zh-TW" b="1"/>
+              <a:t>assignment</a:t>
+            </a:r>
+            <a:r>
+              <a:rPr lang="en-US" altLang="zh-TW"/>
+              <a:t> and “==” is </a:t>
+            </a:r>
+            <a:r>
+              <a:rPr lang="en-US" altLang="zh-TW" b="1"/>
+              <a:t>comparison of equality</a:t>
+            </a:r>
+            <a:r>
+              <a:rPr lang="en-US" altLang="zh-TW"/>
+              <a:t>.</a:t>
+            </a:r>
+            <a:endParaRPr lang="zh-TW" altLang="en-US" dirty="0"/>
+          </a:p>
+        </p:txBody>
+      </p:sp>
+      <p:sp>
+        <p:nvSpPr>
+          <p:cNvPr id="5" name="文字方塊 4">
+            <a:extLst>
+              <a:ext uri="{FF2B5EF4-FFF2-40B4-BE49-F238E27FC236}">
+                <a16:creationId xmlns:a16="http://schemas.microsoft.com/office/drawing/2014/main" id="{531091E1-F783-44CA-93DA-F50AA17D485D}"/>
+              </a:ext>
+            </a:extLst>
+          </p:cNvPr>
+          <p:cNvSpPr txBox="1"/>
           <p:nvPr/>
-        </p:nvPicPr>
-        <p:blipFill rotWithShape="1">
-          <a:blip r:embed="rId2"/>
-          <a:srcRect l="34790"/>
-          <a:stretch/>
-        </p:blipFill>
+        </p:nvSpPr>
         <p:spPr>
           <a:xfrm>
-            <a:off x="6229215" y="10"/>
-            <a:ext cx="5962785" cy="6857990"/>
+            <a:off x="270545" y="2561836"/>
+            <a:ext cx="6094602" cy="2862322"/>
           </a:xfrm>
-          <a:custGeom>
+          <a:prstGeom prst="rect">
             <a:avLst/>
-            <a:gdLst/>
-            <a:ahLst/>
-            <a:cxnLst/>
-            <a:rect l="l" t="t" r="r" b="b"/>
-            <a:pathLst>
-              <a:path w="5962785" h="6858000">
-                <a:moveTo>
-                  <a:pt x="1044839" y="0"/>
-                </a:moveTo>
-                <a:lnTo>
-                  <a:pt x="5962785" y="0"/>
-                </a:lnTo>
-                <a:lnTo>
-                  <a:pt x="5962785" y="6858000"/>
-                </a:lnTo>
-                <a:lnTo>
-                  <a:pt x="1469886" y="6858000"/>
-                </a:lnTo>
-                <a:lnTo>
-                  <a:pt x="1416006" y="6823984"/>
-                </a:lnTo>
-                <a:cubicBezTo>
-                  <a:pt x="1356767" y="6787940"/>
-                  <a:pt x="1296437" y="6755500"/>
-                  <a:pt x="1232473" y="6733873"/>
-                </a:cubicBezTo>
-                <a:cubicBezTo>
-                  <a:pt x="1145250" y="6705037"/>
-                  <a:pt x="1060933" y="6654575"/>
-                  <a:pt x="1075471" y="6503186"/>
-                </a:cubicBezTo>
-                <a:cubicBezTo>
-                  <a:pt x="1078378" y="6459932"/>
-                  <a:pt x="1055118" y="6427493"/>
-                  <a:pt x="1020229" y="6438306"/>
-                </a:cubicBezTo>
-                <a:cubicBezTo>
-                  <a:pt x="953358" y="6459932"/>
-                  <a:pt x="921375" y="6398656"/>
-                  <a:pt x="883579" y="6351798"/>
-                </a:cubicBezTo>
-                <a:cubicBezTo>
-                  <a:pt x="816707" y="6268895"/>
-                  <a:pt x="752743" y="6182387"/>
-                  <a:pt x="645167" y="6167969"/>
-                </a:cubicBezTo>
-                <a:cubicBezTo>
-                  <a:pt x="665519" y="6103088"/>
-                  <a:pt x="700408" y="6110298"/>
-                  <a:pt x="732391" y="6124716"/>
-                </a:cubicBezTo>
-                <a:cubicBezTo>
-                  <a:pt x="816707" y="6160761"/>
-                  <a:pt x="901023" y="6200410"/>
-                  <a:pt x="985339" y="6236455"/>
-                </a:cubicBezTo>
-                <a:cubicBezTo>
-                  <a:pt x="1040581" y="6258081"/>
-                  <a:pt x="1095822" y="6290522"/>
-                  <a:pt x="1168509" y="6265291"/>
-                </a:cubicBezTo>
-                <a:cubicBezTo>
-                  <a:pt x="1104545" y="6135530"/>
-                  <a:pt x="996969" y="6110298"/>
-                  <a:pt x="909746" y="6070649"/>
-                </a:cubicBezTo>
-                <a:cubicBezTo>
-                  <a:pt x="802169" y="6020185"/>
-                  <a:pt x="738206" y="5926470"/>
-                  <a:pt x="659704" y="5818335"/>
-                </a:cubicBezTo>
-                <a:cubicBezTo>
-                  <a:pt x="738206" y="5789500"/>
-                  <a:pt x="787632" y="5868798"/>
-                  <a:pt x="851597" y="5865193"/>
-                </a:cubicBezTo>
-                <a:cubicBezTo>
-                  <a:pt x="854504" y="5854380"/>
-                  <a:pt x="860319" y="5832753"/>
-                  <a:pt x="860319" y="5832753"/>
-                </a:cubicBezTo>
-                <a:cubicBezTo>
-                  <a:pt x="755650" y="5775081"/>
-                  <a:pt x="709132" y="5666947"/>
-                  <a:pt x="691686" y="5533581"/>
-                </a:cubicBezTo>
-                <a:cubicBezTo>
-                  <a:pt x="685872" y="5465095"/>
-                  <a:pt x="648075" y="5443468"/>
-                  <a:pt x="610278" y="5411029"/>
-                </a:cubicBezTo>
-                <a:cubicBezTo>
-                  <a:pt x="482350" y="5299289"/>
-                  <a:pt x="345700" y="5198364"/>
-                  <a:pt x="238123" y="5046976"/>
-                </a:cubicBezTo>
-                <a:cubicBezTo>
-                  <a:pt x="363144" y="5064998"/>
-                  <a:pt x="461997" y="5165924"/>
-                  <a:pt x="592833" y="5209177"/>
-                </a:cubicBezTo>
-                <a:cubicBezTo>
-                  <a:pt x="488165" y="5043371"/>
-                  <a:pt x="351514" y="4956864"/>
-                  <a:pt x="226494" y="4855939"/>
-                </a:cubicBezTo>
-                <a:cubicBezTo>
-                  <a:pt x="168344" y="4809081"/>
-                  <a:pt x="116011" y="4751408"/>
-                  <a:pt x="49139" y="4726177"/>
-                </a:cubicBezTo>
-                <a:cubicBezTo>
-                  <a:pt x="25879" y="4718968"/>
-                  <a:pt x="-14825" y="4700947"/>
-                  <a:pt x="5527" y="4650483"/>
-                </a:cubicBezTo>
-                <a:cubicBezTo>
-                  <a:pt x="22972" y="4607230"/>
-                  <a:pt x="54954" y="4621648"/>
-                  <a:pt x="84029" y="4632460"/>
-                </a:cubicBezTo>
-                <a:cubicBezTo>
-                  <a:pt x="153807" y="4661296"/>
-                  <a:pt x="229401" y="4661296"/>
-                  <a:pt x="325347" y="4661296"/>
-                </a:cubicBezTo>
-                <a:cubicBezTo>
-                  <a:pt x="243939" y="4524326"/>
-                  <a:pt x="95658" y="4567580"/>
-                  <a:pt x="25879" y="4423401"/>
-                </a:cubicBezTo>
-                <a:cubicBezTo>
-                  <a:pt x="113103" y="4398170"/>
-                  <a:pt x="179975" y="4448632"/>
-                  <a:pt x="249753" y="4459446"/>
-                </a:cubicBezTo>
-                <a:cubicBezTo>
-                  <a:pt x="313718" y="4470259"/>
-                  <a:pt x="328254" y="4445028"/>
-                  <a:pt x="313718" y="4365729"/>
-                </a:cubicBezTo>
-                <a:cubicBezTo>
-                  <a:pt x="290458" y="4243177"/>
-                  <a:pt x="325347" y="4181900"/>
-                  <a:pt x="418386" y="4214341"/>
-                </a:cubicBezTo>
-                <a:cubicBezTo>
-                  <a:pt x="505609" y="4246781"/>
-                  <a:pt x="514332" y="4199922"/>
-                  <a:pt x="491072" y="4131438"/>
-                </a:cubicBezTo>
-                <a:cubicBezTo>
-                  <a:pt x="456183" y="4030512"/>
-                  <a:pt x="493979" y="3951214"/>
-                  <a:pt x="520147" y="3864706"/>
-                </a:cubicBezTo>
-                <a:cubicBezTo>
-                  <a:pt x="560851" y="3734945"/>
-                  <a:pt x="543407" y="3670064"/>
-                  <a:pt x="459090" y="3572743"/>
-                </a:cubicBezTo>
-                <a:cubicBezTo>
-                  <a:pt x="409664" y="3518676"/>
-                  <a:pt x="360236" y="3471818"/>
-                  <a:pt x="290458" y="3424959"/>
-                </a:cubicBezTo>
-                <a:cubicBezTo>
-                  <a:pt x="450368" y="3399728"/>
-                  <a:pt x="284643" y="3313221"/>
-                  <a:pt x="339884" y="3259153"/>
-                </a:cubicBezTo>
-                <a:cubicBezTo>
-                  <a:pt x="453275" y="3237527"/>
-                  <a:pt x="543407" y="3410542"/>
-                  <a:pt x="697501" y="3360078"/>
-                </a:cubicBezTo>
-                <a:cubicBezTo>
-                  <a:pt x="511425" y="3212294"/>
-                  <a:pt x="302087" y="3165436"/>
-                  <a:pt x="165437" y="2967190"/>
-                </a:cubicBezTo>
-                <a:cubicBezTo>
-                  <a:pt x="197419" y="2923937"/>
-                  <a:pt x="229401" y="2967190"/>
-                  <a:pt x="255568" y="2949167"/>
-                </a:cubicBezTo>
-                <a:cubicBezTo>
-                  <a:pt x="255568" y="2938354"/>
-                  <a:pt x="560851" y="3006840"/>
-                  <a:pt x="578296" y="2725691"/>
-                </a:cubicBezTo>
-                <a:cubicBezTo>
-                  <a:pt x="584111" y="2725691"/>
-                  <a:pt x="589926" y="2725691"/>
-                  <a:pt x="595740" y="2714876"/>
-                </a:cubicBezTo>
-                <a:cubicBezTo>
-                  <a:pt x="627722" y="2675228"/>
-                  <a:pt x="598648" y="2581510"/>
-                  <a:pt x="650982" y="2574301"/>
-                </a:cubicBezTo>
-                <a:cubicBezTo>
-                  <a:pt x="709132" y="2567092"/>
-                  <a:pt x="764373" y="2534653"/>
-                  <a:pt x="825429" y="2552674"/>
-                </a:cubicBezTo>
-                <a:cubicBezTo>
-                  <a:pt x="871949" y="2567092"/>
-                  <a:pt x="921375" y="2585115"/>
-                  <a:pt x="970802" y="2585115"/>
-                </a:cubicBezTo>
-                <a:cubicBezTo>
-                  <a:pt x="1023136" y="2585115"/>
-                  <a:pt x="1095822" y="2707668"/>
-                  <a:pt x="1127805" y="2545465"/>
-                </a:cubicBezTo>
-                <a:cubicBezTo>
-                  <a:pt x="1127805" y="2538257"/>
-                  <a:pt x="1217936" y="2556280"/>
-                  <a:pt x="1267362" y="2563488"/>
-                </a:cubicBezTo>
-                <a:cubicBezTo>
-                  <a:pt x="1308067" y="2570698"/>
-                  <a:pt x="1357494" y="2603137"/>
-                  <a:pt x="1386568" y="2538257"/>
-                </a:cubicBezTo>
-                <a:cubicBezTo>
-                  <a:pt x="1401105" y="2498607"/>
-                  <a:pt x="1331326" y="2426518"/>
-                  <a:pt x="1270270" y="2419309"/>
-                </a:cubicBezTo>
-                <a:cubicBezTo>
-                  <a:pt x="1215029" y="2412101"/>
-                  <a:pt x="1159787" y="2404892"/>
-                  <a:pt x="1107453" y="2419309"/>
-                </a:cubicBezTo>
-                <a:cubicBezTo>
-                  <a:pt x="1043489" y="2437331"/>
-                  <a:pt x="1008599" y="2408495"/>
-                  <a:pt x="991154" y="2343615"/>
-                </a:cubicBezTo>
-                <a:cubicBezTo>
-                  <a:pt x="970802" y="2275131"/>
-                  <a:pt x="933005" y="2239085"/>
-                  <a:pt x="880671" y="2206645"/>
-                </a:cubicBezTo>
-                <a:cubicBezTo>
-                  <a:pt x="752743" y="2127346"/>
-                  <a:pt x="630630" y="2033629"/>
-                  <a:pt x="491072" y="1986771"/>
-                </a:cubicBezTo>
-                <a:cubicBezTo>
-                  <a:pt x="464905" y="1979562"/>
-                  <a:pt x="432923" y="1965145"/>
-                  <a:pt x="421293" y="1903868"/>
-                </a:cubicBezTo>
-                <a:cubicBezTo>
-                  <a:pt x="799262" y="1997584"/>
-                  <a:pt x="1142342" y="2239085"/>
-                  <a:pt x="1531941" y="2224667"/>
-                </a:cubicBezTo>
-                <a:cubicBezTo>
-                  <a:pt x="1427272" y="2148974"/>
-                  <a:pt x="1302252" y="2145369"/>
-                  <a:pt x="1188861" y="2091301"/>
-                </a:cubicBezTo>
-                <a:cubicBezTo>
-                  <a:pt x="1270270" y="2051652"/>
-                  <a:pt x="1345864" y="2094906"/>
-                  <a:pt x="1421458" y="2116532"/>
-                </a:cubicBezTo>
-                <a:cubicBezTo>
-                  <a:pt x="1485422" y="2134554"/>
-                  <a:pt x="1543571" y="2138160"/>
-                  <a:pt x="1549386" y="2026420"/>
-                </a:cubicBezTo>
-                <a:cubicBezTo>
-                  <a:pt x="1549386" y="2015607"/>
-                  <a:pt x="1549386" y="2008398"/>
-                  <a:pt x="1549386" y="1997584"/>
-                </a:cubicBezTo>
-                <a:cubicBezTo>
-                  <a:pt x="1526126" y="1950727"/>
-                  <a:pt x="1494144" y="1929099"/>
-                  <a:pt x="1453440" y="1914682"/>
-                </a:cubicBezTo>
-                <a:cubicBezTo>
-                  <a:pt x="1430180" y="1907473"/>
-                  <a:pt x="1398198" y="1893056"/>
-                  <a:pt x="1398198" y="1860614"/>
-                </a:cubicBezTo>
-                <a:cubicBezTo>
-                  <a:pt x="1401105" y="1738063"/>
-                  <a:pt x="1322604" y="1702018"/>
-                  <a:pt x="1247011" y="1665972"/>
-                </a:cubicBezTo>
-                <a:cubicBezTo>
-                  <a:pt x="1287715" y="1604696"/>
-                  <a:pt x="1322604" y="1647950"/>
-                  <a:pt x="1354586" y="1644345"/>
-                </a:cubicBezTo>
-                <a:cubicBezTo>
-                  <a:pt x="1374939" y="1640741"/>
-                  <a:pt x="1395290" y="1637138"/>
-                  <a:pt x="1395290" y="1604696"/>
-                </a:cubicBezTo>
-                <a:cubicBezTo>
-                  <a:pt x="1395290" y="1579465"/>
-                  <a:pt x="1386568" y="1547025"/>
-                  <a:pt x="1366216" y="1547025"/>
-                </a:cubicBezTo>
-                <a:cubicBezTo>
-                  <a:pt x="1238288" y="1543420"/>
-                  <a:pt x="1165601" y="1370405"/>
-                  <a:pt x="1031858" y="1370405"/>
-                </a:cubicBezTo>
-                <a:cubicBezTo>
-                  <a:pt x="950450" y="1370405"/>
-                  <a:pt x="1072563" y="1273083"/>
-                  <a:pt x="1005692" y="1233435"/>
-                </a:cubicBezTo>
-                <a:cubicBezTo>
-                  <a:pt x="991154" y="1222621"/>
-                  <a:pt x="1046396" y="1208203"/>
-                  <a:pt x="1069655" y="1211808"/>
-                </a:cubicBezTo>
-                <a:cubicBezTo>
-                  <a:pt x="1092915" y="1215412"/>
-                  <a:pt x="1113268" y="1240644"/>
-                  <a:pt x="1142342" y="1222621"/>
-                </a:cubicBezTo>
-                <a:cubicBezTo>
-                  <a:pt x="1156879" y="1157741"/>
-                  <a:pt x="1119082" y="1132510"/>
-                  <a:pt x="1084193" y="1114487"/>
-                </a:cubicBezTo>
-                <a:cubicBezTo>
-                  <a:pt x="1008599" y="1071234"/>
-                  <a:pt x="933005" y="1020771"/>
-                  <a:pt x="848689" y="1006353"/>
-                </a:cubicBezTo>
-                <a:cubicBezTo>
-                  <a:pt x="819615" y="1002748"/>
-                  <a:pt x="802169" y="984726"/>
-                  <a:pt x="805077" y="948681"/>
-                </a:cubicBezTo>
-                <a:cubicBezTo>
-                  <a:pt x="810892" y="901822"/>
-                  <a:pt x="839967" y="916240"/>
-                  <a:pt x="863226" y="919844"/>
-                </a:cubicBezTo>
-                <a:cubicBezTo>
-                  <a:pt x="877764" y="923450"/>
-                  <a:pt x="892301" y="934263"/>
-                  <a:pt x="906838" y="909031"/>
-                </a:cubicBezTo>
-                <a:cubicBezTo>
-                  <a:pt x="566666" y="653113"/>
-                  <a:pt x="386404" y="667532"/>
-                  <a:pt x="5527" y="458471"/>
-                </a:cubicBezTo>
-                <a:cubicBezTo>
-                  <a:pt x="89843" y="418822"/>
-                  <a:pt x="150900" y="447658"/>
-                  <a:pt x="209049" y="454867"/>
-                </a:cubicBezTo>
-                <a:cubicBezTo>
-                  <a:pt x="354422" y="472890"/>
-                  <a:pt x="264290" y="505329"/>
-                  <a:pt x="409664" y="526956"/>
-                </a:cubicBezTo>
-                <a:cubicBezTo>
-                  <a:pt x="479443" y="537770"/>
-                  <a:pt x="543407" y="573815"/>
-                  <a:pt x="621908" y="516143"/>
-                </a:cubicBezTo>
-                <a:cubicBezTo>
-                  <a:pt x="674242" y="476494"/>
-                  <a:pt x="758558" y="519747"/>
-                  <a:pt x="822522" y="552188"/>
-                </a:cubicBezTo>
-                <a:cubicBezTo>
-                  <a:pt x="874856" y="581024"/>
-                  <a:pt x="927190" y="588232"/>
-                  <a:pt x="996969" y="552188"/>
-                </a:cubicBezTo>
-                <a:cubicBezTo>
-                  <a:pt x="933005" y="530562"/>
-                  <a:pt x="883579" y="512539"/>
-                  <a:pt x="834151" y="498120"/>
-                </a:cubicBezTo>
-                <a:cubicBezTo>
-                  <a:pt x="793447" y="487307"/>
-                  <a:pt x="770187" y="462076"/>
-                  <a:pt x="773095" y="408008"/>
-                </a:cubicBezTo>
-                <a:cubicBezTo>
-                  <a:pt x="773095" y="379172"/>
-                  <a:pt x="764373" y="339523"/>
-                  <a:pt x="793447" y="325106"/>
-                </a:cubicBezTo>
-                <a:cubicBezTo>
-                  <a:pt x="816707" y="310688"/>
-                  <a:pt x="848689" y="325106"/>
-                  <a:pt x="860319" y="350336"/>
-                </a:cubicBezTo>
-                <a:cubicBezTo>
-                  <a:pt x="874856" y="397195"/>
-                  <a:pt x="889393" y="440449"/>
-                  <a:pt x="938820" y="444054"/>
-                </a:cubicBezTo>
-                <a:cubicBezTo>
-                  <a:pt x="1005692" y="451262"/>
-                  <a:pt x="967894" y="422426"/>
-                  <a:pt x="956265" y="386381"/>
-                </a:cubicBezTo>
-                <a:cubicBezTo>
-                  <a:pt x="944635" y="346733"/>
-                  <a:pt x="979525" y="335919"/>
-                  <a:pt x="1002784" y="343127"/>
-                </a:cubicBezTo>
-                <a:cubicBezTo>
-                  <a:pt x="1090008" y="375569"/>
-                  <a:pt x="1180139" y="317897"/>
-                  <a:pt x="1270270" y="364755"/>
-                </a:cubicBezTo>
-                <a:cubicBezTo>
-                  <a:pt x="1247011" y="249411"/>
-                  <a:pt x="1197583" y="198949"/>
-                  <a:pt x="1092915" y="180926"/>
-                </a:cubicBezTo>
-                <a:cubicBezTo>
-                  <a:pt x="1055118" y="177322"/>
-                  <a:pt x="1014414" y="184530"/>
-                  <a:pt x="979525" y="152090"/>
-                </a:cubicBezTo>
-                <a:cubicBezTo>
-                  <a:pt x="959172" y="134068"/>
-                  <a:pt x="938820" y="112441"/>
-                  <a:pt x="953358" y="76396"/>
-                </a:cubicBezTo>
-                <a:cubicBezTo>
-                  <a:pt x="962080" y="51165"/>
-                  <a:pt x="985339" y="51165"/>
-                  <a:pt x="1005692" y="58373"/>
-                </a:cubicBezTo>
-                <a:cubicBezTo>
-                  <a:pt x="1090008" y="98023"/>
-                  <a:pt x="1180139" y="108837"/>
-                  <a:pt x="1267362" y="123254"/>
-                </a:cubicBezTo>
-                <a:cubicBezTo>
-                  <a:pt x="1281900" y="126859"/>
-                  <a:pt x="1296437" y="134068"/>
-                  <a:pt x="1310975" y="98023"/>
-                </a:cubicBezTo>
-                <a:cubicBezTo>
-                  <a:pt x="1260095" y="81803"/>
-                  <a:pt x="1209941" y="62879"/>
-                  <a:pt x="1159787" y="43505"/>
-                </a:cubicBezTo>
-                <a:close/>
-              </a:path>
-            </a:pathLst>
-          </a:custGeom>
+          </a:prstGeom>
+          <a:noFill/>
         </p:spPr>
-      </p:pic>
+        <p:txBody>
+          <a:bodyPr wrap="square">
+            <a:spAutoFit/>
+          </a:bodyPr>
+          <a:lstStyle/>
+          <a:p>
+            <a:r>
+              <a:rPr lang="en-US" altLang="zh-TW" b="0" dirty="0">
+                <a:solidFill>
+                  <a:srgbClr val="000000"/>
+                </a:solidFill>
+                <a:effectLst/>
+                <a:latin typeface="Consolas" panose="020B0609020204030204" pitchFamily="49" charset="0"/>
+              </a:rPr>
+              <a:t>        </a:t>
+            </a:r>
+            <a:r>
+              <a:rPr lang="en-US" altLang="zh-TW" b="0" dirty="0">
+                <a:solidFill>
+                  <a:srgbClr val="0000FF"/>
+                </a:solidFill>
+                <a:effectLst/>
+                <a:latin typeface="Consolas" panose="020B0609020204030204" pitchFamily="49" charset="0"/>
+              </a:rPr>
+              <a:t>int</a:t>
+            </a:r>
+            <a:r>
+              <a:rPr lang="en-US" altLang="zh-TW" b="0" dirty="0">
+                <a:solidFill>
+                  <a:srgbClr val="000000"/>
+                </a:solidFill>
+                <a:effectLst/>
+                <a:latin typeface="Consolas" panose="020B0609020204030204" pitchFamily="49" charset="0"/>
+              </a:rPr>
+              <a:t> </a:t>
+            </a:r>
+            <a:r>
+              <a:rPr lang="en-US" altLang="zh-TW" b="0" dirty="0">
+                <a:solidFill>
+                  <a:srgbClr val="001080"/>
+                </a:solidFill>
+                <a:effectLst/>
+                <a:latin typeface="Consolas" panose="020B0609020204030204" pitchFamily="49" charset="0"/>
+              </a:rPr>
+              <a:t>a</a:t>
+            </a:r>
+            <a:r>
+              <a:rPr lang="en-US" altLang="zh-TW" b="0" dirty="0">
+                <a:solidFill>
+                  <a:srgbClr val="000000"/>
+                </a:solidFill>
+                <a:effectLst/>
+                <a:latin typeface="Consolas" panose="020B0609020204030204" pitchFamily="49" charset="0"/>
+              </a:rPr>
+              <a:t> = </a:t>
+            </a:r>
+            <a:r>
+              <a:rPr lang="en-US" altLang="zh-TW" b="0" dirty="0">
+                <a:solidFill>
+                  <a:srgbClr val="098658"/>
+                </a:solidFill>
+                <a:effectLst/>
+                <a:latin typeface="Consolas" panose="020B0609020204030204" pitchFamily="49" charset="0"/>
+              </a:rPr>
+              <a:t>20</a:t>
+            </a:r>
+            <a:r>
+              <a:rPr lang="en-US" altLang="zh-TW" b="0" dirty="0">
+                <a:solidFill>
+                  <a:srgbClr val="000000"/>
+                </a:solidFill>
+                <a:effectLst/>
+                <a:latin typeface="Consolas" panose="020B0609020204030204" pitchFamily="49" charset="0"/>
+              </a:rPr>
+              <a:t>;</a:t>
+            </a:r>
+          </a:p>
+          <a:p>
+            <a:r>
+              <a:rPr lang="en-US" altLang="zh-TW" b="0" dirty="0">
+                <a:solidFill>
+                  <a:srgbClr val="000000"/>
+                </a:solidFill>
+                <a:effectLst/>
+                <a:latin typeface="Consolas" panose="020B0609020204030204" pitchFamily="49" charset="0"/>
+              </a:rPr>
+              <a:t>        </a:t>
+            </a:r>
+            <a:r>
+              <a:rPr lang="en-US" altLang="zh-TW" b="0" dirty="0">
+                <a:solidFill>
+                  <a:srgbClr val="AF00DB"/>
+                </a:solidFill>
+                <a:effectLst/>
+                <a:latin typeface="Consolas" panose="020B0609020204030204" pitchFamily="49" charset="0"/>
+              </a:rPr>
+              <a:t>if</a:t>
+            </a:r>
+            <a:r>
+              <a:rPr lang="en-US" altLang="zh-TW" b="0" dirty="0">
+                <a:solidFill>
+                  <a:srgbClr val="000000"/>
+                </a:solidFill>
+                <a:effectLst/>
+                <a:latin typeface="Consolas" panose="020B0609020204030204" pitchFamily="49" charset="0"/>
+              </a:rPr>
+              <a:t>(</a:t>
+            </a:r>
+            <a:r>
+              <a:rPr lang="en-US" altLang="zh-TW" b="0" dirty="0">
+                <a:solidFill>
+                  <a:srgbClr val="001080"/>
+                </a:solidFill>
+                <a:effectLst/>
+                <a:latin typeface="Consolas" panose="020B0609020204030204" pitchFamily="49" charset="0"/>
+              </a:rPr>
+              <a:t>a</a:t>
+            </a:r>
+            <a:r>
+              <a:rPr lang="en-US" altLang="zh-TW" b="0" dirty="0">
+                <a:solidFill>
+                  <a:srgbClr val="000000"/>
+                </a:solidFill>
+                <a:effectLst/>
+                <a:latin typeface="Consolas" panose="020B0609020204030204" pitchFamily="49" charset="0"/>
+              </a:rPr>
+              <a:t> = </a:t>
+            </a:r>
+            <a:r>
+              <a:rPr lang="en-US" altLang="zh-TW" b="0" dirty="0">
+                <a:solidFill>
+                  <a:srgbClr val="098658"/>
+                </a:solidFill>
+                <a:effectLst/>
+                <a:latin typeface="Consolas" panose="020B0609020204030204" pitchFamily="49" charset="0"/>
+              </a:rPr>
+              <a:t>30</a:t>
+            </a:r>
+            <a:r>
+              <a:rPr lang="en-US" altLang="zh-TW" b="0" dirty="0">
+                <a:solidFill>
+                  <a:srgbClr val="000000"/>
+                </a:solidFill>
+                <a:effectLst/>
+                <a:latin typeface="Consolas" panose="020B0609020204030204" pitchFamily="49" charset="0"/>
+              </a:rPr>
+              <a:t>)</a:t>
+            </a:r>
+          </a:p>
+          <a:p>
+            <a:r>
+              <a:rPr lang="en-US" altLang="zh-TW" b="0" dirty="0">
+                <a:solidFill>
+                  <a:srgbClr val="000000"/>
+                </a:solidFill>
+                <a:effectLst/>
+                <a:latin typeface="Consolas" panose="020B0609020204030204" pitchFamily="49" charset="0"/>
+              </a:rPr>
+              <a:t>        {</a:t>
+            </a:r>
+          </a:p>
+          <a:p>
+            <a:r>
+              <a:rPr lang="en-US" altLang="zh-TW" b="0" dirty="0">
+                <a:solidFill>
+                  <a:srgbClr val="000000"/>
+                </a:solidFill>
+                <a:effectLst/>
+                <a:latin typeface="Consolas" panose="020B0609020204030204" pitchFamily="49" charset="0"/>
+              </a:rPr>
+              <a:t>            </a:t>
+            </a:r>
+            <a:r>
+              <a:rPr lang="en-US" altLang="zh-TW" b="0" dirty="0">
+                <a:solidFill>
+                  <a:srgbClr val="267F99"/>
+                </a:solidFill>
+                <a:effectLst/>
+                <a:latin typeface="Consolas" panose="020B0609020204030204" pitchFamily="49" charset="0"/>
+              </a:rPr>
+              <a:t>std</a:t>
+            </a:r>
+            <a:r>
+              <a:rPr lang="en-US" altLang="zh-TW" b="0" dirty="0">
+                <a:solidFill>
+                  <a:srgbClr val="000000"/>
+                </a:solidFill>
+                <a:effectLst/>
+                <a:latin typeface="Consolas" panose="020B0609020204030204" pitchFamily="49" charset="0"/>
+              </a:rPr>
+              <a:t>::</a:t>
+            </a:r>
+            <a:r>
+              <a:rPr lang="en-US" altLang="zh-TW" b="0" dirty="0" err="1">
+                <a:solidFill>
+                  <a:srgbClr val="001080"/>
+                </a:solidFill>
+                <a:effectLst/>
+                <a:latin typeface="Consolas" panose="020B0609020204030204" pitchFamily="49" charset="0"/>
+              </a:rPr>
+              <a:t>cout</a:t>
+            </a:r>
+            <a:r>
+              <a:rPr lang="en-US" altLang="zh-TW" b="0" dirty="0">
+                <a:solidFill>
+                  <a:srgbClr val="000000"/>
+                </a:solidFill>
+                <a:effectLst/>
+                <a:latin typeface="Consolas" panose="020B0609020204030204" pitchFamily="49" charset="0"/>
+              </a:rPr>
+              <a:t> </a:t>
+            </a:r>
+            <a:r>
+              <a:rPr lang="en-US" altLang="zh-TW" b="0" dirty="0">
+                <a:solidFill>
+                  <a:srgbClr val="795E26"/>
+                </a:solidFill>
+                <a:effectLst/>
+                <a:latin typeface="Consolas" panose="020B0609020204030204" pitchFamily="49" charset="0"/>
+              </a:rPr>
+              <a:t>&lt;&lt;</a:t>
+            </a:r>
+            <a:r>
+              <a:rPr lang="en-US" altLang="zh-TW" b="0" dirty="0">
+                <a:solidFill>
+                  <a:srgbClr val="000000"/>
+                </a:solidFill>
+                <a:effectLst/>
+                <a:latin typeface="Consolas" panose="020B0609020204030204" pitchFamily="49" charset="0"/>
+              </a:rPr>
+              <a:t> </a:t>
+            </a:r>
+            <a:r>
+              <a:rPr lang="en-US" altLang="zh-TW" b="0" dirty="0">
+                <a:solidFill>
+                  <a:srgbClr val="A31515"/>
+                </a:solidFill>
+                <a:effectLst/>
+                <a:latin typeface="Consolas" panose="020B0609020204030204" pitchFamily="49" charset="0"/>
+              </a:rPr>
+              <a:t>"a = 20(?)</a:t>
+            </a:r>
+            <a:r>
+              <a:rPr lang="en-US" altLang="zh-TW" b="0" dirty="0">
+                <a:solidFill>
+                  <a:srgbClr val="EE0000"/>
+                </a:solidFill>
+                <a:effectLst/>
+                <a:latin typeface="Consolas" panose="020B0609020204030204" pitchFamily="49" charset="0"/>
+              </a:rPr>
+              <a:t>\n</a:t>
+            </a:r>
+            <a:r>
+              <a:rPr lang="en-US" altLang="zh-TW" b="0" dirty="0">
+                <a:solidFill>
+                  <a:srgbClr val="A31515"/>
+                </a:solidFill>
+                <a:effectLst/>
+                <a:latin typeface="Consolas" panose="020B0609020204030204" pitchFamily="49" charset="0"/>
+              </a:rPr>
+              <a:t>"</a:t>
+            </a:r>
+            <a:r>
+              <a:rPr lang="en-US" altLang="zh-TW" b="0" dirty="0">
+                <a:solidFill>
+                  <a:srgbClr val="000000"/>
+                </a:solidFill>
+                <a:effectLst/>
+                <a:latin typeface="Consolas" panose="020B0609020204030204" pitchFamily="49" charset="0"/>
+              </a:rPr>
+              <a:t>;</a:t>
+            </a:r>
+          </a:p>
+          <a:p>
+            <a:r>
+              <a:rPr lang="en-US" altLang="zh-TW" b="0" dirty="0">
+                <a:solidFill>
+                  <a:srgbClr val="000000"/>
+                </a:solidFill>
+                <a:effectLst/>
+                <a:latin typeface="Consolas" panose="020B0609020204030204" pitchFamily="49" charset="0"/>
+              </a:rPr>
+              <a:t>        }</a:t>
+            </a:r>
+          </a:p>
+          <a:p>
+            <a:r>
+              <a:rPr lang="en-US" altLang="zh-TW" b="0" dirty="0">
+                <a:solidFill>
+                  <a:srgbClr val="000000"/>
+                </a:solidFill>
+                <a:effectLst/>
+                <a:latin typeface="Consolas" panose="020B0609020204030204" pitchFamily="49" charset="0"/>
+              </a:rPr>
+              <a:t>        </a:t>
+            </a:r>
+            <a:r>
+              <a:rPr lang="en-US" altLang="zh-TW" b="0" dirty="0">
+                <a:solidFill>
+                  <a:srgbClr val="AF00DB"/>
+                </a:solidFill>
+                <a:effectLst/>
+                <a:latin typeface="Consolas" panose="020B0609020204030204" pitchFamily="49" charset="0"/>
+              </a:rPr>
+              <a:t>else</a:t>
+            </a:r>
+            <a:endParaRPr lang="en-US" altLang="zh-TW" b="0" dirty="0">
+              <a:solidFill>
+                <a:srgbClr val="000000"/>
+              </a:solidFill>
+              <a:effectLst/>
+              <a:latin typeface="Consolas" panose="020B0609020204030204" pitchFamily="49" charset="0"/>
+            </a:endParaRPr>
+          </a:p>
+          <a:p>
+            <a:r>
+              <a:rPr lang="en-US" altLang="zh-TW" b="0" dirty="0">
+                <a:solidFill>
+                  <a:srgbClr val="000000"/>
+                </a:solidFill>
+                <a:effectLst/>
+                <a:latin typeface="Consolas" panose="020B0609020204030204" pitchFamily="49" charset="0"/>
+              </a:rPr>
+              <a:t>        {</a:t>
+            </a:r>
+          </a:p>
+          <a:p>
+            <a:r>
+              <a:rPr lang="en-US" altLang="zh-TW" b="0" dirty="0">
+                <a:solidFill>
+                  <a:srgbClr val="000000"/>
+                </a:solidFill>
+                <a:effectLst/>
+                <a:latin typeface="Consolas" panose="020B0609020204030204" pitchFamily="49" charset="0"/>
+              </a:rPr>
+              <a:t>            </a:t>
+            </a:r>
+            <a:r>
+              <a:rPr lang="en-US" altLang="zh-TW" b="0" dirty="0">
+                <a:solidFill>
+                  <a:srgbClr val="267F99"/>
+                </a:solidFill>
+                <a:effectLst/>
+                <a:latin typeface="Consolas" panose="020B0609020204030204" pitchFamily="49" charset="0"/>
+              </a:rPr>
+              <a:t>std</a:t>
+            </a:r>
+            <a:r>
+              <a:rPr lang="en-US" altLang="zh-TW" b="0" dirty="0">
+                <a:solidFill>
+                  <a:srgbClr val="000000"/>
+                </a:solidFill>
+                <a:effectLst/>
+                <a:latin typeface="Consolas" panose="020B0609020204030204" pitchFamily="49" charset="0"/>
+              </a:rPr>
+              <a:t>::</a:t>
+            </a:r>
+            <a:r>
+              <a:rPr lang="en-US" altLang="zh-TW" b="0" dirty="0" err="1">
+                <a:solidFill>
+                  <a:srgbClr val="001080"/>
+                </a:solidFill>
+                <a:effectLst/>
+                <a:latin typeface="Consolas" panose="020B0609020204030204" pitchFamily="49" charset="0"/>
+              </a:rPr>
+              <a:t>cout</a:t>
+            </a:r>
+            <a:r>
+              <a:rPr lang="en-US" altLang="zh-TW" b="0" dirty="0">
+                <a:solidFill>
+                  <a:srgbClr val="000000"/>
+                </a:solidFill>
+                <a:effectLst/>
+                <a:latin typeface="Consolas" panose="020B0609020204030204" pitchFamily="49" charset="0"/>
+              </a:rPr>
+              <a:t> </a:t>
+            </a:r>
+            <a:r>
+              <a:rPr lang="en-US" altLang="zh-TW" b="0" dirty="0">
+                <a:solidFill>
+                  <a:srgbClr val="795E26"/>
+                </a:solidFill>
+                <a:effectLst/>
+                <a:latin typeface="Consolas" panose="020B0609020204030204" pitchFamily="49" charset="0"/>
+              </a:rPr>
+              <a:t>&lt;&lt;</a:t>
+            </a:r>
+            <a:r>
+              <a:rPr lang="en-US" altLang="zh-TW" b="0" dirty="0">
+                <a:solidFill>
+                  <a:srgbClr val="000000"/>
+                </a:solidFill>
+                <a:effectLst/>
+                <a:latin typeface="Consolas" panose="020B0609020204030204" pitchFamily="49" charset="0"/>
+              </a:rPr>
+              <a:t> </a:t>
+            </a:r>
+            <a:r>
+              <a:rPr lang="en-US" altLang="zh-TW" b="0" dirty="0">
+                <a:solidFill>
+                  <a:srgbClr val="A31515"/>
+                </a:solidFill>
+                <a:effectLst/>
+                <a:latin typeface="Consolas" panose="020B0609020204030204" pitchFamily="49" charset="0"/>
+              </a:rPr>
+              <a:t>"a != 20 (?)</a:t>
+            </a:r>
+            <a:r>
+              <a:rPr lang="en-US" altLang="zh-TW" b="0" dirty="0">
+                <a:solidFill>
+                  <a:srgbClr val="EE0000"/>
+                </a:solidFill>
+                <a:effectLst/>
+                <a:latin typeface="Consolas" panose="020B0609020204030204" pitchFamily="49" charset="0"/>
+              </a:rPr>
+              <a:t>\n</a:t>
+            </a:r>
+            <a:r>
+              <a:rPr lang="en-US" altLang="zh-TW" b="0" dirty="0">
+                <a:solidFill>
+                  <a:srgbClr val="A31515"/>
+                </a:solidFill>
+                <a:effectLst/>
+                <a:latin typeface="Consolas" panose="020B0609020204030204" pitchFamily="49" charset="0"/>
+              </a:rPr>
+              <a:t>"</a:t>
+            </a:r>
+            <a:r>
+              <a:rPr lang="en-US" altLang="zh-TW" b="0" dirty="0">
+                <a:solidFill>
+                  <a:srgbClr val="000000"/>
+                </a:solidFill>
+                <a:effectLst/>
+                <a:latin typeface="Consolas" panose="020B0609020204030204" pitchFamily="49" charset="0"/>
+              </a:rPr>
+              <a:t>;</a:t>
+            </a:r>
+          </a:p>
+          <a:p>
+            <a:r>
+              <a:rPr lang="en-US" altLang="zh-TW" b="0" dirty="0">
+                <a:solidFill>
+                  <a:srgbClr val="000000"/>
+                </a:solidFill>
+                <a:effectLst/>
+                <a:latin typeface="Consolas" panose="020B0609020204030204" pitchFamily="49" charset="0"/>
+              </a:rPr>
+              <a:t>        }</a:t>
+            </a:r>
+          </a:p>
+          <a:p>
+            <a:r>
+              <a:rPr lang="en-US" altLang="zh-TW" b="0" dirty="0">
+                <a:solidFill>
+                  <a:srgbClr val="000000"/>
+                </a:solidFill>
+                <a:effectLst/>
+                <a:latin typeface="Consolas" panose="020B0609020204030204" pitchFamily="49" charset="0"/>
+              </a:rPr>
+              <a:t>        </a:t>
+            </a:r>
+            <a:r>
+              <a:rPr lang="en-US" altLang="zh-TW" b="0" dirty="0">
+                <a:solidFill>
+                  <a:srgbClr val="267F99"/>
+                </a:solidFill>
+                <a:effectLst/>
+                <a:latin typeface="Consolas" panose="020B0609020204030204" pitchFamily="49" charset="0"/>
+              </a:rPr>
+              <a:t>std</a:t>
+            </a:r>
+            <a:r>
+              <a:rPr lang="en-US" altLang="zh-TW" b="0" dirty="0">
+                <a:solidFill>
+                  <a:srgbClr val="000000"/>
+                </a:solidFill>
+                <a:effectLst/>
+                <a:latin typeface="Consolas" panose="020B0609020204030204" pitchFamily="49" charset="0"/>
+              </a:rPr>
+              <a:t>::</a:t>
+            </a:r>
+            <a:r>
+              <a:rPr lang="en-US" altLang="zh-TW" b="0" dirty="0" err="1">
+                <a:solidFill>
+                  <a:srgbClr val="001080"/>
+                </a:solidFill>
+                <a:effectLst/>
+                <a:latin typeface="Consolas" panose="020B0609020204030204" pitchFamily="49" charset="0"/>
+              </a:rPr>
+              <a:t>cout</a:t>
+            </a:r>
+            <a:r>
+              <a:rPr lang="en-US" altLang="zh-TW" b="0" dirty="0">
+                <a:solidFill>
+                  <a:srgbClr val="000000"/>
+                </a:solidFill>
+                <a:effectLst/>
+                <a:latin typeface="Consolas" panose="020B0609020204030204" pitchFamily="49" charset="0"/>
+              </a:rPr>
+              <a:t> </a:t>
+            </a:r>
+            <a:r>
+              <a:rPr lang="en-US" altLang="zh-TW" b="0" dirty="0">
+                <a:solidFill>
+                  <a:srgbClr val="795E26"/>
+                </a:solidFill>
+                <a:effectLst/>
+                <a:latin typeface="Consolas" panose="020B0609020204030204" pitchFamily="49" charset="0"/>
+              </a:rPr>
+              <a:t>&lt;&lt;</a:t>
+            </a:r>
+            <a:r>
+              <a:rPr lang="en-US" altLang="zh-TW" b="0" dirty="0">
+                <a:solidFill>
+                  <a:srgbClr val="000000"/>
+                </a:solidFill>
+                <a:effectLst/>
+                <a:latin typeface="Consolas" panose="020B0609020204030204" pitchFamily="49" charset="0"/>
+              </a:rPr>
+              <a:t> </a:t>
+            </a:r>
+            <a:r>
+              <a:rPr lang="en-US" altLang="zh-TW" b="0" dirty="0">
+                <a:solidFill>
+                  <a:srgbClr val="001080"/>
+                </a:solidFill>
+                <a:effectLst/>
+                <a:latin typeface="Consolas" panose="020B0609020204030204" pitchFamily="49" charset="0"/>
+              </a:rPr>
+              <a:t>a</a:t>
+            </a:r>
+            <a:r>
+              <a:rPr lang="en-US" altLang="zh-TW" b="0" dirty="0">
+                <a:solidFill>
+                  <a:srgbClr val="000000"/>
+                </a:solidFill>
+                <a:effectLst/>
+                <a:latin typeface="Consolas" panose="020B0609020204030204" pitchFamily="49" charset="0"/>
+              </a:rPr>
+              <a:t> </a:t>
+            </a:r>
+            <a:r>
+              <a:rPr lang="en-US" altLang="zh-TW" b="0" dirty="0">
+                <a:solidFill>
+                  <a:srgbClr val="795E26"/>
+                </a:solidFill>
+                <a:effectLst/>
+                <a:latin typeface="Consolas" panose="020B0609020204030204" pitchFamily="49" charset="0"/>
+              </a:rPr>
+              <a:t>&lt;&lt;</a:t>
+            </a:r>
+            <a:r>
+              <a:rPr lang="en-US" altLang="zh-TW" b="0" dirty="0">
+                <a:solidFill>
+                  <a:srgbClr val="000000"/>
+                </a:solidFill>
+                <a:effectLst/>
+                <a:latin typeface="Consolas" panose="020B0609020204030204" pitchFamily="49" charset="0"/>
+              </a:rPr>
+              <a:t> </a:t>
+            </a:r>
+            <a:r>
+              <a:rPr lang="en-US" altLang="zh-TW" b="0" dirty="0">
+                <a:solidFill>
+                  <a:srgbClr val="A31515"/>
+                </a:solidFill>
+                <a:effectLst/>
+                <a:latin typeface="Consolas" panose="020B0609020204030204" pitchFamily="49" charset="0"/>
+              </a:rPr>
+              <a:t>"</a:t>
+            </a:r>
+            <a:r>
+              <a:rPr lang="en-US" altLang="zh-TW" b="0" dirty="0">
+                <a:solidFill>
+                  <a:srgbClr val="EE0000"/>
+                </a:solidFill>
+                <a:effectLst/>
+                <a:latin typeface="Consolas" panose="020B0609020204030204" pitchFamily="49" charset="0"/>
+              </a:rPr>
+              <a:t>\n</a:t>
+            </a:r>
+            <a:r>
+              <a:rPr lang="en-US" altLang="zh-TW" b="0" dirty="0">
+                <a:solidFill>
+                  <a:srgbClr val="A31515"/>
+                </a:solidFill>
+                <a:effectLst/>
+                <a:latin typeface="Consolas" panose="020B0609020204030204" pitchFamily="49" charset="0"/>
+              </a:rPr>
+              <a:t>"</a:t>
+            </a:r>
+            <a:r>
+              <a:rPr lang="en-US" altLang="zh-TW" b="0" dirty="0">
+                <a:solidFill>
+                  <a:srgbClr val="000000"/>
+                </a:solidFill>
+                <a:effectLst/>
+                <a:latin typeface="Consolas" panose="020B0609020204030204" pitchFamily="49" charset="0"/>
+              </a:rPr>
+              <a:t>;</a:t>
+            </a:r>
+          </a:p>
+        </p:txBody>
+      </p:sp>
+      <p:sp>
+        <p:nvSpPr>
+          <p:cNvPr id="7" name="文字方塊 6">
+            <a:extLst>
+              <a:ext uri="{FF2B5EF4-FFF2-40B4-BE49-F238E27FC236}">
+                <a16:creationId xmlns:a16="http://schemas.microsoft.com/office/drawing/2014/main" id="{BC150602-B255-46EA-82D5-D3BF56B8E0CC}"/>
+              </a:ext>
+            </a:extLst>
+          </p:cNvPr>
+          <p:cNvSpPr txBox="1"/>
+          <p:nvPr/>
+        </p:nvSpPr>
+        <p:spPr>
+          <a:xfrm>
+            <a:off x="5555610" y="2561836"/>
+            <a:ext cx="6094602" cy="2862322"/>
+          </a:xfrm>
+          <a:prstGeom prst="rect">
+            <a:avLst/>
+          </a:prstGeom>
+          <a:noFill/>
+        </p:spPr>
+        <p:txBody>
+          <a:bodyPr wrap="square">
+            <a:spAutoFit/>
+          </a:bodyPr>
+          <a:lstStyle/>
+          <a:p>
+            <a:r>
+              <a:rPr lang="en-US" altLang="zh-TW" b="0" dirty="0">
+                <a:solidFill>
+                  <a:srgbClr val="000000"/>
+                </a:solidFill>
+                <a:effectLst/>
+                <a:latin typeface="Consolas" panose="020B0609020204030204" pitchFamily="49" charset="0"/>
+              </a:rPr>
+              <a:t>        </a:t>
+            </a:r>
+            <a:r>
+              <a:rPr lang="en-US" altLang="zh-TW" b="0" dirty="0">
+                <a:solidFill>
+                  <a:srgbClr val="0000FF"/>
+                </a:solidFill>
+                <a:effectLst/>
+                <a:latin typeface="Consolas" panose="020B0609020204030204" pitchFamily="49" charset="0"/>
+              </a:rPr>
+              <a:t>int</a:t>
+            </a:r>
+            <a:r>
+              <a:rPr lang="en-US" altLang="zh-TW" b="0" dirty="0">
+                <a:solidFill>
+                  <a:srgbClr val="000000"/>
+                </a:solidFill>
+                <a:effectLst/>
+                <a:latin typeface="Consolas" panose="020B0609020204030204" pitchFamily="49" charset="0"/>
+              </a:rPr>
+              <a:t> </a:t>
+            </a:r>
+            <a:r>
+              <a:rPr lang="en-US" altLang="zh-TW" b="0" dirty="0">
+                <a:solidFill>
+                  <a:srgbClr val="001080"/>
+                </a:solidFill>
+                <a:effectLst/>
+                <a:latin typeface="Consolas" panose="020B0609020204030204" pitchFamily="49" charset="0"/>
+              </a:rPr>
+              <a:t>a</a:t>
+            </a:r>
+            <a:r>
+              <a:rPr lang="en-US" altLang="zh-TW" b="0" dirty="0">
+                <a:solidFill>
+                  <a:srgbClr val="000000"/>
+                </a:solidFill>
+                <a:effectLst/>
+                <a:latin typeface="Consolas" panose="020B0609020204030204" pitchFamily="49" charset="0"/>
+              </a:rPr>
+              <a:t> = </a:t>
+            </a:r>
+            <a:r>
+              <a:rPr lang="en-US" altLang="zh-TW" b="0" dirty="0">
+                <a:solidFill>
+                  <a:srgbClr val="098658"/>
+                </a:solidFill>
+                <a:effectLst/>
+                <a:latin typeface="Consolas" panose="020B0609020204030204" pitchFamily="49" charset="0"/>
+              </a:rPr>
+              <a:t>20</a:t>
+            </a:r>
+            <a:r>
+              <a:rPr lang="en-US" altLang="zh-TW" b="0" dirty="0">
+                <a:solidFill>
+                  <a:srgbClr val="000000"/>
+                </a:solidFill>
+                <a:effectLst/>
+                <a:latin typeface="Consolas" panose="020B0609020204030204" pitchFamily="49" charset="0"/>
+              </a:rPr>
+              <a:t>;</a:t>
+            </a:r>
+          </a:p>
+          <a:p>
+            <a:r>
+              <a:rPr lang="en-US" altLang="zh-TW" b="0" dirty="0">
+                <a:solidFill>
+                  <a:srgbClr val="000000"/>
+                </a:solidFill>
+                <a:effectLst/>
+                <a:latin typeface="Consolas" panose="020B0609020204030204" pitchFamily="49" charset="0"/>
+              </a:rPr>
+              <a:t>        </a:t>
+            </a:r>
+            <a:r>
+              <a:rPr lang="en-US" altLang="zh-TW" b="0" dirty="0">
+                <a:solidFill>
+                  <a:srgbClr val="AF00DB"/>
+                </a:solidFill>
+                <a:effectLst/>
+                <a:latin typeface="Consolas" panose="020B0609020204030204" pitchFamily="49" charset="0"/>
+              </a:rPr>
+              <a:t>if</a:t>
+            </a:r>
+            <a:r>
+              <a:rPr lang="en-US" altLang="zh-TW" b="0" dirty="0">
+                <a:solidFill>
+                  <a:srgbClr val="000000"/>
+                </a:solidFill>
+                <a:effectLst/>
+                <a:latin typeface="Consolas" panose="020B0609020204030204" pitchFamily="49" charset="0"/>
+              </a:rPr>
+              <a:t>(</a:t>
+            </a:r>
+            <a:r>
+              <a:rPr lang="en-US" altLang="zh-TW" b="0" dirty="0">
+                <a:solidFill>
+                  <a:srgbClr val="001080"/>
+                </a:solidFill>
+                <a:effectLst/>
+                <a:latin typeface="Consolas" panose="020B0609020204030204" pitchFamily="49" charset="0"/>
+              </a:rPr>
+              <a:t>a</a:t>
+            </a:r>
+            <a:r>
+              <a:rPr lang="en-US" altLang="zh-TW" b="0" dirty="0">
+                <a:solidFill>
+                  <a:srgbClr val="000000"/>
+                </a:solidFill>
+                <a:effectLst/>
+                <a:latin typeface="Consolas" panose="020B0609020204030204" pitchFamily="49" charset="0"/>
+              </a:rPr>
+              <a:t> == </a:t>
+            </a:r>
+            <a:r>
+              <a:rPr lang="en-US" altLang="zh-TW" b="0" dirty="0">
+                <a:solidFill>
+                  <a:srgbClr val="098658"/>
+                </a:solidFill>
+                <a:effectLst/>
+                <a:latin typeface="Consolas" panose="020B0609020204030204" pitchFamily="49" charset="0"/>
+              </a:rPr>
+              <a:t>30</a:t>
+            </a:r>
+            <a:r>
+              <a:rPr lang="en-US" altLang="zh-TW" b="0" dirty="0">
+                <a:solidFill>
+                  <a:srgbClr val="000000"/>
+                </a:solidFill>
+                <a:effectLst/>
+                <a:latin typeface="Consolas" panose="020B0609020204030204" pitchFamily="49" charset="0"/>
+              </a:rPr>
+              <a:t>)</a:t>
+            </a:r>
+          </a:p>
+          <a:p>
+            <a:r>
+              <a:rPr lang="en-US" altLang="zh-TW" b="0" dirty="0">
+                <a:solidFill>
+                  <a:srgbClr val="000000"/>
+                </a:solidFill>
+                <a:effectLst/>
+                <a:latin typeface="Consolas" panose="020B0609020204030204" pitchFamily="49" charset="0"/>
+              </a:rPr>
+              <a:t>        {</a:t>
+            </a:r>
+          </a:p>
+          <a:p>
+            <a:r>
+              <a:rPr lang="en-US" altLang="zh-TW" b="0" dirty="0">
+                <a:solidFill>
+                  <a:srgbClr val="000000"/>
+                </a:solidFill>
+                <a:effectLst/>
+                <a:latin typeface="Consolas" panose="020B0609020204030204" pitchFamily="49" charset="0"/>
+              </a:rPr>
+              <a:t>            </a:t>
+            </a:r>
+            <a:r>
+              <a:rPr lang="en-US" altLang="zh-TW" b="0" dirty="0">
+                <a:solidFill>
+                  <a:srgbClr val="267F99"/>
+                </a:solidFill>
+                <a:effectLst/>
+                <a:latin typeface="Consolas" panose="020B0609020204030204" pitchFamily="49" charset="0"/>
+              </a:rPr>
+              <a:t>std</a:t>
+            </a:r>
+            <a:r>
+              <a:rPr lang="en-US" altLang="zh-TW" b="0" dirty="0">
+                <a:solidFill>
+                  <a:srgbClr val="000000"/>
+                </a:solidFill>
+                <a:effectLst/>
+                <a:latin typeface="Consolas" panose="020B0609020204030204" pitchFamily="49" charset="0"/>
+              </a:rPr>
+              <a:t>::</a:t>
+            </a:r>
+            <a:r>
+              <a:rPr lang="en-US" altLang="zh-TW" b="0" dirty="0" err="1">
+                <a:solidFill>
+                  <a:srgbClr val="001080"/>
+                </a:solidFill>
+                <a:effectLst/>
+                <a:latin typeface="Consolas" panose="020B0609020204030204" pitchFamily="49" charset="0"/>
+              </a:rPr>
+              <a:t>cout</a:t>
+            </a:r>
+            <a:r>
+              <a:rPr lang="en-US" altLang="zh-TW" b="0" dirty="0">
+                <a:solidFill>
+                  <a:srgbClr val="000000"/>
+                </a:solidFill>
+                <a:effectLst/>
+                <a:latin typeface="Consolas" panose="020B0609020204030204" pitchFamily="49" charset="0"/>
+              </a:rPr>
+              <a:t> </a:t>
+            </a:r>
+            <a:r>
+              <a:rPr lang="en-US" altLang="zh-TW" b="0" dirty="0">
+                <a:solidFill>
+                  <a:srgbClr val="795E26"/>
+                </a:solidFill>
+                <a:effectLst/>
+                <a:latin typeface="Consolas" panose="020B0609020204030204" pitchFamily="49" charset="0"/>
+              </a:rPr>
+              <a:t>&lt;&lt;</a:t>
+            </a:r>
+            <a:r>
+              <a:rPr lang="en-US" altLang="zh-TW" b="0" dirty="0">
+                <a:solidFill>
+                  <a:srgbClr val="000000"/>
+                </a:solidFill>
+                <a:effectLst/>
+                <a:latin typeface="Consolas" panose="020B0609020204030204" pitchFamily="49" charset="0"/>
+              </a:rPr>
+              <a:t> </a:t>
+            </a:r>
+            <a:r>
+              <a:rPr lang="en-US" altLang="zh-TW" b="0" dirty="0">
+                <a:solidFill>
+                  <a:srgbClr val="A31515"/>
+                </a:solidFill>
+                <a:effectLst/>
+                <a:latin typeface="Consolas" panose="020B0609020204030204" pitchFamily="49" charset="0"/>
+              </a:rPr>
+              <a:t>"a = 20</a:t>
+            </a:r>
+            <a:r>
+              <a:rPr lang="en-US" altLang="zh-TW" b="0" dirty="0">
+                <a:solidFill>
+                  <a:srgbClr val="EE0000"/>
+                </a:solidFill>
+                <a:effectLst/>
+                <a:latin typeface="Consolas" panose="020B0609020204030204" pitchFamily="49" charset="0"/>
+              </a:rPr>
+              <a:t>\n</a:t>
+            </a:r>
+            <a:r>
+              <a:rPr lang="en-US" altLang="zh-TW" b="0" dirty="0">
+                <a:solidFill>
+                  <a:srgbClr val="A31515"/>
+                </a:solidFill>
+                <a:effectLst/>
+                <a:latin typeface="Consolas" panose="020B0609020204030204" pitchFamily="49" charset="0"/>
+              </a:rPr>
+              <a:t>"</a:t>
+            </a:r>
+            <a:r>
+              <a:rPr lang="en-US" altLang="zh-TW" b="0" dirty="0">
+                <a:solidFill>
+                  <a:srgbClr val="000000"/>
+                </a:solidFill>
+                <a:effectLst/>
+                <a:latin typeface="Consolas" panose="020B0609020204030204" pitchFamily="49" charset="0"/>
+              </a:rPr>
+              <a:t>;</a:t>
+            </a:r>
+          </a:p>
+          <a:p>
+            <a:r>
+              <a:rPr lang="en-US" altLang="zh-TW" b="0" dirty="0">
+                <a:solidFill>
+                  <a:srgbClr val="000000"/>
+                </a:solidFill>
+                <a:effectLst/>
+                <a:latin typeface="Consolas" panose="020B0609020204030204" pitchFamily="49" charset="0"/>
+              </a:rPr>
+              <a:t>        }</a:t>
+            </a:r>
+          </a:p>
+          <a:p>
+            <a:r>
+              <a:rPr lang="en-US" altLang="zh-TW" b="0" dirty="0">
+                <a:solidFill>
+                  <a:srgbClr val="000000"/>
+                </a:solidFill>
+                <a:effectLst/>
+                <a:latin typeface="Consolas" panose="020B0609020204030204" pitchFamily="49" charset="0"/>
+              </a:rPr>
+              <a:t>        </a:t>
+            </a:r>
+            <a:r>
+              <a:rPr lang="en-US" altLang="zh-TW" b="0" dirty="0">
+                <a:solidFill>
+                  <a:srgbClr val="AF00DB"/>
+                </a:solidFill>
+                <a:effectLst/>
+                <a:latin typeface="Consolas" panose="020B0609020204030204" pitchFamily="49" charset="0"/>
+              </a:rPr>
+              <a:t>else</a:t>
+            </a:r>
+            <a:endParaRPr lang="en-US" altLang="zh-TW" b="0" dirty="0">
+              <a:solidFill>
+                <a:srgbClr val="000000"/>
+              </a:solidFill>
+              <a:effectLst/>
+              <a:latin typeface="Consolas" panose="020B0609020204030204" pitchFamily="49" charset="0"/>
+            </a:endParaRPr>
+          </a:p>
+          <a:p>
+            <a:r>
+              <a:rPr lang="en-US" altLang="zh-TW" b="0" dirty="0">
+                <a:solidFill>
+                  <a:srgbClr val="000000"/>
+                </a:solidFill>
+                <a:effectLst/>
+                <a:latin typeface="Consolas" panose="020B0609020204030204" pitchFamily="49" charset="0"/>
+              </a:rPr>
+              <a:t>        {</a:t>
+            </a:r>
+          </a:p>
+          <a:p>
+            <a:r>
+              <a:rPr lang="en-US" altLang="zh-TW" b="0" dirty="0">
+                <a:solidFill>
+                  <a:srgbClr val="000000"/>
+                </a:solidFill>
+                <a:effectLst/>
+                <a:latin typeface="Consolas" panose="020B0609020204030204" pitchFamily="49" charset="0"/>
+              </a:rPr>
+              <a:t>            </a:t>
+            </a:r>
+            <a:r>
+              <a:rPr lang="en-US" altLang="zh-TW" b="0" dirty="0">
+                <a:solidFill>
+                  <a:srgbClr val="267F99"/>
+                </a:solidFill>
+                <a:effectLst/>
+                <a:latin typeface="Consolas" panose="020B0609020204030204" pitchFamily="49" charset="0"/>
+              </a:rPr>
+              <a:t>std</a:t>
+            </a:r>
+            <a:r>
+              <a:rPr lang="en-US" altLang="zh-TW" b="0" dirty="0">
+                <a:solidFill>
+                  <a:srgbClr val="000000"/>
+                </a:solidFill>
+                <a:effectLst/>
+                <a:latin typeface="Consolas" panose="020B0609020204030204" pitchFamily="49" charset="0"/>
+              </a:rPr>
+              <a:t>::</a:t>
+            </a:r>
+            <a:r>
+              <a:rPr lang="en-US" altLang="zh-TW" b="0" dirty="0" err="1">
+                <a:solidFill>
+                  <a:srgbClr val="001080"/>
+                </a:solidFill>
+                <a:effectLst/>
+                <a:latin typeface="Consolas" panose="020B0609020204030204" pitchFamily="49" charset="0"/>
+              </a:rPr>
+              <a:t>cout</a:t>
+            </a:r>
+            <a:r>
+              <a:rPr lang="en-US" altLang="zh-TW" b="0" dirty="0">
+                <a:solidFill>
+                  <a:srgbClr val="000000"/>
+                </a:solidFill>
+                <a:effectLst/>
+                <a:latin typeface="Consolas" panose="020B0609020204030204" pitchFamily="49" charset="0"/>
+              </a:rPr>
+              <a:t> </a:t>
+            </a:r>
+            <a:r>
+              <a:rPr lang="en-US" altLang="zh-TW" b="0" dirty="0">
+                <a:solidFill>
+                  <a:srgbClr val="795E26"/>
+                </a:solidFill>
+                <a:effectLst/>
+                <a:latin typeface="Consolas" panose="020B0609020204030204" pitchFamily="49" charset="0"/>
+              </a:rPr>
+              <a:t>&lt;&lt;</a:t>
+            </a:r>
+            <a:r>
+              <a:rPr lang="en-US" altLang="zh-TW" b="0" dirty="0">
+                <a:solidFill>
+                  <a:srgbClr val="000000"/>
+                </a:solidFill>
+                <a:effectLst/>
+                <a:latin typeface="Consolas" panose="020B0609020204030204" pitchFamily="49" charset="0"/>
+              </a:rPr>
+              <a:t> </a:t>
+            </a:r>
+            <a:r>
+              <a:rPr lang="en-US" altLang="zh-TW" b="0" dirty="0">
+                <a:solidFill>
+                  <a:srgbClr val="A31515"/>
+                </a:solidFill>
+                <a:effectLst/>
+                <a:latin typeface="Consolas" panose="020B0609020204030204" pitchFamily="49" charset="0"/>
+              </a:rPr>
+              <a:t>"a != 20</a:t>
+            </a:r>
+            <a:r>
+              <a:rPr lang="en-US" altLang="zh-TW" b="0" dirty="0">
+                <a:solidFill>
+                  <a:srgbClr val="EE0000"/>
+                </a:solidFill>
+                <a:effectLst/>
+                <a:latin typeface="Consolas" panose="020B0609020204030204" pitchFamily="49" charset="0"/>
+              </a:rPr>
+              <a:t>\n</a:t>
+            </a:r>
+            <a:r>
+              <a:rPr lang="en-US" altLang="zh-TW" b="0" dirty="0">
+                <a:solidFill>
+                  <a:srgbClr val="A31515"/>
+                </a:solidFill>
+                <a:effectLst/>
+                <a:latin typeface="Consolas" panose="020B0609020204030204" pitchFamily="49" charset="0"/>
+              </a:rPr>
+              <a:t>"</a:t>
+            </a:r>
+            <a:r>
+              <a:rPr lang="en-US" altLang="zh-TW" b="0" dirty="0">
+                <a:solidFill>
+                  <a:srgbClr val="000000"/>
+                </a:solidFill>
+                <a:effectLst/>
+                <a:latin typeface="Consolas" panose="020B0609020204030204" pitchFamily="49" charset="0"/>
+              </a:rPr>
+              <a:t>;</a:t>
+            </a:r>
+          </a:p>
+          <a:p>
+            <a:r>
+              <a:rPr lang="en-US" altLang="zh-TW" b="0" dirty="0">
+                <a:solidFill>
+                  <a:srgbClr val="000000"/>
+                </a:solidFill>
+                <a:effectLst/>
+                <a:latin typeface="Consolas" panose="020B0609020204030204" pitchFamily="49" charset="0"/>
+              </a:rPr>
+              <a:t>        }</a:t>
+            </a:r>
+          </a:p>
+          <a:p>
+            <a:r>
+              <a:rPr lang="en-US" altLang="zh-TW" b="0" dirty="0">
+                <a:solidFill>
+                  <a:srgbClr val="000000"/>
+                </a:solidFill>
+                <a:effectLst/>
+                <a:latin typeface="Consolas" panose="020B0609020204030204" pitchFamily="49" charset="0"/>
+              </a:rPr>
+              <a:t>        </a:t>
+            </a:r>
+            <a:r>
+              <a:rPr lang="en-US" altLang="zh-TW" b="0" dirty="0">
+                <a:solidFill>
+                  <a:srgbClr val="267F99"/>
+                </a:solidFill>
+                <a:effectLst/>
+                <a:latin typeface="Consolas" panose="020B0609020204030204" pitchFamily="49" charset="0"/>
+              </a:rPr>
+              <a:t>std</a:t>
+            </a:r>
+            <a:r>
+              <a:rPr lang="en-US" altLang="zh-TW" b="0" dirty="0">
+                <a:solidFill>
+                  <a:srgbClr val="000000"/>
+                </a:solidFill>
+                <a:effectLst/>
+                <a:latin typeface="Consolas" panose="020B0609020204030204" pitchFamily="49" charset="0"/>
+              </a:rPr>
+              <a:t>::</a:t>
+            </a:r>
+            <a:r>
+              <a:rPr lang="en-US" altLang="zh-TW" b="0" dirty="0" err="1">
+                <a:solidFill>
+                  <a:srgbClr val="001080"/>
+                </a:solidFill>
+                <a:effectLst/>
+                <a:latin typeface="Consolas" panose="020B0609020204030204" pitchFamily="49" charset="0"/>
+              </a:rPr>
+              <a:t>cout</a:t>
+            </a:r>
+            <a:r>
+              <a:rPr lang="en-US" altLang="zh-TW" b="0" dirty="0">
+                <a:solidFill>
+                  <a:srgbClr val="000000"/>
+                </a:solidFill>
+                <a:effectLst/>
+                <a:latin typeface="Consolas" panose="020B0609020204030204" pitchFamily="49" charset="0"/>
+              </a:rPr>
+              <a:t> </a:t>
+            </a:r>
+            <a:r>
+              <a:rPr lang="en-US" altLang="zh-TW" b="0" dirty="0">
+                <a:solidFill>
+                  <a:srgbClr val="795E26"/>
+                </a:solidFill>
+                <a:effectLst/>
+                <a:latin typeface="Consolas" panose="020B0609020204030204" pitchFamily="49" charset="0"/>
+              </a:rPr>
+              <a:t>&lt;&lt;</a:t>
+            </a:r>
+            <a:r>
+              <a:rPr lang="en-US" altLang="zh-TW" b="0" dirty="0">
+                <a:solidFill>
+                  <a:srgbClr val="000000"/>
+                </a:solidFill>
+                <a:effectLst/>
+                <a:latin typeface="Consolas" panose="020B0609020204030204" pitchFamily="49" charset="0"/>
+              </a:rPr>
+              <a:t> </a:t>
+            </a:r>
+            <a:r>
+              <a:rPr lang="en-US" altLang="zh-TW" b="0" dirty="0">
+                <a:solidFill>
+                  <a:srgbClr val="001080"/>
+                </a:solidFill>
+                <a:effectLst/>
+                <a:latin typeface="Consolas" panose="020B0609020204030204" pitchFamily="49" charset="0"/>
+              </a:rPr>
+              <a:t>a</a:t>
+            </a:r>
+            <a:r>
+              <a:rPr lang="en-US" altLang="zh-TW" b="0" dirty="0">
+                <a:solidFill>
+                  <a:srgbClr val="000000"/>
+                </a:solidFill>
+                <a:effectLst/>
+                <a:latin typeface="Consolas" panose="020B0609020204030204" pitchFamily="49" charset="0"/>
+              </a:rPr>
+              <a:t> </a:t>
+            </a:r>
+            <a:r>
+              <a:rPr lang="en-US" altLang="zh-TW" b="0" dirty="0">
+                <a:solidFill>
+                  <a:srgbClr val="795E26"/>
+                </a:solidFill>
+                <a:effectLst/>
+                <a:latin typeface="Consolas" panose="020B0609020204030204" pitchFamily="49" charset="0"/>
+              </a:rPr>
+              <a:t>&lt;&lt;</a:t>
+            </a:r>
+            <a:r>
+              <a:rPr lang="en-US" altLang="zh-TW" b="0" dirty="0">
+                <a:solidFill>
+                  <a:srgbClr val="000000"/>
+                </a:solidFill>
+                <a:effectLst/>
+                <a:latin typeface="Consolas" panose="020B0609020204030204" pitchFamily="49" charset="0"/>
+              </a:rPr>
+              <a:t> </a:t>
+            </a:r>
+            <a:r>
+              <a:rPr lang="en-US" altLang="zh-TW" b="0" dirty="0">
+                <a:solidFill>
+                  <a:srgbClr val="A31515"/>
+                </a:solidFill>
+                <a:effectLst/>
+                <a:latin typeface="Consolas" panose="020B0609020204030204" pitchFamily="49" charset="0"/>
+              </a:rPr>
+              <a:t>"</a:t>
+            </a:r>
+            <a:r>
+              <a:rPr lang="en-US" altLang="zh-TW" b="0" dirty="0">
+                <a:solidFill>
+                  <a:srgbClr val="EE0000"/>
+                </a:solidFill>
+                <a:effectLst/>
+                <a:latin typeface="Consolas" panose="020B0609020204030204" pitchFamily="49" charset="0"/>
+              </a:rPr>
+              <a:t>\n</a:t>
+            </a:r>
+            <a:r>
+              <a:rPr lang="en-US" altLang="zh-TW" b="0" dirty="0">
+                <a:solidFill>
+                  <a:srgbClr val="A31515"/>
+                </a:solidFill>
+                <a:effectLst/>
+                <a:latin typeface="Consolas" panose="020B0609020204030204" pitchFamily="49" charset="0"/>
+              </a:rPr>
+              <a:t>"</a:t>
+            </a:r>
+            <a:r>
+              <a:rPr lang="en-US" altLang="zh-TW" b="0" dirty="0">
+                <a:solidFill>
+                  <a:srgbClr val="000000"/>
+                </a:solidFill>
+                <a:effectLst/>
+                <a:latin typeface="Consolas" panose="020B0609020204030204" pitchFamily="49" charset="0"/>
+              </a:rPr>
+              <a:t>;</a:t>
+            </a:r>
+          </a:p>
+        </p:txBody>
+      </p:sp>
     </p:spTree>
     <p:extLst>
       <p:ext uri="{BB962C8B-B14F-4D97-AF65-F5344CB8AC3E}">
-        <p14:creationId xmlns:p14="http://schemas.microsoft.com/office/powerpoint/2010/main" val="1654317322"/>
+        <p14:creationId xmlns:p14="http://schemas.microsoft.com/office/powerpoint/2010/main" val="1727542237"/>
+      </p:ext>
+    </p:extLst>
+  </p:cSld>
+  <p:clrMapOvr>
+    <a:masterClrMapping/>
+  </p:clrMapOvr>
+</p:sld>
+</file>
+
+<file path=ppt/slides/slide19.xml><?xml version="1.0" encoding="utf-8"?>
+<p:sld xmlns:a="http://schemas.openxmlformats.org/drawingml/2006/main" xmlns:r="http://schemas.openxmlformats.org/officeDocument/2006/relationships" xmlns:p="http://schemas.openxmlformats.org/presentationml/2006/main">
+  <p:cSld>
+    <p:spTree>
+      <p:nvGrpSpPr>
+        <p:cNvPr id="1" name=""/>
+        <p:cNvGrpSpPr/>
+        <p:nvPr/>
+      </p:nvGrpSpPr>
+      <p:grpSpPr>
+        <a:xfrm>
+          <a:off x="0" y="0"/>
+          <a:ext cx="0" cy="0"/>
+          <a:chOff x="0" y="0"/>
+          <a:chExt cx="0" cy="0"/>
+        </a:xfrm>
+      </p:grpSpPr>
+      <p:sp>
+        <p:nvSpPr>
+          <p:cNvPr id="2" name="標題 1">
+            <a:extLst>
+              <a:ext uri="{FF2B5EF4-FFF2-40B4-BE49-F238E27FC236}">
+                <a16:creationId xmlns:a16="http://schemas.microsoft.com/office/drawing/2014/main" id="{2063BBE5-1916-498B-A5CE-B1CE9F741ABD}"/>
+              </a:ext>
+            </a:extLst>
+          </p:cNvPr>
+          <p:cNvSpPr>
+            <a:spLocks noGrp="1"/>
+          </p:cNvSpPr>
+          <p:nvPr>
+            <p:ph type="title"/>
+          </p:nvPr>
+        </p:nvSpPr>
+        <p:spPr/>
+        <p:txBody>
+          <a:bodyPr/>
+          <a:lstStyle/>
+          <a:p>
+            <a:r>
+              <a:rPr lang="en-US" altLang="zh-TW" dirty="0"/>
+              <a:t>Common Pitfalls</a:t>
+            </a:r>
+            <a:endParaRPr lang="zh-TW" altLang="en-US" dirty="0"/>
+          </a:p>
+        </p:txBody>
+      </p:sp>
+      <p:sp>
+        <p:nvSpPr>
+          <p:cNvPr id="3" name="內容版面配置區 2">
+            <a:extLst>
+              <a:ext uri="{FF2B5EF4-FFF2-40B4-BE49-F238E27FC236}">
+                <a16:creationId xmlns:a16="http://schemas.microsoft.com/office/drawing/2014/main" id="{414492F4-19AE-460B-A5DE-9C48D7452305}"/>
+              </a:ext>
+            </a:extLst>
+          </p:cNvPr>
+          <p:cNvSpPr>
+            <a:spLocks noGrp="1"/>
+          </p:cNvSpPr>
+          <p:nvPr>
+            <p:ph idx="1"/>
+          </p:nvPr>
+        </p:nvSpPr>
+        <p:spPr/>
+        <p:txBody>
+          <a:bodyPr/>
+          <a:lstStyle/>
+          <a:p>
+            <a:r>
+              <a:rPr lang="en-US" altLang="zh-TW" dirty="0"/>
+              <a:t>Forgetting </a:t>
+            </a:r>
+            <a:r>
+              <a:rPr lang="en-US" altLang="zh-TW" b="0" dirty="0">
+                <a:solidFill>
+                  <a:srgbClr val="AF00DB"/>
+                </a:solidFill>
+                <a:effectLst/>
+                <a:latin typeface="Consolas" panose="020B0609020204030204" pitchFamily="49" charset="0"/>
+              </a:rPr>
+              <a:t>break</a:t>
+            </a:r>
+            <a:r>
+              <a:rPr lang="en-US" altLang="zh-TW" dirty="0"/>
+              <a:t> on switch.</a:t>
+            </a:r>
+            <a:endParaRPr lang="zh-TW" altLang="en-US" dirty="0"/>
+          </a:p>
+        </p:txBody>
+      </p:sp>
+      <p:sp>
+        <p:nvSpPr>
+          <p:cNvPr id="4" name="文字方塊 3">
+            <a:extLst>
+              <a:ext uri="{FF2B5EF4-FFF2-40B4-BE49-F238E27FC236}">
+                <a16:creationId xmlns:a16="http://schemas.microsoft.com/office/drawing/2014/main" id="{AAC6B60D-4627-4B7A-A449-F18FC2DE63CC}"/>
+              </a:ext>
+            </a:extLst>
+          </p:cNvPr>
+          <p:cNvSpPr txBox="1"/>
+          <p:nvPr/>
+        </p:nvSpPr>
+        <p:spPr>
+          <a:xfrm>
+            <a:off x="480270" y="2483644"/>
+            <a:ext cx="6094602" cy="3693319"/>
+          </a:xfrm>
+          <a:prstGeom prst="rect">
+            <a:avLst/>
+          </a:prstGeom>
+          <a:noFill/>
+        </p:spPr>
+        <p:txBody>
+          <a:bodyPr wrap="square">
+            <a:spAutoFit/>
+          </a:bodyPr>
+          <a:lstStyle/>
+          <a:p>
+            <a:r>
+              <a:rPr lang="en-US" altLang="zh-TW" b="0" dirty="0">
+                <a:solidFill>
+                  <a:srgbClr val="000000"/>
+                </a:solidFill>
+                <a:effectLst/>
+                <a:latin typeface="Consolas" panose="020B0609020204030204" pitchFamily="49" charset="0"/>
+              </a:rPr>
+              <a:t>    </a:t>
+            </a:r>
+            <a:r>
+              <a:rPr lang="en-US" altLang="zh-TW" b="0" dirty="0">
+                <a:solidFill>
+                  <a:srgbClr val="AF00DB"/>
+                </a:solidFill>
+                <a:effectLst/>
+                <a:latin typeface="Consolas" panose="020B0609020204030204" pitchFamily="49" charset="0"/>
+              </a:rPr>
+              <a:t>switch</a:t>
+            </a:r>
+            <a:r>
+              <a:rPr lang="en-US" altLang="zh-TW" b="0" dirty="0">
+                <a:solidFill>
+                  <a:srgbClr val="000000"/>
+                </a:solidFill>
+                <a:effectLst/>
+                <a:latin typeface="Consolas" panose="020B0609020204030204" pitchFamily="49" charset="0"/>
+              </a:rPr>
+              <a:t> (</a:t>
+            </a:r>
+            <a:r>
+              <a:rPr lang="en-US" altLang="zh-TW" b="0" dirty="0">
+                <a:solidFill>
+                  <a:srgbClr val="001080"/>
+                </a:solidFill>
+                <a:effectLst/>
+                <a:latin typeface="Consolas" panose="020B0609020204030204" pitchFamily="49" charset="0"/>
+              </a:rPr>
+              <a:t>month</a:t>
+            </a:r>
+            <a:r>
+              <a:rPr lang="en-US" altLang="zh-TW" b="0" dirty="0">
+                <a:solidFill>
+                  <a:srgbClr val="000000"/>
+                </a:solidFill>
+                <a:effectLst/>
+                <a:latin typeface="Consolas" panose="020B0609020204030204" pitchFamily="49" charset="0"/>
+              </a:rPr>
+              <a:t>)</a:t>
+            </a:r>
+          </a:p>
+          <a:p>
+            <a:r>
+              <a:rPr lang="en-US" altLang="zh-TW" b="0" dirty="0">
+                <a:solidFill>
+                  <a:srgbClr val="000000"/>
+                </a:solidFill>
+                <a:effectLst/>
+                <a:latin typeface="Consolas" panose="020B0609020204030204" pitchFamily="49" charset="0"/>
+              </a:rPr>
+              <a:t>    {</a:t>
+            </a:r>
+          </a:p>
+          <a:p>
+            <a:r>
+              <a:rPr lang="en-US" altLang="zh-TW" b="0" dirty="0">
+                <a:solidFill>
+                  <a:srgbClr val="000000"/>
+                </a:solidFill>
+                <a:effectLst/>
+                <a:latin typeface="Consolas" panose="020B0609020204030204" pitchFamily="49" charset="0"/>
+              </a:rPr>
+              <a:t>    </a:t>
+            </a:r>
+            <a:r>
+              <a:rPr lang="en-US" altLang="zh-TW" b="0" dirty="0">
+                <a:solidFill>
+                  <a:srgbClr val="AF00DB"/>
+                </a:solidFill>
+                <a:effectLst/>
+                <a:latin typeface="Consolas" panose="020B0609020204030204" pitchFamily="49" charset="0"/>
+              </a:rPr>
+              <a:t>case</a:t>
+            </a:r>
+            <a:r>
+              <a:rPr lang="en-US" altLang="zh-TW" b="0" dirty="0">
+                <a:solidFill>
+                  <a:srgbClr val="000000"/>
+                </a:solidFill>
+                <a:effectLst/>
+                <a:latin typeface="Consolas" panose="020B0609020204030204" pitchFamily="49" charset="0"/>
+              </a:rPr>
+              <a:t> </a:t>
+            </a:r>
+            <a:r>
+              <a:rPr lang="en-US" altLang="zh-TW" b="0" dirty="0">
+                <a:solidFill>
+                  <a:srgbClr val="098658"/>
+                </a:solidFill>
+                <a:effectLst/>
+                <a:latin typeface="Consolas" panose="020B0609020204030204" pitchFamily="49" charset="0"/>
+              </a:rPr>
+              <a:t>1</a:t>
+            </a:r>
+            <a:r>
+              <a:rPr lang="en-US" altLang="zh-TW" b="0" dirty="0">
+                <a:solidFill>
+                  <a:srgbClr val="000000"/>
+                </a:solidFill>
+                <a:effectLst/>
+                <a:latin typeface="Consolas" panose="020B0609020204030204" pitchFamily="49" charset="0"/>
+              </a:rPr>
+              <a:t>:</a:t>
+            </a:r>
+          </a:p>
+          <a:p>
+            <a:r>
+              <a:rPr lang="en-US" altLang="zh-TW" b="0" dirty="0">
+                <a:solidFill>
+                  <a:srgbClr val="000000"/>
+                </a:solidFill>
+                <a:effectLst/>
+                <a:latin typeface="Consolas" panose="020B0609020204030204" pitchFamily="49" charset="0"/>
+              </a:rPr>
+              <a:t>        </a:t>
+            </a:r>
+            <a:r>
+              <a:rPr lang="en-US" altLang="zh-TW" b="0" dirty="0">
+                <a:solidFill>
+                  <a:srgbClr val="267F99"/>
+                </a:solidFill>
+                <a:effectLst/>
+                <a:latin typeface="Consolas" panose="020B0609020204030204" pitchFamily="49" charset="0"/>
+              </a:rPr>
+              <a:t>std</a:t>
+            </a:r>
+            <a:r>
+              <a:rPr lang="en-US" altLang="zh-TW" b="0" dirty="0">
+                <a:solidFill>
+                  <a:srgbClr val="000000"/>
+                </a:solidFill>
+                <a:effectLst/>
+                <a:latin typeface="Consolas" panose="020B0609020204030204" pitchFamily="49" charset="0"/>
+              </a:rPr>
+              <a:t>::</a:t>
+            </a:r>
+            <a:r>
+              <a:rPr lang="en-US" altLang="zh-TW" b="0" dirty="0" err="1">
+                <a:solidFill>
+                  <a:srgbClr val="001080"/>
+                </a:solidFill>
+                <a:effectLst/>
+                <a:latin typeface="Consolas" panose="020B0609020204030204" pitchFamily="49" charset="0"/>
+              </a:rPr>
+              <a:t>cout</a:t>
+            </a:r>
+            <a:r>
+              <a:rPr lang="en-US" altLang="zh-TW" b="0" dirty="0">
+                <a:solidFill>
+                  <a:srgbClr val="000000"/>
+                </a:solidFill>
+                <a:effectLst/>
+                <a:latin typeface="Consolas" panose="020B0609020204030204" pitchFamily="49" charset="0"/>
+              </a:rPr>
+              <a:t> </a:t>
+            </a:r>
+            <a:r>
+              <a:rPr lang="en-US" altLang="zh-TW" b="0" dirty="0">
+                <a:solidFill>
+                  <a:srgbClr val="795E26"/>
+                </a:solidFill>
+                <a:effectLst/>
+                <a:latin typeface="Consolas" panose="020B0609020204030204" pitchFamily="49" charset="0"/>
+              </a:rPr>
+              <a:t>&lt;&lt;</a:t>
+            </a:r>
+            <a:r>
+              <a:rPr lang="en-US" altLang="zh-TW" b="0" dirty="0">
+                <a:solidFill>
+                  <a:srgbClr val="000000"/>
+                </a:solidFill>
+                <a:effectLst/>
+                <a:latin typeface="Consolas" panose="020B0609020204030204" pitchFamily="49" charset="0"/>
+              </a:rPr>
+              <a:t> </a:t>
+            </a:r>
+            <a:r>
+              <a:rPr lang="en-US" altLang="zh-TW" b="0" dirty="0">
+                <a:solidFill>
+                  <a:srgbClr val="A31515"/>
+                </a:solidFill>
+                <a:effectLst/>
+                <a:latin typeface="Consolas" panose="020B0609020204030204" pitchFamily="49" charset="0"/>
+              </a:rPr>
+              <a:t>"Jan</a:t>
+            </a:r>
+            <a:r>
+              <a:rPr lang="en-US" altLang="zh-TW" b="0" dirty="0">
+                <a:solidFill>
+                  <a:srgbClr val="EE0000"/>
+                </a:solidFill>
+                <a:effectLst/>
+                <a:latin typeface="Consolas" panose="020B0609020204030204" pitchFamily="49" charset="0"/>
+              </a:rPr>
+              <a:t>\n</a:t>
+            </a:r>
+            <a:r>
+              <a:rPr lang="en-US" altLang="zh-TW" b="0" dirty="0">
+                <a:solidFill>
+                  <a:srgbClr val="A31515"/>
+                </a:solidFill>
+                <a:effectLst/>
+                <a:latin typeface="Consolas" panose="020B0609020204030204" pitchFamily="49" charset="0"/>
+              </a:rPr>
+              <a:t>"</a:t>
+            </a:r>
+            <a:r>
+              <a:rPr lang="en-US" altLang="zh-TW" b="0" dirty="0">
+                <a:solidFill>
+                  <a:srgbClr val="000000"/>
+                </a:solidFill>
+                <a:effectLst/>
+                <a:latin typeface="Consolas" panose="020B0609020204030204" pitchFamily="49" charset="0"/>
+              </a:rPr>
+              <a:t>;</a:t>
+            </a:r>
+          </a:p>
+          <a:p>
+            <a:r>
+              <a:rPr lang="en-US" altLang="zh-TW" b="0" dirty="0">
+                <a:solidFill>
+                  <a:srgbClr val="000000"/>
+                </a:solidFill>
+                <a:effectLst/>
+                <a:latin typeface="Consolas" panose="020B0609020204030204" pitchFamily="49" charset="0"/>
+              </a:rPr>
+              <a:t>        </a:t>
+            </a:r>
+            <a:r>
+              <a:rPr lang="en-US" altLang="zh-TW" b="0" dirty="0">
+                <a:solidFill>
+                  <a:srgbClr val="AF00DB"/>
+                </a:solidFill>
+                <a:effectLst/>
+                <a:latin typeface="Consolas" panose="020B0609020204030204" pitchFamily="49" charset="0"/>
+              </a:rPr>
+              <a:t>break</a:t>
+            </a:r>
+            <a:r>
+              <a:rPr lang="en-US" altLang="zh-TW" b="0" dirty="0">
+                <a:solidFill>
+                  <a:srgbClr val="000000"/>
+                </a:solidFill>
+                <a:effectLst/>
+                <a:latin typeface="Consolas" panose="020B0609020204030204" pitchFamily="49" charset="0"/>
+              </a:rPr>
+              <a:t>;</a:t>
+            </a:r>
+          </a:p>
+          <a:p>
+            <a:r>
+              <a:rPr lang="en-US" altLang="zh-TW" b="0" dirty="0">
+                <a:solidFill>
+                  <a:srgbClr val="000000"/>
+                </a:solidFill>
+                <a:effectLst/>
+                <a:latin typeface="Consolas" panose="020B0609020204030204" pitchFamily="49" charset="0"/>
+              </a:rPr>
+              <a:t>    </a:t>
+            </a:r>
+            <a:r>
+              <a:rPr lang="en-US" altLang="zh-TW" b="0" dirty="0">
+                <a:solidFill>
+                  <a:srgbClr val="AF00DB"/>
+                </a:solidFill>
+                <a:effectLst/>
+                <a:latin typeface="Consolas" panose="020B0609020204030204" pitchFamily="49" charset="0"/>
+              </a:rPr>
+              <a:t>case</a:t>
+            </a:r>
+            <a:r>
+              <a:rPr lang="en-US" altLang="zh-TW" b="0" dirty="0">
+                <a:solidFill>
+                  <a:srgbClr val="000000"/>
+                </a:solidFill>
+                <a:effectLst/>
+                <a:latin typeface="Consolas" panose="020B0609020204030204" pitchFamily="49" charset="0"/>
+              </a:rPr>
+              <a:t> </a:t>
+            </a:r>
+            <a:r>
+              <a:rPr lang="en-US" altLang="zh-TW" b="0" dirty="0">
+                <a:solidFill>
+                  <a:srgbClr val="098658"/>
+                </a:solidFill>
+                <a:effectLst/>
+                <a:latin typeface="Consolas" panose="020B0609020204030204" pitchFamily="49" charset="0"/>
+              </a:rPr>
+              <a:t>2</a:t>
+            </a:r>
+            <a:r>
+              <a:rPr lang="en-US" altLang="zh-TW" b="0" dirty="0">
+                <a:solidFill>
+                  <a:srgbClr val="000000"/>
+                </a:solidFill>
+                <a:effectLst/>
+                <a:latin typeface="Consolas" panose="020B0609020204030204" pitchFamily="49" charset="0"/>
+              </a:rPr>
+              <a:t>:</a:t>
+            </a:r>
+          </a:p>
+          <a:p>
+            <a:r>
+              <a:rPr lang="en-US" altLang="zh-TW" b="0" dirty="0">
+                <a:solidFill>
+                  <a:srgbClr val="000000"/>
+                </a:solidFill>
+                <a:effectLst/>
+                <a:latin typeface="Consolas" panose="020B0609020204030204" pitchFamily="49" charset="0"/>
+              </a:rPr>
+              <a:t>        </a:t>
+            </a:r>
+            <a:r>
+              <a:rPr lang="en-US" altLang="zh-TW" b="0" dirty="0">
+                <a:solidFill>
+                  <a:srgbClr val="267F99"/>
+                </a:solidFill>
+                <a:effectLst/>
+                <a:latin typeface="Consolas" panose="020B0609020204030204" pitchFamily="49" charset="0"/>
+              </a:rPr>
+              <a:t>std</a:t>
+            </a:r>
+            <a:r>
+              <a:rPr lang="en-US" altLang="zh-TW" b="0" dirty="0">
+                <a:solidFill>
+                  <a:srgbClr val="000000"/>
+                </a:solidFill>
+                <a:effectLst/>
+                <a:latin typeface="Consolas" panose="020B0609020204030204" pitchFamily="49" charset="0"/>
+              </a:rPr>
+              <a:t>::</a:t>
+            </a:r>
+            <a:r>
+              <a:rPr lang="en-US" altLang="zh-TW" b="0" dirty="0" err="1">
+                <a:solidFill>
+                  <a:srgbClr val="001080"/>
+                </a:solidFill>
+                <a:effectLst/>
+                <a:latin typeface="Consolas" panose="020B0609020204030204" pitchFamily="49" charset="0"/>
+              </a:rPr>
+              <a:t>cout</a:t>
+            </a:r>
+            <a:r>
+              <a:rPr lang="en-US" altLang="zh-TW" b="0" dirty="0">
+                <a:solidFill>
+                  <a:srgbClr val="000000"/>
+                </a:solidFill>
+                <a:effectLst/>
+                <a:latin typeface="Consolas" panose="020B0609020204030204" pitchFamily="49" charset="0"/>
+              </a:rPr>
+              <a:t> </a:t>
+            </a:r>
+            <a:r>
+              <a:rPr lang="en-US" altLang="zh-TW" b="0" dirty="0">
+                <a:solidFill>
+                  <a:srgbClr val="795E26"/>
+                </a:solidFill>
+                <a:effectLst/>
+                <a:latin typeface="Consolas" panose="020B0609020204030204" pitchFamily="49" charset="0"/>
+              </a:rPr>
+              <a:t>&lt;&lt;</a:t>
+            </a:r>
+            <a:r>
+              <a:rPr lang="en-US" altLang="zh-TW" b="0" dirty="0">
+                <a:solidFill>
+                  <a:srgbClr val="000000"/>
+                </a:solidFill>
+                <a:effectLst/>
+                <a:latin typeface="Consolas" panose="020B0609020204030204" pitchFamily="49" charset="0"/>
+              </a:rPr>
+              <a:t> </a:t>
+            </a:r>
+            <a:r>
+              <a:rPr lang="en-US" altLang="zh-TW" b="0" dirty="0">
+                <a:solidFill>
+                  <a:srgbClr val="A31515"/>
+                </a:solidFill>
+                <a:effectLst/>
+                <a:latin typeface="Consolas" panose="020B0609020204030204" pitchFamily="49" charset="0"/>
+              </a:rPr>
+              <a:t>"Feb</a:t>
+            </a:r>
+            <a:r>
+              <a:rPr lang="en-US" altLang="zh-TW" b="0" dirty="0">
+                <a:solidFill>
+                  <a:srgbClr val="EE0000"/>
+                </a:solidFill>
+                <a:effectLst/>
+                <a:latin typeface="Consolas" panose="020B0609020204030204" pitchFamily="49" charset="0"/>
+              </a:rPr>
+              <a:t>\n</a:t>
+            </a:r>
+            <a:r>
+              <a:rPr lang="en-US" altLang="zh-TW" b="0" dirty="0">
+                <a:solidFill>
+                  <a:srgbClr val="A31515"/>
+                </a:solidFill>
+                <a:effectLst/>
+                <a:latin typeface="Consolas" panose="020B0609020204030204" pitchFamily="49" charset="0"/>
+              </a:rPr>
+              <a:t>"</a:t>
+            </a:r>
+            <a:r>
+              <a:rPr lang="en-US" altLang="zh-TW" b="0" dirty="0">
+                <a:solidFill>
+                  <a:srgbClr val="000000"/>
+                </a:solidFill>
+                <a:effectLst/>
+                <a:latin typeface="Consolas" panose="020B0609020204030204" pitchFamily="49" charset="0"/>
+              </a:rPr>
+              <a:t>;</a:t>
+            </a:r>
+          </a:p>
+          <a:p>
+            <a:r>
+              <a:rPr lang="en-US" altLang="zh-TW" b="0" dirty="0">
+                <a:solidFill>
+                  <a:srgbClr val="000000"/>
+                </a:solidFill>
+                <a:effectLst/>
+                <a:latin typeface="Consolas" panose="020B0609020204030204" pitchFamily="49" charset="0"/>
+              </a:rPr>
+              <a:t>        </a:t>
+            </a:r>
+            <a:r>
+              <a:rPr lang="en-US" altLang="zh-TW" b="0" dirty="0">
+                <a:solidFill>
+                  <a:srgbClr val="AF00DB"/>
+                </a:solidFill>
+                <a:effectLst/>
+                <a:latin typeface="Consolas" panose="020B0609020204030204" pitchFamily="49" charset="0"/>
+              </a:rPr>
+              <a:t>break</a:t>
+            </a:r>
+            <a:r>
+              <a:rPr lang="en-US" altLang="zh-TW" b="0" dirty="0">
+                <a:solidFill>
+                  <a:srgbClr val="000000"/>
+                </a:solidFill>
+                <a:effectLst/>
+                <a:latin typeface="Consolas" panose="020B0609020204030204" pitchFamily="49" charset="0"/>
+              </a:rPr>
+              <a:t>;</a:t>
+            </a:r>
+          </a:p>
+          <a:p>
+            <a:r>
+              <a:rPr lang="en-US" altLang="zh-TW" b="0" dirty="0">
+                <a:solidFill>
+                  <a:srgbClr val="000000"/>
+                </a:solidFill>
+                <a:effectLst/>
+                <a:latin typeface="Consolas" panose="020B0609020204030204" pitchFamily="49" charset="0"/>
+              </a:rPr>
+              <a:t>    </a:t>
+            </a:r>
+          </a:p>
+          <a:p>
+            <a:r>
+              <a:rPr lang="en-US" altLang="zh-TW" b="0" dirty="0">
+                <a:solidFill>
+                  <a:srgbClr val="000000"/>
+                </a:solidFill>
+                <a:effectLst/>
+                <a:latin typeface="Consolas" panose="020B0609020204030204" pitchFamily="49" charset="0"/>
+              </a:rPr>
+              <a:t>    </a:t>
+            </a:r>
+            <a:r>
+              <a:rPr lang="en-US" altLang="zh-TW" b="0" dirty="0">
+                <a:solidFill>
+                  <a:srgbClr val="AF00DB"/>
+                </a:solidFill>
+                <a:effectLst/>
+                <a:latin typeface="Consolas" panose="020B0609020204030204" pitchFamily="49" charset="0"/>
+              </a:rPr>
+              <a:t>default</a:t>
+            </a:r>
+            <a:r>
+              <a:rPr lang="en-US" altLang="zh-TW" b="0" dirty="0">
+                <a:solidFill>
+                  <a:srgbClr val="000000"/>
+                </a:solidFill>
+                <a:effectLst/>
+                <a:latin typeface="Consolas" panose="020B0609020204030204" pitchFamily="49" charset="0"/>
+              </a:rPr>
+              <a:t>:</a:t>
+            </a:r>
+          </a:p>
+          <a:p>
+            <a:r>
+              <a:rPr lang="en-US" altLang="zh-TW" b="0" dirty="0">
+                <a:solidFill>
+                  <a:srgbClr val="000000"/>
+                </a:solidFill>
+                <a:effectLst/>
+                <a:latin typeface="Consolas" panose="020B0609020204030204" pitchFamily="49" charset="0"/>
+              </a:rPr>
+              <a:t>        </a:t>
+            </a:r>
+            <a:r>
+              <a:rPr lang="en-US" altLang="zh-TW" b="0" dirty="0">
+                <a:solidFill>
+                  <a:srgbClr val="267F99"/>
+                </a:solidFill>
+                <a:effectLst/>
+                <a:latin typeface="Consolas" panose="020B0609020204030204" pitchFamily="49" charset="0"/>
+              </a:rPr>
+              <a:t>std</a:t>
+            </a:r>
+            <a:r>
+              <a:rPr lang="en-US" altLang="zh-TW" b="0" dirty="0">
+                <a:solidFill>
+                  <a:srgbClr val="000000"/>
+                </a:solidFill>
+                <a:effectLst/>
+                <a:latin typeface="Consolas" panose="020B0609020204030204" pitchFamily="49" charset="0"/>
+              </a:rPr>
+              <a:t>::</a:t>
+            </a:r>
+            <a:r>
+              <a:rPr lang="en-US" altLang="zh-TW" b="0" dirty="0" err="1">
+                <a:solidFill>
+                  <a:srgbClr val="001080"/>
+                </a:solidFill>
+                <a:effectLst/>
+                <a:latin typeface="Consolas" panose="020B0609020204030204" pitchFamily="49" charset="0"/>
+              </a:rPr>
+              <a:t>cout</a:t>
+            </a:r>
+            <a:r>
+              <a:rPr lang="en-US" altLang="zh-TW" b="0" dirty="0">
+                <a:solidFill>
+                  <a:srgbClr val="000000"/>
+                </a:solidFill>
+                <a:effectLst/>
+                <a:latin typeface="Consolas" panose="020B0609020204030204" pitchFamily="49" charset="0"/>
+              </a:rPr>
+              <a:t> </a:t>
+            </a:r>
+            <a:r>
+              <a:rPr lang="en-US" altLang="zh-TW" b="0" dirty="0">
+                <a:solidFill>
+                  <a:srgbClr val="795E26"/>
+                </a:solidFill>
+                <a:effectLst/>
+                <a:latin typeface="Consolas" panose="020B0609020204030204" pitchFamily="49" charset="0"/>
+              </a:rPr>
+              <a:t>&lt;&lt;</a:t>
+            </a:r>
+            <a:r>
+              <a:rPr lang="en-US" altLang="zh-TW" b="0" dirty="0">
+                <a:solidFill>
+                  <a:srgbClr val="000000"/>
+                </a:solidFill>
+                <a:effectLst/>
+                <a:latin typeface="Consolas" panose="020B0609020204030204" pitchFamily="49" charset="0"/>
+              </a:rPr>
+              <a:t> </a:t>
+            </a:r>
+            <a:r>
+              <a:rPr lang="en-US" altLang="zh-TW" b="0" dirty="0">
+                <a:solidFill>
+                  <a:srgbClr val="A31515"/>
+                </a:solidFill>
+                <a:effectLst/>
+                <a:latin typeface="Consolas" panose="020B0609020204030204" pitchFamily="49" charset="0"/>
+              </a:rPr>
+              <a:t>"...</a:t>
+            </a:r>
+            <a:r>
+              <a:rPr lang="en-US" altLang="zh-TW" b="0" dirty="0">
+                <a:solidFill>
+                  <a:srgbClr val="EE0000"/>
+                </a:solidFill>
+                <a:effectLst/>
+                <a:latin typeface="Consolas" panose="020B0609020204030204" pitchFamily="49" charset="0"/>
+              </a:rPr>
+              <a:t>\n</a:t>
+            </a:r>
+            <a:r>
+              <a:rPr lang="en-US" altLang="zh-TW" b="0" dirty="0">
+                <a:solidFill>
+                  <a:srgbClr val="A31515"/>
+                </a:solidFill>
+                <a:effectLst/>
+                <a:latin typeface="Consolas" panose="020B0609020204030204" pitchFamily="49" charset="0"/>
+              </a:rPr>
+              <a:t>"</a:t>
+            </a:r>
+            <a:r>
+              <a:rPr lang="en-US" altLang="zh-TW" b="0" dirty="0">
+                <a:solidFill>
+                  <a:srgbClr val="000000"/>
+                </a:solidFill>
+                <a:effectLst/>
+                <a:latin typeface="Consolas" panose="020B0609020204030204" pitchFamily="49" charset="0"/>
+              </a:rPr>
+              <a:t>;</a:t>
+            </a:r>
+          </a:p>
+          <a:p>
+            <a:r>
+              <a:rPr lang="en-US" altLang="zh-TW" b="0" dirty="0">
+                <a:solidFill>
+                  <a:srgbClr val="000000"/>
+                </a:solidFill>
+                <a:effectLst/>
+                <a:latin typeface="Consolas" panose="020B0609020204030204" pitchFamily="49" charset="0"/>
+              </a:rPr>
+              <a:t>        </a:t>
+            </a:r>
+            <a:r>
+              <a:rPr lang="en-US" altLang="zh-TW" b="0" dirty="0">
+                <a:solidFill>
+                  <a:srgbClr val="AF00DB"/>
+                </a:solidFill>
+                <a:effectLst/>
+                <a:latin typeface="Consolas" panose="020B0609020204030204" pitchFamily="49" charset="0"/>
+              </a:rPr>
+              <a:t>break</a:t>
+            </a:r>
+            <a:r>
+              <a:rPr lang="en-US" altLang="zh-TW" b="0" dirty="0">
+                <a:solidFill>
+                  <a:srgbClr val="000000"/>
+                </a:solidFill>
+                <a:effectLst/>
+                <a:latin typeface="Consolas" panose="020B0609020204030204" pitchFamily="49" charset="0"/>
+              </a:rPr>
+              <a:t>;</a:t>
+            </a:r>
+          </a:p>
+          <a:p>
+            <a:r>
+              <a:rPr lang="en-US" altLang="zh-TW" b="0" dirty="0">
+                <a:solidFill>
+                  <a:srgbClr val="000000"/>
+                </a:solidFill>
+                <a:effectLst/>
+                <a:latin typeface="Consolas" panose="020B0609020204030204" pitchFamily="49" charset="0"/>
+              </a:rPr>
+              <a:t>    }</a:t>
+            </a:r>
+          </a:p>
+        </p:txBody>
+      </p:sp>
+      <p:sp>
+        <p:nvSpPr>
+          <p:cNvPr id="5" name="文字方塊 4">
+            <a:extLst>
+              <a:ext uri="{FF2B5EF4-FFF2-40B4-BE49-F238E27FC236}">
+                <a16:creationId xmlns:a16="http://schemas.microsoft.com/office/drawing/2014/main" id="{59C8FF50-86CB-4703-A54E-D07262DFA5B3}"/>
+              </a:ext>
+            </a:extLst>
+          </p:cNvPr>
+          <p:cNvSpPr txBox="1"/>
+          <p:nvPr/>
+        </p:nvSpPr>
+        <p:spPr>
+          <a:xfrm>
+            <a:off x="5617128" y="2483643"/>
+            <a:ext cx="6094602" cy="3693319"/>
+          </a:xfrm>
+          <a:prstGeom prst="rect">
+            <a:avLst/>
+          </a:prstGeom>
+          <a:noFill/>
+        </p:spPr>
+        <p:txBody>
+          <a:bodyPr wrap="square">
+            <a:spAutoFit/>
+          </a:bodyPr>
+          <a:lstStyle/>
+          <a:p>
+            <a:r>
+              <a:rPr lang="en-US" altLang="zh-TW" b="0" dirty="0">
+                <a:solidFill>
+                  <a:srgbClr val="000000"/>
+                </a:solidFill>
+                <a:effectLst/>
+                <a:latin typeface="Consolas" panose="020B0609020204030204" pitchFamily="49" charset="0"/>
+              </a:rPr>
+              <a:t>    </a:t>
+            </a:r>
+            <a:r>
+              <a:rPr lang="en-US" altLang="zh-TW" b="0" dirty="0">
+                <a:solidFill>
+                  <a:srgbClr val="AF00DB"/>
+                </a:solidFill>
+                <a:effectLst/>
+                <a:latin typeface="Consolas" panose="020B0609020204030204" pitchFamily="49" charset="0"/>
+              </a:rPr>
+              <a:t>switch</a:t>
+            </a:r>
+            <a:r>
+              <a:rPr lang="en-US" altLang="zh-TW" b="0" dirty="0">
+                <a:solidFill>
+                  <a:srgbClr val="000000"/>
+                </a:solidFill>
+                <a:effectLst/>
+                <a:latin typeface="Consolas" panose="020B0609020204030204" pitchFamily="49" charset="0"/>
+              </a:rPr>
+              <a:t> (</a:t>
+            </a:r>
+            <a:r>
+              <a:rPr lang="en-US" altLang="zh-TW" b="0" dirty="0">
+                <a:solidFill>
+                  <a:srgbClr val="001080"/>
+                </a:solidFill>
+                <a:effectLst/>
+                <a:latin typeface="Consolas" panose="020B0609020204030204" pitchFamily="49" charset="0"/>
+              </a:rPr>
+              <a:t>month</a:t>
+            </a:r>
+            <a:r>
+              <a:rPr lang="en-US" altLang="zh-TW" b="0" dirty="0">
+                <a:solidFill>
+                  <a:srgbClr val="000000"/>
+                </a:solidFill>
+                <a:effectLst/>
+                <a:latin typeface="Consolas" panose="020B0609020204030204" pitchFamily="49" charset="0"/>
+              </a:rPr>
+              <a:t>)</a:t>
+            </a:r>
+          </a:p>
+          <a:p>
+            <a:r>
+              <a:rPr lang="en-US" altLang="zh-TW" b="0" dirty="0">
+                <a:solidFill>
+                  <a:srgbClr val="000000"/>
+                </a:solidFill>
+                <a:effectLst/>
+                <a:latin typeface="Consolas" panose="020B0609020204030204" pitchFamily="49" charset="0"/>
+              </a:rPr>
+              <a:t>    {</a:t>
+            </a:r>
+          </a:p>
+          <a:p>
+            <a:r>
+              <a:rPr lang="en-US" altLang="zh-TW" b="0" dirty="0">
+                <a:solidFill>
+                  <a:srgbClr val="000000"/>
+                </a:solidFill>
+                <a:effectLst/>
+                <a:latin typeface="Consolas" panose="020B0609020204030204" pitchFamily="49" charset="0"/>
+              </a:rPr>
+              <a:t>    </a:t>
+            </a:r>
+            <a:r>
+              <a:rPr lang="en-US" altLang="zh-TW" b="0" dirty="0">
+                <a:solidFill>
+                  <a:srgbClr val="AF00DB"/>
+                </a:solidFill>
+                <a:effectLst/>
+                <a:latin typeface="Consolas" panose="020B0609020204030204" pitchFamily="49" charset="0"/>
+              </a:rPr>
+              <a:t>case</a:t>
+            </a:r>
+            <a:r>
+              <a:rPr lang="en-US" altLang="zh-TW" b="0" dirty="0">
+                <a:solidFill>
+                  <a:srgbClr val="000000"/>
+                </a:solidFill>
+                <a:effectLst/>
+                <a:latin typeface="Consolas" panose="020B0609020204030204" pitchFamily="49" charset="0"/>
+              </a:rPr>
+              <a:t> </a:t>
+            </a:r>
+            <a:r>
+              <a:rPr lang="en-US" altLang="zh-TW" b="0" dirty="0">
+                <a:solidFill>
+                  <a:srgbClr val="098658"/>
+                </a:solidFill>
+                <a:effectLst/>
+                <a:latin typeface="Consolas" panose="020B0609020204030204" pitchFamily="49" charset="0"/>
+              </a:rPr>
+              <a:t>1</a:t>
+            </a:r>
+            <a:r>
+              <a:rPr lang="en-US" altLang="zh-TW" b="0" dirty="0">
+                <a:solidFill>
+                  <a:srgbClr val="000000"/>
+                </a:solidFill>
+                <a:effectLst/>
+                <a:latin typeface="Consolas" panose="020B0609020204030204" pitchFamily="49" charset="0"/>
+              </a:rPr>
+              <a:t>:</a:t>
+            </a:r>
+          </a:p>
+          <a:p>
+            <a:r>
+              <a:rPr lang="en-US" altLang="zh-TW" b="0" dirty="0">
+                <a:solidFill>
+                  <a:srgbClr val="000000"/>
+                </a:solidFill>
+                <a:effectLst/>
+                <a:latin typeface="Consolas" panose="020B0609020204030204" pitchFamily="49" charset="0"/>
+              </a:rPr>
+              <a:t>        </a:t>
+            </a:r>
+            <a:r>
+              <a:rPr lang="en-US" altLang="zh-TW" b="0" dirty="0">
+                <a:solidFill>
+                  <a:srgbClr val="267F99"/>
+                </a:solidFill>
+                <a:effectLst/>
+                <a:latin typeface="Consolas" panose="020B0609020204030204" pitchFamily="49" charset="0"/>
+              </a:rPr>
+              <a:t>std</a:t>
+            </a:r>
+            <a:r>
+              <a:rPr lang="en-US" altLang="zh-TW" b="0" dirty="0">
+                <a:solidFill>
+                  <a:srgbClr val="000000"/>
+                </a:solidFill>
+                <a:effectLst/>
+                <a:latin typeface="Consolas" panose="020B0609020204030204" pitchFamily="49" charset="0"/>
+              </a:rPr>
+              <a:t>::</a:t>
+            </a:r>
+            <a:r>
+              <a:rPr lang="en-US" altLang="zh-TW" b="0" dirty="0" err="1">
+                <a:solidFill>
+                  <a:srgbClr val="001080"/>
+                </a:solidFill>
+                <a:effectLst/>
+                <a:latin typeface="Consolas" panose="020B0609020204030204" pitchFamily="49" charset="0"/>
+              </a:rPr>
+              <a:t>cout</a:t>
+            </a:r>
+            <a:r>
+              <a:rPr lang="en-US" altLang="zh-TW" b="0" dirty="0">
+                <a:solidFill>
+                  <a:srgbClr val="000000"/>
+                </a:solidFill>
+                <a:effectLst/>
+                <a:latin typeface="Consolas" panose="020B0609020204030204" pitchFamily="49" charset="0"/>
+              </a:rPr>
+              <a:t> </a:t>
+            </a:r>
+            <a:r>
+              <a:rPr lang="en-US" altLang="zh-TW" b="0" dirty="0">
+                <a:solidFill>
+                  <a:srgbClr val="795E26"/>
+                </a:solidFill>
+                <a:effectLst/>
+                <a:latin typeface="Consolas" panose="020B0609020204030204" pitchFamily="49" charset="0"/>
+              </a:rPr>
+              <a:t>&lt;&lt;</a:t>
+            </a:r>
+            <a:r>
+              <a:rPr lang="en-US" altLang="zh-TW" b="0" dirty="0">
+                <a:solidFill>
+                  <a:srgbClr val="000000"/>
+                </a:solidFill>
+                <a:effectLst/>
+                <a:latin typeface="Consolas" panose="020B0609020204030204" pitchFamily="49" charset="0"/>
+              </a:rPr>
+              <a:t> </a:t>
+            </a:r>
+            <a:r>
+              <a:rPr lang="en-US" altLang="zh-TW" b="0" dirty="0">
+                <a:solidFill>
+                  <a:srgbClr val="A31515"/>
+                </a:solidFill>
+                <a:effectLst/>
+                <a:latin typeface="Consolas" panose="020B0609020204030204" pitchFamily="49" charset="0"/>
+              </a:rPr>
+              <a:t>"Jan</a:t>
+            </a:r>
+            <a:r>
+              <a:rPr lang="en-US" altLang="zh-TW" b="0" dirty="0">
+                <a:solidFill>
+                  <a:srgbClr val="EE0000"/>
+                </a:solidFill>
+                <a:effectLst/>
+                <a:latin typeface="Consolas" panose="020B0609020204030204" pitchFamily="49" charset="0"/>
+              </a:rPr>
+              <a:t>\n</a:t>
+            </a:r>
+            <a:r>
+              <a:rPr lang="en-US" altLang="zh-TW" b="0" dirty="0">
+                <a:solidFill>
+                  <a:srgbClr val="A31515"/>
+                </a:solidFill>
+                <a:effectLst/>
+                <a:latin typeface="Consolas" panose="020B0609020204030204" pitchFamily="49" charset="0"/>
+              </a:rPr>
+              <a:t>"</a:t>
+            </a:r>
+            <a:r>
+              <a:rPr lang="en-US" altLang="zh-TW" b="0" dirty="0">
+                <a:solidFill>
+                  <a:srgbClr val="000000"/>
+                </a:solidFill>
+                <a:effectLst/>
+                <a:latin typeface="Consolas" panose="020B0609020204030204" pitchFamily="49" charset="0"/>
+              </a:rPr>
+              <a:t>;</a:t>
+            </a:r>
+          </a:p>
+          <a:p>
+            <a:r>
+              <a:rPr lang="en-US" altLang="zh-TW" b="0" dirty="0">
+                <a:solidFill>
+                  <a:srgbClr val="000000"/>
+                </a:solidFill>
+                <a:effectLst/>
+                <a:latin typeface="Consolas" panose="020B0609020204030204" pitchFamily="49" charset="0"/>
+              </a:rPr>
+              <a:t>        </a:t>
+            </a:r>
+            <a:r>
+              <a:rPr lang="en-US" altLang="zh-TW" b="0" dirty="0">
+                <a:solidFill>
+                  <a:srgbClr val="008000"/>
+                </a:solidFill>
+                <a:effectLst/>
+                <a:latin typeface="Consolas" panose="020B0609020204030204" pitchFamily="49" charset="0"/>
+              </a:rPr>
+              <a:t>//break;</a:t>
+            </a:r>
+            <a:endParaRPr lang="en-US" altLang="zh-TW" b="0" dirty="0">
+              <a:solidFill>
+                <a:srgbClr val="000000"/>
+              </a:solidFill>
+              <a:effectLst/>
+              <a:latin typeface="Consolas" panose="020B0609020204030204" pitchFamily="49" charset="0"/>
+            </a:endParaRPr>
+          </a:p>
+          <a:p>
+            <a:r>
+              <a:rPr lang="en-US" altLang="zh-TW" b="0" dirty="0">
+                <a:solidFill>
+                  <a:srgbClr val="000000"/>
+                </a:solidFill>
+                <a:effectLst/>
+                <a:latin typeface="Consolas" panose="020B0609020204030204" pitchFamily="49" charset="0"/>
+              </a:rPr>
+              <a:t>    </a:t>
+            </a:r>
+            <a:r>
+              <a:rPr lang="en-US" altLang="zh-TW" b="0" dirty="0">
+                <a:solidFill>
+                  <a:srgbClr val="AF00DB"/>
+                </a:solidFill>
+                <a:effectLst/>
+                <a:latin typeface="Consolas" panose="020B0609020204030204" pitchFamily="49" charset="0"/>
+              </a:rPr>
+              <a:t>case</a:t>
+            </a:r>
+            <a:r>
+              <a:rPr lang="en-US" altLang="zh-TW" b="0" dirty="0">
+                <a:solidFill>
+                  <a:srgbClr val="000000"/>
+                </a:solidFill>
+                <a:effectLst/>
+                <a:latin typeface="Consolas" panose="020B0609020204030204" pitchFamily="49" charset="0"/>
+              </a:rPr>
+              <a:t> </a:t>
+            </a:r>
+            <a:r>
+              <a:rPr lang="en-US" altLang="zh-TW" b="0" dirty="0">
+                <a:solidFill>
+                  <a:srgbClr val="098658"/>
+                </a:solidFill>
+                <a:effectLst/>
+                <a:latin typeface="Consolas" panose="020B0609020204030204" pitchFamily="49" charset="0"/>
+              </a:rPr>
+              <a:t>2</a:t>
+            </a:r>
+            <a:r>
+              <a:rPr lang="en-US" altLang="zh-TW" b="0" dirty="0">
+                <a:solidFill>
+                  <a:srgbClr val="000000"/>
+                </a:solidFill>
+                <a:effectLst/>
+                <a:latin typeface="Consolas" panose="020B0609020204030204" pitchFamily="49" charset="0"/>
+              </a:rPr>
+              <a:t>:</a:t>
+            </a:r>
+          </a:p>
+          <a:p>
+            <a:r>
+              <a:rPr lang="en-US" altLang="zh-TW" b="0" dirty="0">
+                <a:solidFill>
+                  <a:srgbClr val="000000"/>
+                </a:solidFill>
+                <a:effectLst/>
+                <a:latin typeface="Consolas" panose="020B0609020204030204" pitchFamily="49" charset="0"/>
+              </a:rPr>
+              <a:t>        </a:t>
+            </a:r>
+            <a:r>
+              <a:rPr lang="en-US" altLang="zh-TW" b="0" dirty="0">
+                <a:solidFill>
+                  <a:srgbClr val="267F99"/>
+                </a:solidFill>
+                <a:effectLst/>
+                <a:latin typeface="Consolas" panose="020B0609020204030204" pitchFamily="49" charset="0"/>
+              </a:rPr>
+              <a:t>std</a:t>
+            </a:r>
+            <a:r>
+              <a:rPr lang="en-US" altLang="zh-TW" b="0" dirty="0">
+                <a:solidFill>
+                  <a:srgbClr val="000000"/>
+                </a:solidFill>
+                <a:effectLst/>
+                <a:latin typeface="Consolas" panose="020B0609020204030204" pitchFamily="49" charset="0"/>
+              </a:rPr>
+              <a:t>::</a:t>
+            </a:r>
+            <a:r>
+              <a:rPr lang="en-US" altLang="zh-TW" b="0" dirty="0" err="1">
+                <a:solidFill>
+                  <a:srgbClr val="001080"/>
+                </a:solidFill>
+                <a:effectLst/>
+                <a:latin typeface="Consolas" panose="020B0609020204030204" pitchFamily="49" charset="0"/>
+              </a:rPr>
+              <a:t>cout</a:t>
+            </a:r>
+            <a:r>
+              <a:rPr lang="en-US" altLang="zh-TW" b="0" dirty="0">
+                <a:solidFill>
+                  <a:srgbClr val="000000"/>
+                </a:solidFill>
+                <a:effectLst/>
+                <a:latin typeface="Consolas" panose="020B0609020204030204" pitchFamily="49" charset="0"/>
+              </a:rPr>
+              <a:t> </a:t>
+            </a:r>
+            <a:r>
+              <a:rPr lang="en-US" altLang="zh-TW" b="0" dirty="0">
+                <a:solidFill>
+                  <a:srgbClr val="795E26"/>
+                </a:solidFill>
+                <a:effectLst/>
+                <a:latin typeface="Consolas" panose="020B0609020204030204" pitchFamily="49" charset="0"/>
+              </a:rPr>
+              <a:t>&lt;&lt;</a:t>
+            </a:r>
+            <a:r>
+              <a:rPr lang="en-US" altLang="zh-TW" b="0" dirty="0">
+                <a:solidFill>
+                  <a:srgbClr val="000000"/>
+                </a:solidFill>
+                <a:effectLst/>
+                <a:latin typeface="Consolas" panose="020B0609020204030204" pitchFamily="49" charset="0"/>
+              </a:rPr>
+              <a:t> </a:t>
+            </a:r>
+            <a:r>
+              <a:rPr lang="en-US" altLang="zh-TW" b="0" dirty="0">
+                <a:solidFill>
+                  <a:srgbClr val="A31515"/>
+                </a:solidFill>
+                <a:effectLst/>
+                <a:latin typeface="Consolas" panose="020B0609020204030204" pitchFamily="49" charset="0"/>
+              </a:rPr>
+              <a:t>"Feb</a:t>
+            </a:r>
+            <a:r>
+              <a:rPr lang="en-US" altLang="zh-TW" b="0" dirty="0">
+                <a:solidFill>
+                  <a:srgbClr val="EE0000"/>
+                </a:solidFill>
+                <a:effectLst/>
+                <a:latin typeface="Consolas" panose="020B0609020204030204" pitchFamily="49" charset="0"/>
+              </a:rPr>
+              <a:t>\n</a:t>
+            </a:r>
+            <a:r>
+              <a:rPr lang="en-US" altLang="zh-TW" b="0" dirty="0">
+                <a:solidFill>
+                  <a:srgbClr val="A31515"/>
+                </a:solidFill>
+                <a:effectLst/>
+                <a:latin typeface="Consolas" panose="020B0609020204030204" pitchFamily="49" charset="0"/>
+              </a:rPr>
+              <a:t>"</a:t>
+            </a:r>
+            <a:r>
+              <a:rPr lang="en-US" altLang="zh-TW" b="0" dirty="0">
+                <a:solidFill>
+                  <a:srgbClr val="000000"/>
+                </a:solidFill>
+                <a:effectLst/>
+                <a:latin typeface="Consolas" panose="020B0609020204030204" pitchFamily="49" charset="0"/>
+              </a:rPr>
+              <a:t>;</a:t>
+            </a:r>
+          </a:p>
+          <a:p>
+            <a:r>
+              <a:rPr lang="en-US" altLang="zh-TW" b="0" dirty="0">
+                <a:solidFill>
+                  <a:srgbClr val="000000"/>
+                </a:solidFill>
+                <a:effectLst/>
+                <a:latin typeface="Consolas" panose="020B0609020204030204" pitchFamily="49" charset="0"/>
+              </a:rPr>
+              <a:t>        </a:t>
+            </a:r>
+            <a:r>
+              <a:rPr lang="en-US" altLang="zh-TW" b="0" dirty="0">
+                <a:solidFill>
+                  <a:srgbClr val="AF00DB"/>
+                </a:solidFill>
+                <a:effectLst/>
+                <a:latin typeface="Consolas" panose="020B0609020204030204" pitchFamily="49" charset="0"/>
+              </a:rPr>
+              <a:t>break</a:t>
+            </a:r>
+            <a:r>
+              <a:rPr lang="en-US" altLang="zh-TW" b="0" dirty="0">
+                <a:solidFill>
+                  <a:srgbClr val="000000"/>
+                </a:solidFill>
+                <a:effectLst/>
+                <a:latin typeface="Consolas" panose="020B0609020204030204" pitchFamily="49" charset="0"/>
+              </a:rPr>
+              <a:t>;</a:t>
+            </a:r>
+          </a:p>
+          <a:p>
+            <a:r>
+              <a:rPr lang="en-US" altLang="zh-TW" b="0" dirty="0">
+                <a:solidFill>
+                  <a:srgbClr val="000000"/>
+                </a:solidFill>
+                <a:effectLst/>
+                <a:latin typeface="Consolas" panose="020B0609020204030204" pitchFamily="49" charset="0"/>
+              </a:rPr>
+              <a:t>    </a:t>
+            </a:r>
+          </a:p>
+          <a:p>
+            <a:r>
+              <a:rPr lang="en-US" altLang="zh-TW" b="0" dirty="0">
+                <a:solidFill>
+                  <a:srgbClr val="000000"/>
+                </a:solidFill>
+                <a:effectLst/>
+                <a:latin typeface="Consolas" panose="020B0609020204030204" pitchFamily="49" charset="0"/>
+              </a:rPr>
+              <a:t>    </a:t>
+            </a:r>
+            <a:r>
+              <a:rPr lang="en-US" altLang="zh-TW" b="0" dirty="0">
+                <a:solidFill>
+                  <a:srgbClr val="AF00DB"/>
+                </a:solidFill>
+                <a:effectLst/>
+                <a:latin typeface="Consolas" panose="020B0609020204030204" pitchFamily="49" charset="0"/>
+              </a:rPr>
+              <a:t>default</a:t>
+            </a:r>
+            <a:r>
+              <a:rPr lang="en-US" altLang="zh-TW" b="0" dirty="0">
+                <a:solidFill>
+                  <a:srgbClr val="000000"/>
+                </a:solidFill>
+                <a:effectLst/>
+                <a:latin typeface="Consolas" panose="020B0609020204030204" pitchFamily="49" charset="0"/>
+              </a:rPr>
+              <a:t>:</a:t>
+            </a:r>
+          </a:p>
+          <a:p>
+            <a:r>
+              <a:rPr lang="en-US" altLang="zh-TW" b="0" dirty="0">
+                <a:solidFill>
+                  <a:srgbClr val="000000"/>
+                </a:solidFill>
+                <a:effectLst/>
+                <a:latin typeface="Consolas" panose="020B0609020204030204" pitchFamily="49" charset="0"/>
+              </a:rPr>
+              <a:t>        </a:t>
+            </a:r>
+            <a:r>
+              <a:rPr lang="en-US" altLang="zh-TW" b="0" dirty="0">
+                <a:solidFill>
+                  <a:srgbClr val="267F99"/>
+                </a:solidFill>
+                <a:effectLst/>
+                <a:latin typeface="Consolas" panose="020B0609020204030204" pitchFamily="49" charset="0"/>
+              </a:rPr>
+              <a:t>std</a:t>
+            </a:r>
+            <a:r>
+              <a:rPr lang="en-US" altLang="zh-TW" b="0" dirty="0">
+                <a:solidFill>
+                  <a:srgbClr val="000000"/>
+                </a:solidFill>
+                <a:effectLst/>
+                <a:latin typeface="Consolas" panose="020B0609020204030204" pitchFamily="49" charset="0"/>
+              </a:rPr>
+              <a:t>::</a:t>
+            </a:r>
+            <a:r>
+              <a:rPr lang="en-US" altLang="zh-TW" b="0" dirty="0" err="1">
+                <a:solidFill>
+                  <a:srgbClr val="001080"/>
+                </a:solidFill>
+                <a:effectLst/>
+                <a:latin typeface="Consolas" panose="020B0609020204030204" pitchFamily="49" charset="0"/>
+              </a:rPr>
+              <a:t>cout</a:t>
+            </a:r>
+            <a:r>
+              <a:rPr lang="en-US" altLang="zh-TW" b="0" dirty="0">
+                <a:solidFill>
+                  <a:srgbClr val="000000"/>
+                </a:solidFill>
+                <a:effectLst/>
+                <a:latin typeface="Consolas" panose="020B0609020204030204" pitchFamily="49" charset="0"/>
+              </a:rPr>
+              <a:t> </a:t>
+            </a:r>
+            <a:r>
+              <a:rPr lang="en-US" altLang="zh-TW" b="0" dirty="0">
+                <a:solidFill>
+                  <a:srgbClr val="795E26"/>
+                </a:solidFill>
+                <a:effectLst/>
+                <a:latin typeface="Consolas" panose="020B0609020204030204" pitchFamily="49" charset="0"/>
+              </a:rPr>
+              <a:t>&lt;&lt;</a:t>
+            </a:r>
+            <a:r>
+              <a:rPr lang="en-US" altLang="zh-TW" b="0" dirty="0">
+                <a:solidFill>
+                  <a:srgbClr val="000000"/>
+                </a:solidFill>
+                <a:effectLst/>
+                <a:latin typeface="Consolas" panose="020B0609020204030204" pitchFamily="49" charset="0"/>
+              </a:rPr>
+              <a:t> </a:t>
+            </a:r>
+            <a:r>
+              <a:rPr lang="en-US" altLang="zh-TW" b="0" dirty="0">
+                <a:solidFill>
+                  <a:srgbClr val="A31515"/>
+                </a:solidFill>
+                <a:effectLst/>
+                <a:latin typeface="Consolas" panose="020B0609020204030204" pitchFamily="49" charset="0"/>
+              </a:rPr>
+              <a:t>"...</a:t>
+            </a:r>
+            <a:r>
+              <a:rPr lang="en-US" altLang="zh-TW" b="0" dirty="0">
+                <a:solidFill>
+                  <a:srgbClr val="EE0000"/>
+                </a:solidFill>
+                <a:effectLst/>
+                <a:latin typeface="Consolas" panose="020B0609020204030204" pitchFamily="49" charset="0"/>
+              </a:rPr>
+              <a:t>\n</a:t>
+            </a:r>
+            <a:r>
+              <a:rPr lang="en-US" altLang="zh-TW" b="0" dirty="0">
+                <a:solidFill>
+                  <a:srgbClr val="A31515"/>
+                </a:solidFill>
+                <a:effectLst/>
+                <a:latin typeface="Consolas" panose="020B0609020204030204" pitchFamily="49" charset="0"/>
+              </a:rPr>
+              <a:t>"</a:t>
+            </a:r>
+            <a:r>
+              <a:rPr lang="en-US" altLang="zh-TW" b="0" dirty="0">
+                <a:solidFill>
+                  <a:srgbClr val="000000"/>
+                </a:solidFill>
+                <a:effectLst/>
+                <a:latin typeface="Consolas" panose="020B0609020204030204" pitchFamily="49" charset="0"/>
+              </a:rPr>
+              <a:t>;</a:t>
+            </a:r>
+          </a:p>
+          <a:p>
+            <a:r>
+              <a:rPr lang="en-US" altLang="zh-TW" b="0" dirty="0">
+                <a:solidFill>
+                  <a:srgbClr val="000000"/>
+                </a:solidFill>
+                <a:effectLst/>
+                <a:latin typeface="Consolas" panose="020B0609020204030204" pitchFamily="49" charset="0"/>
+              </a:rPr>
+              <a:t>        </a:t>
+            </a:r>
+            <a:r>
+              <a:rPr lang="en-US" altLang="zh-TW" b="0" dirty="0">
+                <a:solidFill>
+                  <a:srgbClr val="AF00DB"/>
+                </a:solidFill>
+                <a:effectLst/>
+                <a:latin typeface="Consolas" panose="020B0609020204030204" pitchFamily="49" charset="0"/>
+              </a:rPr>
+              <a:t>break</a:t>
+            </a:r>
+            <a:r>
+              <a:rPr lang="en-US" altLang="zh-TW" b="0" dirty="0">
+                <a:solidFill>
+                  <a:srgbClr val="000000"/>
+                </a:solidFill>
+                <a:effectLst/>
+                <a:latin typeface="Consolas" panose="020B0609020204030204" pitchFamily="49" charset="0"/>
+              </a:rPr>
+              <a:t>;</a:t>
+            </a:r>
+          </a:p>
+          <a:p>
+            <a:r>
+              <a:rPr lang="en-US" altLang="zh-TW" b="0" dirty="0">
+                <a:solidFill>
+                  <a:srgbClr val="000000"/>
+                </a:solidFill>
+                <a:effectLst/>
+                <a:latin typeface="Consolas" panose="020B0609020204030204" pitchFamily="49" charset="0"/>
+              </a:rPr>
+              <a:t>    }</a:t>
+            </a:r>
+          </a:p>
+        </p:txBody>
+      </p:sp>
+    </p:spTree>
+    <p:extLst>
+      <p:ext uri="{BB962C8B-B14F-4D97-AF65-F5344CB8AC3E}">
+        <p14:creationId xmlns:p14="http://schemas.microsoft.com/office/powerpoint/2010/main" val="2167787086"/>
       </p:ext>
     </p:extLst>
   </p:cSld>
@@ -17847,6 +21664,564 @@
 </p:sld>
 </file>
 
+<file path=ppt/slides/slide20.xml><?xml version="1.0" encoding="utf-8"?>
+<p:sld xmlns:a="http://schemas.openxmlformats.org/drawingml/2006/main" xmlns:r="http://schemas.openxmlformats.org/officeDocument/2006/relationships" xmlns:p="http://schemas.openxmlformats.org/presentationml/2006/main">
+  <p:cSld>
+    <p:spTree>
+      <p:nvGrpSpPr>
+        <p:cNvPr id="1" name=""/>
+        <p:cNvGrpSpPr/>
+        <p:nvPr/>
+      </p:nvGrpSpPr>
+      <p:grpSpPr>
+        <a:xfrm>
+          <a:off x="0" y="0"/>
+          <a:ext cx="0" cy="0"/>
+          <a:chOff x="0" y="0"/>
+          <a:chExt cx="0" cy="0"/>
+        </a:xfrm>
+      </p:grpSpPr>
+      <p:sp>
+        <p:nvSpPr>
+          <p:cNvPr id="2" name="標題 1">
+            <a:extLst>
+              <a:ext uri="{FF2B5EF4-FFF2-40B4-BE49-F238E27FC236}">
+                <a16:creationId xmlns:a16="http://schemas.microsoft.com/office/drawing/2014/main" id="{CF249FCC-4E37-42D9-9F70-1AFA136E59C8}"/>
+              </a:ext>
+            </a:extLst>
+          </p:cNvPr>
+          <p:cNvSpPr>
+            <a:spLocks noGrp="1"/>
+          </p:cNvSpPr>
+          <p:nvPr>
+            <p:ph type="title"/>
+          </p:nvPr>
+        </p:nvSpPr>
+        <p:spPr>
+          <a:xfrm>
+            <a:off x="643468" y="643467"/>
+            <a:ext cx="4620584" cy="4567137"/>
+          </a:xfrm>
+        </p:spPr>
+        <p:txBody>
+          <a:bodyPr vert="horz" lIns="91440" tIns="45720" rIns="91440" bIns="45720" rtlCol="0" anchor="b">
+            <a:normAutofit/>
+          </a:bodyPr>
+          <a:lstStyle/>
+          <a:p>
+            <a:r>
+              <a:rPr lang="en-US" altLang="zh-TW" sz="4800" i="1"/>
+              <a:t>Questions</a:t>
+            </a:r>
+          </a:p>
+        </p:txBody>
+      </p:sp>
+      <p:pic>
+        <p:nvPicPr>
+          <p:cNvPr id="4" name="Picture 3" descr="Question mark on green pastel background">
+            <a:extLst>
+              <a:ext uri="{FF2B5EF4-FFF2-40B4-BE49-F238E27FC236}">
+                <a16:creationId xmlns:a16="http://schemas.microsoft.com/office/drawing/2014/main" id="{478FF4FD-58E0-4672-8112-25C88FA0A23F}"/>
+              </a:ext>
+            </a:extLst>
+          </p:cNvPr>
+          <p:cNvPicPr>
+            <a:picLocks noChangeAspect="1"/>
+          </p:cNvPicPr>
+          <p:nvPr/>
+        </p:nvPicPr>
+        <p:blipFill rotWithShape="1">
+          <a:blip r:embed="rId2"/>
+          <a:srcRect l="34790"/>
+          <a:stretch/>
+        </p:blipFill>
+        <p:spPr>
+          <a:xfrm>
+            <a:off x="6229215" y="10"/>
+            <a:ext cx="5962785" cy="6857990"/>
+          </a:xfrm>
+          <a:custGeom>
+            <a:avLst/>
+            <a:gdLst/>
+            <a:ahLst/>
+            <a:cxnLst/>
+            <a:rect l="l" t="t" r="r" b="b"/>
+            <a:pathLst>
+              <a:path w="5962785" h="6858000">
+                <a:moveTo>
+                  <a:pt x="1044839" y="0"/>
+                </a:moveTo>
+                <a:lnTo>
+                  <a:pt x="5962785" y="0"/>
+                </a:lnTo>
+                <a:lnTo>
+                  <a:pt x="5962785" y="6858000"/>
+                </a:lnTo>
+                <a:lnTo>
+                  <a:pt x="1469886" y="6858000"/>
+                </a:lnTo>
+                <a:lnTo>
+                  <a:pt x="1416006" y="6823984"/>
+                </a:lnTo>
+                <a:cubicBezTo>
+                  <a:pt x="1356767" y="6787940"/>
+                  <a:pt x="1296437" y="6755500"/>
+                  <a:pt x="1232473" y="6733873"/>
+                </a:cubicBezTo>
+                <a:cubicBezTo>
+                  <a:pt x="1145250" y="6705037"/>
+                  <a:pt x="1060933" y="6654575"/>
+                  <a:pt x="1075471" y="6503186"/>
+                </a:cubicBezTo>
+                <a:cubicBezTo>
+                  <a:pt x="1078378" y="6459932"/>
+                  <a:pt x="1055118" y="6427493"/>
+                  <a:pt x="1020229" y="6438306"/>
+                </a:cubicBezTo>
+                <a:cubicBezTo>
+                  <a:pt x="953358" y="6459932"/>
+                  <a:pt x="921375" y="6398656"/>
+                  <a:pt x="883579" y="6351798"/>
+                </a:cubicBezTo>
+                <a:cubicBezTo>
+                  <a:pt x="816707" y="6268895"/>
+                  <a:pt x="752743" y="6182387"/>
+                  <a:pt x="645167" y="6167969"/>
+                </a:cubicBezTo>
+                <a:cubicBezTo>
+                  <a:pt x="665519" y="6103088"/>
+                  <a:pt x="700408" y="6110298"/>
+                  <a:pt x="732391" y="6124716"/>
+                </a:cubicBezTo>
+                <a:cubicBezTo>
+                  <a:pt x="816707" y="6160761"/>
+                  <a:pt x="901023" y="6200410"/>
+                  <a:pt x="985339" y="6236455"/>
+                </a:cubicBezTo>
+                <a:cubicBezTo>
+                  <a:pt x="1040581" y="6258081"/>
+                  <a:pt x="1095822" y="6290522"/>
+                  <a:pt x="1168509" y="6265291"/>
+                </a:cubicBezTo>
+                <a:cubicBezTo>
+                  <a:pt x="1104545" y="6135530"/>
+                  <a:pt x="996969" y="6110298"/>
+                  <a:pt x="909746" y="6070649"/>
+                </a:cubicBezTo>
+                <a:cubicBezTo>
+                  <a:pt x="802169" y="6020185"/>
+                  <a:pt x="738206" y="5926470"/>
+                  <a:pt x="659704" y="5818335"/>
+                </a:cubicBezTo>
+                <a:cubicBezTo>
+                  <a:pt x="738206" y="5789500"/>
+                  <a:pt x="787632" y="5868798"/>
+                  <a:pt x="851597" y="5865193"/>
+                </a:cubicBezTo>
+                <a:cubicBezTo>
+                  <a:pt x="854504" y="5854380"/>
+                  <a:pt x="860319" y="5832753"/>
+                  <a:pt x="860319" y="5832753"/>
+                </a:cubicBezTo>
+                <a:cubicBezTo>
+                  <a:pt x="755650" y="5775081"/>
+                  <a:pt x="709132" y="5666947"/>
+                  <a:pt x="691686" y="5533581"/>
+                </a:cubicBezTo>
+                <a:cubicBezTo>
+                  <a:pt x="685872" y="5465095"/>
+                  <a:pt x="648075" y="5443468"/>
+                  <a:pt x="610278" y="5411029"/>
+                </a:cubicBezTo>
+                <a:cubicBezTo>
+                  <a:pt x="482350" y="5299289"/>
+                  <a:pt x="345700" y="5198364"/>
+                  <a:pt x="238123" y="5046976"/>
+                </a:cubicBezTo>
+                <a:cubicBezTo>
+                  <a:pt x="363144" y="5064998"/>
+                  <a:pt x="461997" y="5165924"/>
+                  <a:pt x="592833" y="5209177"/>
+                </a:cubicBezTo>
+                <a:cubicBezTo>
+                  <a:pt x="488165" y="5043371"/>
+                  <a:pt x="351514" y="4956864"/>
+                  <a:pt x="226494" y="4855939"/>
+                </a:cubicBezTo>
+                <a:cubicBezTo>
+                  <a:pt x="168344" y="4809081"/>
+                  <a:pt x="116011" y="4751408"/>
+                  <a:pt x="49139" y="4726177"/>
+                </a:cubicBezTo>
+                <a:cubicBezTo>
+                  <a:pt x="25879" y="4718968"/>
+                  <a:pt x="-14825" y="4700947"/>
+                  <a:pt x="5527" y="4650483"/>
+                </a:cubicBezTo>
+                <a:cubicBezTo>
+                  <a:pt x="22972" y="4607230"/>
+                  <a:pt x="54954" y="4621648"/>
+                  <a:pt x="84029" y="4632460"/>
+                </a:cubicBezTo>
+                <a:cubicBezTo>
+                  <a:pt x="153807" y="4661296"/>
+                  <a:pt x="229401" y="4661296"/>
+                  <a:pt x="325347" y="4661296"/>
+                </a:cubicBezTo>
+                <a:cubicBezTo>
+                  <a:pt x="243939" y="4524326"/>
+                  <a:pt x="95658" y="4567580"/>
+                  <a:pt x="25879" y="4423401"/>
+                </a:cubicBezTo>
+                <a:cubicBezTo>
+                  <a:pt x="113103" y="4398170"/>
+                  <a:pt x="179975" y="4448632"/>
+                  <a:pt x="249753" y="4459446"/>
+                </a:cubicBezTo>
+                <a:cubicBezTo>
+                  <a:pt x="313718" y="4470259"/>
+                  <a:pt x="328254" y="4445028"/>
+                  <a:pt x="313718" y="4365729"/>
+                </a:cubicBezTo>
+                <a:cubicBezTo>
+                  <a:pt x="290458" y="4243177"/>
+                  <a:pt x="325347" y="4181900"/>
+                  <a:pt x="418386" y="4214341"/>
+                </a:cubicBezTo>
+                <a:cubicBezTo>
+                  <a:pt x="505609" y="4246781"/>
+                  <a:pt x="514332" y="4199922"/>
+                  <a:pt x="491072" y="4131438"/>
+                </a:cubicBezTo>
+                <a:cubicBezTo>
+                  <a:pt x="456183" y="4030512"/>
+                  <a:pt x="493979" y="3951214"/>
+                  <a:pt x="520147" y="3864706"/>
+                </a:cubicBezTo>
+                <a:cubicBezTo>
+                  <a:pt x="560851" y="3734945"/>
+                  <a:pt x="543407" y="3670064"/>
+                  <a:pt x="459090" y="3572743"/>
+                </a:cubicBezTo>
+                <a:cubicBezTo>
+                  <a:pt x="409664" y="3518676"/>
+                  <a:pt x="360236" y="3471818"/>
+                  <a:pt x="290458" y="3424959"/>
+                </a:cubicBezTo>
+                <a:cubicBezTo>
+                  <a:pt x="450368" y="3399728"/>
+                  <a:pt x="284643" y="3313221"/>
+                  <a:pt x="339884" y="3259153"/>
+                </a:cubicBezTo>
+                <a:cubicBezTo>
+                  <a:pt x="453275" y="3237527"/>
+                  <a:pt x="543407" y="3410542"/>
+                  <a:pt x="697501" y="3360078"/>
+                </a:cubicBezTo>
+                <a:cubicBezTo>
+                  <a:pt x="511425" y="3212294"/>
+                  <a:pt x="302087" y="3165436"/>
+                  <a:pt x="165437" y="2967190"/>
+                </a:cubicBezTo>
+                <a:cubicBezTo>
+                  <a:pt x="197419" y="2923937"/>
+                  <a:pt x="229401" y="2967190"/>
+                  <a:pt x="255568" y="2949167"/>
+                </a:cubicBezTo>
+                <a:cubicBezTo>
+                  <a:pt x="255568" y="2938354"/>
+                  <a:pt x="560851" y="3006840"/>
+                  <a:pt x="578296" y="2725691"/>
+                </a:cubicBezTo>
+                <a:cubicBezTo>
+                  <a:pt x="584111" y="2725691"/>
+                  <a:pt x="589926" y="2725691"/>
+                  <a:pt x="595740" y="2714876"/>
+                </a:cubicBezTo>
+                <a:cubicBezTo>
+                  <a:pt x="627722" y="2675228"/>
+                  <a:pt x="598648" y="2581510"/>
+                  <a:pt x="650982" y="2574301"/>
+                </a:cubicBezTo>
+                <a:cubicBezTo>
+                  <a:pt x="709132" y="2567092"/>
+                  <a:pt x="764373" y="2534653"/>
+                  <a:pt x="825429" y="2552674"/>
+                </a:cubicBezTo>
+                <a:cubicBezTo>
+                  <a:pt x="871949" y="2567092"/>
+                  <a:pt x="921375" y="2585115"/>
+                  <a:pt x="970802" y="2585115"/>
+                </a:cubicBezTo>
+                <a:cubicBezTo>
+                  <a:pt x="1023136" y="2585115"/>
+                  <a:pt x="1095822" y="2707668"/>
+                  <a:pt x="1127805" y="2545465"/>
+                </a:cubicBezTo>
+                <a:cubicBezTo>
+                  <a:pt x="1127805" y="2538257"/>
+                  <a:pt x="1217936" y="2556280"/>
+                  <a:pt x="1267362" y="2563488"/>
+                </a:cubicBezTo>
+                <a:cubicBezTo>
+                  <a:pt x="1308067" y="2570698"/>
+                  <a:pt x="1357494" y="2603137"/>
+                  <a:pt x="1386568" y="2538257"/>
+                </a:cubicBezTo>
+                <a:cubicBezTo>
+                  <a:pt x="1401105" y="2498607"/>
+                  <a:pt x="1331326" y="2426518"/>
+                  <a:pt x="1270270" y="2419309"/>
+                </a:cubicBezTo>
+                <a:cubicBezTo>
+                  <a:pt x="1215029" y="2412101"/>
+                  <a:pt x="1159787" y="2404892"/>
+                  <a:pt x="1107453" y="2419309"/>
+                </a:cubicBezTo>
+                <a:cubicBezTo>
+                  <a:pt x="1043489" y="2437331"/>
+                  <a:pt x="1008599" y="2408495"/>
+                  <a:pt x="991154" y="2343615"/>
+                </a:cubicBezTo>
+                <a:cubicBezTo>
+                  <a:pt x="970802" y="2275131"/>
+                  <a:pt x="933005" y="2239085"/>
+                  <a:pt x="880671" y="2206645"/>
+                </a:cubicBezTo>
+                <a:cubicBezTo>
+                  <a:pt x="752743" y="2127346"/>
+                  <a:pt x="630630" y="2033629"/>
+                  <a:pt x="491072" y="1986771"/>
+                </a:cubicBezTo>
+                <a:cubicBezTo>
+                  <a:pt x="464905" y="1979562"/>
+                  <a:pt x="432923" y="1965145"/>
+                  <a:pt x="421293" y="1903868"/>
+                </a:cubicBezTo>
+                <a:cubicBezTo>
+                  <a:pt x="799262" y="1997584"/>
+                  <a:pt x="1142342" y="2239085"/>
+                  <a:pt x="1531941" y="2224667"/>
+                </a:cubicBezTo>
+                <a:cubicBezTo>
+                  <a:pt x="1427272" y="2148974"/>
+                  <a:pt x="1302252" y="2145369"/>
+                  <a:pt x="1188861" y="2091301"/>
+                </a:cubicBezTo>
+                <a:cubicBezTo>
+                  <a:pt x="1270270" y="2051652"/>
+                  <a:pt x="1345864" y="2094906"/>
+                  <a:pt x="1421458" y="2116532"/>
+                </a:cubicBezTo>
+                <a:cubicBezTo>
+                  <a:pt x="1485422" y="2134554"/>
+                  <a:pt x="1543571" y="2138160"/>
+                  <a:pt x="1549386" y="2026420"/>
+                </a:cubicBezTo>
+                <a:cubicBezTo>
+                  <a:pt x="1549386" y="2015607"/>
+                  <a:pt x="1549386" y="2008398"/>
+                  <a:pt x="1549386" y="1997584"/>
+                </a:cubicBezTo>
+                <a:cubicBezTo>
+                  <a:pt x="1526126" y="1950727"/>
+                  <a:pt x="1494144" y="1929099"/>
+                  <a:pt x="1453440" y="1914682"/>
+                </a:cubicBezTo>
+                <a:cubicBezTo>
+                  <a:pt x="1430180" y="1907473"/>
+                  <a:pt x="1398198" y="1893056"/>
+                  <a:pt x="1398198" y="1860614"/>
+                </a:cubicBezTo>
+                <a:cubicBezTo>
+                  <a:pt x="1401105" y="1738063"/>
+                  <a:pt x="1322604" y="1702018"/>
+                  <a:pt x="1247011" y="1665972"/>
+                </a:cubicBezTo>
+                <a:cubicBezTo>
+                  <a:pt x="1287715" y="1604696"/>
+                  <a:pt x="1322604" y="1647950"/>
+                  <a:pt x="1354586" y="1644345"/>
+                </a:cubicBezTo>
+                <a:cubicBezTo>
+                  <a:pt x="1374939" y="1640741"/>
+                  <a:pt x="1395290" y="1637138"/>
+                  <a:pt x="1395290" y="1604696"/>
+                </a:cubicBezTo>
+                <a:cubicBezTo>
+                  <a:pt x="1395290" y="1579465"/>
+                  <a:pt x="1386568" y="1547025"/>
+                  <a:pt x="1366216" y="1547025"/>
+                </a:cubicBezTo>
+                <a:cubicBezTo>
+                  <a:pt x="1238288" y="1543420"/>
+                  <a:pt x="1165601" y="1370405"/>
+                  <a:pt x="1031858" y="1370405"/>
+                </a:cubicBezTo>
+                <a:cubicBezTo>
+                  <a:pt x="950450" y="1370405"/>
+                  <a:pt x="1072563" y="1273083"/>
+                  <a:pt x="1005692" y="1233435"/>
+                </a:cubicBezTo>
+                <a:cubicBezTo>
+                  <a:pt x="991154" y="1222621"/>
+                  <a:pt x="1046396" y="1208203"/>
+                  <a:pt x="1069655" y="1211808"/>
+                </a:cubicBezTo>
+                <a:cubicBezTo>
+                  <a:pt x="1092915" y="1215412"/>
+                  <a:pt x="1113268" y="1240644"/>
+                  <a:pt x="1142342" y="1222621"/>
+                </a:cubicBezTo>
+                <a:cubicBezTo>
+                  <a:pt x="1156879" y="1157741"/>
+                  <a:pt x="1119082" y="1132510"/>
+                  <a:pt x="1084193" y="1114487"/>
+                </a:cubicBezTo>
+                <a:cubicBezTo>
+                  <a:pt x="1008599" y="1071234"/>
+                  <a:pt x="933005" y="1020771"/>
+                  <a:pt x="848689" y="1006353"/>
+                </a:cubicBezTo>
+                <a:cubicBezTo>
+                  <a:pt x="819615" y="1002748"/>
+                  <a:pt x="802169" y="984726"/>
+                  <a:pt x="805077" y="948681"/>
+                </a:cubicBezTo>
+                <a:cubicBezTo>
+                  <a:pt x="810892" y="901822"/>
+                  <a:pt x="839967" y="916240"/>
+                  <a:pt x="863226" y="919844"/>
+                </a:cubicBezTo>
+                <a:cubicBezTo>
+                  <a:pt x="877764" y="923450"/>
+                  <a:pt x="892301" y="934263"/>
+                  <a:pt x="906838" y="909031"/>
+                </a:cubicBezTo>
+                <a:cubicBezTo>
+                  <a:pt x="566666" y="653113"/>
+                  <a:pt x="386404" y="667532"/>
+                  <a:pt x="5527" y="458471"/>
+                </a:cubicBezTo>
+                <a:cubicBezTo>
+                  <a:pt x="89843" y="418822"/>
+                  <a:pt x="150900" y="447658"/>
+                  <a:pt x="209049" y="454867"/>
+                </a:cubicBezTo>
+                <a:cubicBezTo>
+                  <a:pt x="354422" y="472890"/>
+                  <a:pt x="264290" y="505329"/>
+                  <a:pt x="409664" y="526956"/>
+                </a:cubicBezTo>
+                <a:cubicBezTo>
+                  <a:pt x="479443" y="537770"/>
+                  <a:pt x="543407" y="573815"/>
+                  <a:pt x="621908" y="516143"/>
+                </a:cubicBezTo>
+                <a:cubicBezTo>
+                  <a:pt x="674242" y="476494"/>
+                  <a:pt x="758558" y="519747"/>
+                  <a:pt x="822522" y="552188"/>
+                </a:cubicBezTo>
+                <a:cubicBezTo>
+                  <a:pt x="874856" y="581024"/>
+                  <a:pt x="927190" y="588232"/>
+                  <a:pt x="996969" y="552188"/>
+                </a:cubicBezTo>
+                <a:cubicBezTo>
+                  <a:pt x="933005" y="530562"/>
+                  <a:pt x="883579" y="512539"/>
+                  <a:pt x="834151" y="498120"/>
+                </a:cubicBezTo>
+                <a:cubicBezTo>
+                  <a:pt x="793447" y="487307"/>
+                  <a:pt x="770187" y="462076"/>
+                  <a:pt x="773095" y="408008"/>
+                </a:cubicBezTo>
+                <a:cubicBezTo>
+                  <a:pt x="773095" y="379172"/>
+                  <a:pt x="764373" y="339523"/>
+                  <a:pt x="793447" y="325106"/>
+                </a:cubicBezTo>
+                <a:cubicBezTo>
+                  <a:pt x="816707" y="310688"/>
+                  <a:pt x="848689" y="325106"/>
+                  <a:pt x="860319" y="350336"/>
+                </a:cubicBezTo>
+                <a:cubicBezTo>
+                  <a:pt x="874856" y="397195"/>
+                  <a:pt x="889393" y="440449"/>
+                  <a:pt x="938820" y="444054"/>
+                </a:cubicBezTo>
+                <a:cubicBezTo>
+                  <a:pt x="1005692" y="451262"/>
+                  <a:pt x="967894" y="422426"/>
+                  <a:pt x="956265" y="386381"/>
+                </a:cubicBezTo>
+                <a:cubicBezTo>
+                  <a:pt x="944635" y="346733"/>
+                  <a:pt x="979525" y="335919"/>
+                  <a:pt x="1002784" y="343127"/>
+                </a:cubicBezTo>
+                <a:cubicBezTo>
+                  <a:pt x="1090008" y="375569"/>
+                  <a:pt x="1180139" y="317897"/>
+                  <a:pt x="1270270" y="364755"/>
+                </a:cubicBezTo>
+                <a:cubicBezTo>
+                  <a:pt x="1247011" y="249411"/>
+                  <a:pt x="1197583" y="198949"/>
+                  <a:pt x="1092915" y="180926"/>
+                </a:cubicBezTo>
+                <a:cubicBezTo>
+                  <a:pt x="1055118" y="177322"/>
+                  <a:pt x="1014414" y="184530"/>
+                  <a:pt x="979525" y="152090"/>
+                </a:cubicBezTo>
+                <a:cubicBezTo>
+                  <a:pt x="959172" y="134068"/>
+                  <a:pt x="938820" y="112441"/>
+                  <a:pt x="953358" y="76396"/>
+                </a:cubicBezTo>
+                <a:cubicBezTo>
+                  <a:pt x="962080" y="51165"/>
+                  <a:pt x="985339" y="51165"/>
+                  <a:pt x="1005692" y="58373"/>
+                </a:cubicBezTo>
+                <a:cubicBezTo>
+                  <a:pt x="1090008" y="98023"/>
+                  <a:pt x="1180139" y="108837"/>
+                  <a:pt x="1267362" y="123254"/>
+                </a:cubicBezTo>
+                <a:cubicBezTo>
+                  <a:pt x="1281900" y="126859"/>
+                  <a:pt x="1296437" y="134068"/>
+                  <a:pt x="1310975" y="98023"/>
+                </a:cubicBezTo>
+                <a:cubicBezTo>
+                  <a:pt x="1260095" y="81803"/>
+                  <a:pt x="1209941" y="62879"/>
+                  <a:pt x="1159787" y="43505"/>
+                </a:cubicBezTo>
+                <a:close/>
+              </a:path>
+            </a:pathLst>
+          </a:custGeom>
+        </p:spPr>
+      </p:pic>
+    </p:spTree>
+    <p:extLst>
+      <p:ext uri="{BB962C8B-B14F-4D97-AF65-F5344CB8AC3E}">
+        <p14:creationId xmlns:p14="http://schemas.microsoft.com/office/powerpoint/2010/main" val="1654317322"/>
+      </p:ext>
+    </p:extLst>
+  </p:cSld>
+  <p:clrMapOvr>
+    <a:masterClrMapping/>
+  </p:clrMapOvr>
+</p:sld>
+</file>
+
 <file path=ppt/slides/slide3.xml><?xml version="1.0" encoding="utf-8"?>
 <p:sld xmlns:a="http://schemas.openxmlformats.org/drawingml/2006/main" xmlns:r="http://schemas.openxmlformats.org/officeDocument/2006/relationships" xmlns:p="http://schemas.openxmlformats.org/presentationml/2006/main">
   <p:cSld>
